--- a/190515 - DotNext @Saint Petersburg/API Gateway made easy with Ocelot and Containers.pptx
+++ b/190515 - DotNext @Saint Petersburg/API Gateway made easy with Ocelot and Containers.pptx
@@ -10,20 +10,21 @@
     <p:sldId id="259" r:id="rId4"/>
     <p:sldId id="258" r:id="rId5"/>
     <p:sldId id="260" r:id="rId6"/>
-    <p:sldId id="261" r:id="rId7"/>
-    <p:sldId id="262" r:id="rId8"/>
-    <p:sldId id="263" r:id="rId9"/>
-    <p:sldId id="264" r:id="rId10"/>
-    <p:sldId id="265" r:id="rId11"/>
-    <p:sldId id="266" r:id="rId12"/>
-    <p:sldId id="267" r:id="rId13"/>
-    <p:sldId id="268" r:id="rId14"/>
-    <p:sldId id="269" r:id="rId15"/>
-    <p:sldId id="270" r:id="rId16"/>
-    <p:sldId id="271" r:id="rId17"/>
-    <p:sldId id="273" r:id="rId18"/>
-    <p:sldId id="272" r:id="rId19"/>
-    <p:sldId id="275" r:id="rId20"/>
+    <p:sldId id="276" r:id="rId7"/>
+    <p:sldId id="261" r:id="rId8"/>
+    <p:sldId id="262" r:id="rId9"/>
+    <p:sldId id="263" r:id="rId10"/>
+    <p:sldId id="264" r:id="rId11"/>
+    <p:sldId id="265" r:id="rId12"/>
+    <p:sldId id="266" r:id="rId13"/>
+    <p:sldId id="267" r:id="rId14"/>
+    <p:sldId id="268" r:id="rId15"/>
+    <p:sldId id="269" r:id="rId16"/>
+    <p:sldId id="270" r:id="rId17"/>
+    <p:sldId id="271" r:id="rId18"/>
+    <p:sldId id="273" r:id="rId19"/>
+    <p:sldId id="272" r:id="rId20"/>
+    <p:sldId id="275" r:id="rId21"/>
   </p:sldIdLst>
   <p:sldSz cx="12192000" cy="6858000"/>
   <p:notesSz cx="6858000" cy="9144000"/>
@@ -128,6 +129,3210 @@
     </p:ext>
   </p:extLst>
 </p:presentation>
+</file>
+
+<file path=ppt/diagrams/colors1.xml><?xml version="1.0" encoding="utf-8"?>
+<dgm:colorsDef xmlns:dgm="http://schemas.openxmlformats.org/drawingml/2006/diagram" xmlns:a="http://schemas.openxmlformats.org/drawingml/2006/main" uniqueId="urn:microsoft.com/office/officeart/2005/8/colors/accent1_2">
+  <dgm:title val=""/>
+  <dgm:desc val=""/>
+  <dgm:catLst>
+    <dgm:cat type="accent1" pri="11200"/>
+  </dgm:catLst>
+  <dgm:styleLbl name="node0">
+    <dgm:fillClrLst meth="repeat">
+      <a:schemeClr val="accent1"/>
+    </dgm:fillClrLst>
+    <dgm:linClrLst meth="repeat">
+      <a:schemeClr val="lt1"/>
+    </dgm:linClrLst>
+    <dgm:effectClrLst/>
+    <dgm:txLinClrLst/>
+    <dgm:txFillClrLst/>
+    <dgm:txEffectClrLst/>
+  </dgm:styleLbl>
+  <dgm:styleLbl name="alignNode1">
+    <dgm:fillClrLst meth="repeat">
+      <a:schemeClr val="accent1"/>
+    </dgm:fillClrLst>
+    <dgm:linClrLst meth="repeat">
+      <a:schemeClr val="accent1"/>
+    </dgm:linClrLst>
+    <dgm:effectClrLst/>
+    <dgm:txLinClrLst/>
+    <dgm:txFillClrLst/>
+    <dgm:txEffectClrLst/>
+  </dgm:styleLbl>
+  <dgm:styleLbl name="node1">
+    <dgm:fillClrLst meth="repeat">
+      <a:schemeClr val="accent1"/>
+    </dgm:fillClrLst>
+    <dgm:linClrLst meth="repeat">
+      <a:schemeClr val="lt1"/>
+    </dgm:linClrLst>
+    <dgm:effectClrLst/>
+    <dgm:txLinClrLst/>
+    <dgm:txFillClrLst/>
+    <dgm:txEffectClrLst/>
+  </dgm:styleLbl>
+  <dgm:styleLbl name="lnNode1">
+    <dgm:fillClrLst meth="repeat">
+      <a:schemeClr val="accent1"/>
+    </dgm:fillClrLst>
+    <dgm:linClrLst meth="repeat">
+      <a:schemeClr val="lt1"/>
+    </dgm:linClrLst>
+    <dgm:effectClrLst/>
+    <dgm:txLinClrLst/>
+    <dgm:txFillClrLst/>
+    <dgm:txEffectClrLst/>
+  </dgm:styleLbl>
+  <dgm:styleLbl name="vennNode1">
+    <dgm:fillClrLst meth="repeat">
+      <a:schemeClr val="accent1">
+        <a:alpha val="50000"/>
+      </a:schemeClr>
+    </dgm:fillClrLst>
+    <dgm:linClrLst meth="repeat">
+      <a:schemeClr val="lt1"/>
+    </dgm:linClrLst>
+    <dgm:effectClrLst/>
+    <dgm:txLinClrLst/>
+    <dgm:txFillClrLst/>
+    <dgm:txEffectClrLst/>
+  </dgm:styleLbl>
+  <dgm:styleLbl name="node2">
+    <dgm:fillClrLst meth="repeat">
+      <a:schemeClr val="accent1"/>
+    </dgm:fillClrLst>
+    <dgm:linClrLst meth="repeat">
+      <a:schemeClr val="lt1"/>
+    </dgm:linClrLst>
+    <dgm:effectClrLst/>
+    <dgm:txLinClrLst/>
+    <dgm:txFillClrLst/>
+    <dgm:txEffectClrLst/>
+  </dgm:styleLbl>
+  <dgm:styleLbl name="node3">
+    <dgm:fillClrLst meth="repeat">
+      <a:schemeClr val="accent1"/>
+    </dgm:fillClrLst>
+    <dgm:linClrLst meth="repeat">
+      <a:schemeClr val="lt1"/>
+    </dgm:linClrLst>
+    <dgm:effectClrLst/>
+    <dgm:txLinClrLst/>
+    <dgm:txFillClrLst/>
+    <dgm:txEffectClrLst/>
+  </dgm:styleLbl>
+  <dgm:styleLbl name="node4">
+    <dgm:fillClrLst meth="repeat">
+      <a:schemeClr val="accent1"/>
+    </dgm:fillClrLst>
+    <dgm:linClrLst meth="repeat">
+      <a:schemeClr val="lt1"/>
+    </dgm:linClrLst>
+    <dgm:effectClrLst/>
+    <dgm:txLinClrLst/>
+    <dgm:txFillClrLst/>
+    <dgm:txEffectClrLst/>
+  </dgm:styleLbl>
+  <dgm:styleLbl name="fgImgPlace1">
+    <dgm:fillClrLst meth="repeat">
+      <a:schemeClr val="accent1">
+        <a:tint val="50000"/>
+      </a:schemeClr>
+    </dgm:fillClrLst>
+    <dgm:linClrLst meth="repeat">
+      <a:schemeClr val="lt1"/>
+    </dgm:linClrLst>
+    <dgm:effectClrLst/>
+    <dgm:txLinClrLst/>
+    <dgm:txFillClrLst meth="repeat">
+      <a:schemeClr val="lt1"/>
+    </dgm:txFillClrLst>
+    <dgm:txEffectClrLst/>
+  </dgm:styleLbl>
+  <dgm:styleLbl name="alignImgPlace1">
+    <dgm:fillClrLst meth="repeat">
+      <a:schemeClr val="accent1">
+        <a:tint val="50000"/>
+      </a:schemeClr>
+    </dgm:fillClrLst>
+    <dgm:linClrLst meth="repeat">
+      <a:schemeClr val="lt1"/>
+    </dgm:linClrLst>
+    <dgm:effectClrLst/>
+    <dgm:txLinClrLst/>
+    <dgm:txFillClrLst meth="repeat">
+      <a:schemeClr val="lt1"/>
+    </dgm:txFillClrLst>
+    <dgm:txEffectClrLst/>
+  </dgm:styleLbl>
+  <dgm:styleLbl name="bgImgPlace1">
+    <dgm:fillClrLst meth="repeat">
+      <a:schemeClr val="accent1">
+        <a:tint val="50000"/>
+      </a:schemeClr>
+    </dgm:fillClrLst>
+    <dgm:linClrLst meth="repeat">
+      <a:schemeClr val="lt1"/>
+    </dgm:linClrLst>
+    <dgm:effectClrLst/>
+    <dgm:txLinClrLst/>
+    <dgm:txFillClrLst meth="repeat">
+      <a:schemeClr val="lt1"/>
+    </dgm:txFillClrLst>
+    <dgm:txEffectClrLst/>
+  </dgm:styleLbl>
+  <dgm:styleLbl name="sibTrans2D1">
+    <dgm:fillClrLst meth="repeat">
+      <a:schemeClr val="accent1">
+        <a:tint val="60000"/>
+      </a:schemeClr>
+    </dgm:fillClrLst>
+    <dgm:linClrLst meth="repeat">
+      <a:schemeClr val="accent1">
+        <a:tint val="60000"/>
+      </a:schemeClr>
+    </dgm:linClrLst>
+    <dgm:effectClrLst/>
+    <dgm:txLinClrLst/>
+    <dgm:txFillClrLst/>
+    <dgm:txEffectClrLst/>
+  </dgm:styleLbl>
+  <dgm:styleLbl name="fgSibTrans2D1">
+    <dgm:fillClrLst meth="repeat">
+      <a:schemeClr val="accent1">
+        <a:tint val="60000"/>
+      </a:schemeClr>
+    </dgm:fillClrLst>
+    <dgm:linClrLst meth="repeat">
+      <a:schemeClr val="accent1">
+        <a:tint val="60000"/>
+      </a:schemeClr>
+    </dgm:linClrLst>
+    <dgm:effectClrLst/>
+    <dgm:txLinClrLst/>
+    <dgm:txFillClrLst/>
+    <dgm:txEffectClrLst/>
+  </dgm:styleLbl>
+  <dgm:styleLbl name="bgSibTrans2D1">
+    <dgm:fillClrLst meth="repeat">
+      <a:schemeClr val="accent1">
+        <a:tint val="60000"/>
+      </a:schemeClr>
+    </dgm:fillClrLst>
+    <dgm:linClrLst meth="repeat">
+      <a:schemeClr val="accent1">
+        <a:tint val="60000"/>
+      </a:schemeClr>
+    </dgm:linClrLst>
+    <dgm:effectClrLst/>
+    <dgm:txLinClrLst/>
+    <dgm:txFillClrLst/>
+    <dgm:txEffectClrLst/>
+  </dgm:styleLbl>
+  <dgm:styleLbl name="sibTrans1D1">
+    <dgm:fillClrLst meth="repeat">
+      <a:schemeClr val="accent1"/>
+    </dgm:fillClrLst>
+    <dgm:linClrLst meth="repeat">
+      <a:schemeClr val="accent1"/>
+    </dgm:linClrLst>
+    <dgm:effectClrLst/>
+    <dgm:txLinClrLst/>
+    <dgm:txFillClrLst meth="repeat">
+      <a:schemeClr val="tx1"/>
+    </dgm:txFillClrLst>
+    <dgm:txEffectClrLst/>
+  </dgm:styleLbl>
+  <dgm:styleLbl name="callout">
+    <dgm:fillClrLst meth="repeat">
+      <a:schemeClr val="accent1"/>
+    </dgm:fillClrLst>
+    <dgm:linClrLst meth="repeat">
+      <a:schemeClr val="accent1">
+        <a:tint val="50000"/>
+      </a:schemeClr>
+    </dgm:linClrLst>
+    <dgm:effectClrLst/>
+    <dgm:txLinClrLst/>
+    <dgm:txFillClrLst meth="repeat">
+      <a:schemeClr val="tx1"/>
+    </dgm:txFillClrLst>
+    <dgm:txEffectClrLst/>
+  </dgm:styleLbl>
+  <dgm:styleLbl name="asst0">
+    <dgm:fillClrLst meth="repeat">
+      <a:schemeClr val="accent1"/>
+    </dgm:fillClrLst>
+    <dgm:linClrLst meth="repeat">
+      <a:schemeClr val="lt1"/>
+    </dgm:linClrLst>
+    <dgm:effectClrLst/>
+    <dgm:txLinClrLst/>
+    <dgm:txFillClrLst/>
+    <dgm:txEffectClrLst/>
+  </dgm:styleLbl>
+  <dgm:styleLbl name="asst1">
+    <dgm:fillClrLst meth="repeat">
+      <a:schemeClr val="accent1"/>
+    </dgm:fillClrLst>
+    <dgm:linClrLst meth="repeat">
+      <a:schemeClr val="lt1"/>
+    </dgm:linClrLst>
+    <dgm:effectClrLst/>
+    <dgm:txLinClrLst/>
+    <dgm:txFillClrLst/>
+    <dgm:txEffectClrLst/>
+  </dgm:styleLbl>
+  <dgm:styleLbl name="asst2">
+    <dgm:fillClrLst meth="repeat">
+      <a:schemeClr val="accent1"/>
+    </dgm:fillClrLst>
+    <dgm:linClrLst meth="repeat">
+      <a:schemeClr val="lt1"/>
+    </dgm:linClrLst>
+    <dgm:effectClrLst/>
+    <dgm:txLinClrLst/>
+    <dgm:txFillClrLst/>
+    <dgm:txEffectClrLst/>
+  </dgm:styleLbl>
+  <dgm:styleLbl name="asst3">
+    <dgm:fillClrLst meth="repeat">
+      <a:schemeClr val="accent1"/>
+    </dgm:fillClrLst>
+    <dgm:linClrLst meth="repeat">
+      <a:schemeClr val="lt1"/>
+    </dgm:linClrLst>
+    <dgm:effectClrLst/>
+    <dgm:txLinClrLst/>
+    <dgm:txFillClrLst/>
+    <dgm:txEffectClrLst/>
+  </dgm:styleLbl>
+  <dgm:styleLbl name="asst4">
+    <dgm:fillClrLst meth="repeat">
+      <a:schemeClr val="accent1"/>
+    </dgm:fillClrLst>
+    <dgm:linClrLst meth="repeat">
+      <a:schemeClr val="lt1"/>
+    </dgm:linClrLst>
+    <dgm:effectClrLst/>
+    <dgm:txLinClrLst/>
+    <dgm:txFillClrLst/>
+    <dgm:txEffectClrLst/>
+  </dgm:styleLbl>
+  <dgm:styleLbl name="parChTrans2D1">
+    <dgm:fillClrLst meth="repeat">
+      <a:schemeClr val="accent1">
+        <a:tint val="60000"/>
+      </a:schemeClr>
+    </dgm:fillClrLst>
+    <dgm:linClrLst meth="repeat">
+      <a:schemeClr val="accent1">
+        <a:tint val="60000"/>
+      </a:schemeClr>
+    </dgm:linClrLst>
+    <dgm:effectClrLst/>
+    <dgm:txLinClrLst/>
+    <dgm:txFillClrLst meth="repeat">
+      <a:schemeClr val="lt1"/>
+    </dgm:txFillClrLst>
+    <dgm:txEffectClrLst/>
+  </dgm:styleLbl>
+  <dgm:styleLbl name="parChTrans2D2">
+    <dgm:fillClrLst meth="repeat">
+      <a:schemeClr val="accent1"/>
+    </dgm:fillClrLst>
+    <dgm:linClrLst meth="repeat">
+      <a:schemeClr val="accent1"/>
+    </dgm:linClrLst>
+    <dgm:effectClrLst/>
+    <dgm:txLinClrLst/>
+    <dgm:txFillClrLst meth="repeat">
+      <a:schemeClr val="lt1"/>
+    </dgm:txFillClrLst>
+    <dgm:txEffectClrLst/>
+  </dgm:styleLbl>
+  <dgm:styleLbl name="parChTrans2D3">
+    <dgm:fillClrLst meth="repeat">
+      <a:schemeClr val="accent1"/>
+    </dgm:fillClrLst>
+    <dgm:linClrLst meth="repeat">
+      <a:schemeClr val="accent1"/>
+    </dgm:linClrLst>
+    <dgm:effectClrLst/>
+    <dgm:txLinClrLst/>
+    <dgm:txFillClrLst meth="repeat">
+      <a:schemeClr val="lt1"/>
+    </dgm:txFillClrLst>
+    <dgm:txEffectClrLst/>
+  </dgm:styleLbl>
+  <dgm:styleLbl name="parChTrans2D4">
+    <dgm:fillClrLst meth="repeat">
+      <a:schemeClr val="accent1"/>
+    </dgm:fillClrLst>
+    <dgm:linClrLst meth="repeat">
+      <a:schemeClr val="accent1"/>
+    </dgm:linClrLst>
+    <dgm:effectClrLst/>
+    <dgm:txLinClrLst/>
+    <dgm:txFillClrLst meth="repeat">
+      <a:schemeClr val="lt1"/>
+    </dgm:txFillClrLst>
+    <dgm:txEffectClrLst/>
+  </dgm:styleLbl>
+  <dgm:styleLbl name="parChTrans1D1">
+    <dgm:fillClrLst meth="repeat">
+      <a:schemeClr val="accent1"/>
+    </dgm:fillClrLst>
+    <dgm:linClrLst meth="repeat">
+      <a:schemeClr val="accent1">
+        <a:shade val="60000"/>
+      </a:schemeClr>
+    </dgm:linClrLst>
+    <dgm:effectClrLst/>
+    <dgm:txLinClrLst/>
+    <dgm:txFillClrLst meth="repeat">
+      <a:schemeClr val="tx1"/>
+    </dgm:txFillClrLst>
+    <dgm:txEffectClrLst/>
+  </dgm:styleLbl>
+  <dgm:styleLbl name="parChTrans1D2">
+    <dgm:fillClrLst meth="repeat">
+      <a:schemeClr val="accent1"/>
+    </dgm:fillClrLst>
+    <dgm:linClrLst meth="repeat">
+      <a:schemeClr val="accent1">
+        <a:shade val="60000"/>
+      </a:schemeClr>
+    </dgm:linClrLst>
+    <dgm:effectClrLst/>
+    <dgm:txLinClrLst/>
+    <dgm:txFillClrLst meth="repeat">
+      <a:schemeClr val="tx1"/>
+    </dgm:txFillClrLst>
+    <dgm:txEffectClrLst/>
+  </dgm:styleLbl>
+  <dgm:styleLbl name="parChTrans1D3">
+    <dgm:fillClrLst meth="repeat">
+      <a:schemeClr val="accent1"/>
+    </dgm:fillClrLst>
+    <dgm:linClrLst meth="repeat">
+      <a:schemeClr val="accent1">
+        <a:shade val="80000"/>
+      </a:schemeClr>
+    </dgm:linClrLst>
+    <dgm:effectClrLst/>
+    <dgm:txLinClrLst/>
+    <dgm:txFillClrLst meth="repeat">
+      <a:schemeClr val="tx1"/>
+    </dgm:txFillClrLst>
+    <dgm:txEffectClrLst/>
+  </dgm:styleLbl>
+  <dgm:styleLbl name="parChTrans1D4">
+    <dgm:fillClrLst meth="repeat">
+      <a:schemeClr val="accent1"/>
+    </dgm:fillClrLst>
+    <dgm:linClrLst meth="repeat">
+      <a:schemeClr val="accent1">
+        <a:shade val="80000"/>
+      </a:schemeClr>
+    </dgm:linClrLst>
+    <dgm:effectClrLst/>
+    <dgm:txLinClrLst/>
+    <dgm:txFillClrLst meth="repeat">
+      <a:schemeClr val="tx1"/>
+    </dgm:txFillClrLst>
+    <dgm:txEffectClrLst/>
+  </dgm:styleLbl>
+  <dgm:styleLbl name="fgAcc1">
+    <dgm:fillClrLst meth="repeat">
+      <a:schemeClr val="lt1">
+        <a:alpha val="90000"/>
+      </a:schemeClr>
+    </dgm:fillClrLst>
+    <dgm:linClrLst meth="repeat">
+      <a:schemeClr val="accent1"/>
+    </dgm:linClrLst>
+    <dgm:effectClrLst/>
+    <dgm:txLinClrLst/>
+    <dgm:txFillClrLst meth="repeat">
+      <a:schemeClr val="dk1"/>
+    </dgm:txFillClrLst>
+    <dgm:txEffectClrLst/>
+  </dgm:styleLbl>
+  <dgm:styleLbl name="conFgAcc1">
+    <dgm:fillClrLst meth="repeat">
+      <a:schemeClr val="lt1">
+        <a:alpha val="90000"/>
+      </a:schemeClr>
+    </dgm:fillClrLst>
+    <dgm:linClrLst meth="repeat">
+      <a:schemeClr val="accent1"/>
+    </dgm:linClrLst>
+    <dgm:effectClrLst/>
+    <dgm:txLinClrLst/>
+    <dgm:txFillClrLst meth="repeat">
+      <a:schemeClr val="dk1"/>
+    </dgm:txFillClrLst>
+    <dgm:txEffectClrLst/>
+  </dgm:styleLbl>
+  <dgm:styleLbl name="alignAcc1">
+    <dgm:fillClrLst meth="repeat">
+      <a:schemeClr val="lt1">
+        <a:alpha val="90000"/>
+      </a:schemeClr>
+    </dgm:fillClrLst>
+    <dgm:linClrLst meth="repeat">
+      <a:schemeClr val="accent1"/>
+    </dgm:linClrLst>
+    <dgm:effectClrLst/>
+    <dgm:txLinClrLst/>
+    <dgm:txFillClrLst meth="repeat">
+      <a:schemeClr val="dk1"/>
+    </dgm:txFillClrLst>
+    <dgm:txEffectClrLst/>
+  </dgm:styleLbl>
+  <dgm:styleLbl name="trAlignAcc1">
+    <dgm:fillClrLst meth="repeat">
+      <a:schemeClr val="lt1">
+        <a:alpha val="40000"/>
+      </a:schemeClr>
+    </dgm:fillClrLst>
+    <dgm:linClrLst meth="repeat">
+      <a:schemeClr val="accent1"/>
+    </dgm:linClrLst>
+    <dgm:effectClrLst/>
+    <dgm:txLinClrLst/>
+    <dgm:txFillClrLst meth="repeat">
+      <a:schemeClr val="dk1"/>
+    </dgm:txFillClrLst>
+    <dgm:txEffectClrLst/>
+  </dgm:styleLbl>
+  <dgm:styleLbl name="bgAcc1">
+    <dgm:fillClrLst meth="repeat">
+      <a:schemeClr val="lt1">
+        <a:alpha val="90000"/>
+      </a:schemeClr>
+    </dgm:fillClrLst>
+    <dgm:linClrLst meth="repeat">
+      <a:schemeClr val="accent1"/>
+    </dgm:linClrLst>
+    <dgm:effectClrLst/>
+    <dgm:txLinClrLst/>
+    <dgm:txFillClrLst meth="repeat">
+      <a:schemeClr val="dk1"/>
+    </dgm:txFillClrLst>
+    <dgm:txEffectClrLst/>
+  </dgm:styleLbl>
+  <dgm:styleLbl name="solidFgAcc1">
+    <dgm:fillClrLst meth="repeat">
+      <a:schemeClr val="lt1"/>
+    </dgm:fillClrLst>
+    <dgm:linClrLst meth="repeat">
+      <a:schemeClr val="accent1"/>
+    </dgm:linClrLst>
+    <dgm:effectClrLst/>
+    <dgm:txLinClrLst/>
+    <dgm:txFillClrLst meth="repeat">
+      <a:schemeClr val="dk1"/>
+    </dgm:txFillClrLst>
+    <dgm:txEffectClrLst/>
+  </dgm:styleLbl>
+  <dgm:styleLbl name="solidAlignAcc1">
+    <dgm:fillClrLst meth="repeat">
+      <a:schemeClr val="lt1"/>
+    </dgm:fillClrLst>
+    <dgm:linClrLst meth="repeat">
+      <a:schemeClr val="accent1"/>
+    </dgm:linClrLst>
+    <dgm:effectClrLst/>
+    <dgm:txLinClrLst/>
+    <dgm:txFillClrLst meth="repeat">
+      <a:schemeClr val="dk1"/>
+    </dgm:txFillClrLst>
+    <dgm:txEffectClrLst/>
+  </dgm:styleLbl>
+  <dgm:styleLbl name="solidBgAcc1">
+    <dgm:fillClrLst meth="repeat">
+      <a:schemeClr val="lt1"/>
+    </dgm:fillClrLst>
+    <dgm:linClrLst meth="repeat">
+      <a:schemeClr val="accent1"/>
+    </dgm:linClrLst>
+    <dgm:effectClrLst/>
+    <dgm:txLinClrLst/>
+    <dgm:txFillClrLst meth="repeat">
+      <a:schemeClr val="dk1"/>
+    </dgm:txFillClrLst>
+    <dgm:txEffectClrLst/>
+  </dgm:styleLbl>
+  <dgm:styleLbl name="fgAccFollowNode1">
+    <dgm:fillClrLst meth="repeat">
+      <a:schemeClr val="accent1">
+        <a:alpha val="90000"/>
+        <a:tint val="40000"/>
+      </a:schemeClr>
+    </dgm:fillClrLst>
+    <dgm:linClrLst meth="repeat">
+      <a:schemeClr val="accent1">
+        <a:alpha val="90000"/>
+        <a:tint val="40000"/>
+      </a:schemeClr>
+    </dgm:linClrLst>
+    <dgm:effectClrLst/>
+    <dgm:txLinClrLst/>
+    <dgm:txFillClrLst meth="repeat">
+      <a:schemeClr val="dk1"/>
+    </dgm:txFillClrLst>
+    <dgm:txEffectClrLst/>
+  </dgm:styleLbl>
+  <dgm:styleLbl name="alignAccFollowNode1">
+    <dgm:fillClrLst meth="repeat">
+      <a:schemeClr val="accent1">
+        <a:alpha val="90000"/>
+        <a:tint val="40000"/>
+      </a:schemeClr>
+    </dgm:fillClrLst>
+    <dgm:linClrLst meth="repeat">
+      <a:schemeClr val="accent1">
+        <a:alpha val="90000"/>
+        <a:tint val="40000"/>
+      </a:schemeClr>
+    </dgm:linClrLst>
+    <dgm:effectClrLst/>
+    <dgm:txLinClrLst/>
+    <dgm:txFillClrLst meth="repeat">
+      <a:schemeClr val="dk1"/>
+    </dgm:txFillClrLst>
+    <dgm:txEffectClrLst/>
+  </dgm:styleLbl>
+  <dgm:styleLbl name="bgAccFollowNode1">
+    <dgm:fillClrLst meth="repeat">
+      <a:schemeClr val="accent1">
+        <a:alpha val="90000"/>
+        <a:tint val="40000"/>
+      </a:schemeClr>
+    </dgm:fillClrLst>
+    <dgm:linClrLst meth="repeat">
+      <a:schemeClr val="accent1">
+        <a:alpha val="90000"/>
+        <a:tint val="40000"/>
+      </a:schemeClr>
+    </dgm:linClrLst>
+    <dgm:effectClrLst/>
+    <dgm:txLinClrLst/>
+    <dgm:txFillClrLst meth="repeat">
+      <a:schemeClr val="dk1"/>
+    </dgm:txFillClrLst>
+    <dgm:txEffectClrLst/>
+  </dgm:styleLbl>
+  <dgm:styleLbl name="fgAcc0">
+    <dgm:fillClrLst meth="repeat">
+      <a:schemeClr val="lt1">
+        <a:alpha val="90000"/>
+      </a:schemeClr>
+    </dgm:fillClrLst>
+    <dgm:linClrLst meth="repeat">
+      <a:schemeClr val="accent1"/>
+    </dgm:linClrLst>
+    <dgm:effectClrLst/>
+    <dgm:txLinClrLst/>
+    <dgm:txFillClrLst meth="repeat">
+      <a:schemeClr val="dk1"/>
+    </dgm:txFillClrLst>
+    <dgm:txEffectClrLst/>
+  </dgm:styleLbl>
+  <dgm:styleLbl name="fgAcc2">
+    <dgm:fillClrLst meth="repeat">
+      <a:schemeClr val="lt1">
+        <a:alpha val="90000"/>
+      </a:schemeClr>
+    </dgm:fillClrLst>
+    <dgm:linClrLst meth="repeat">
+      <a:schemeClr val="accent1"/>
+    </dgm:linClrLst>
+    <dgm:effectClrLst/>
+    <dgm:txLinClrLst/>
+    <dgm:txFillClrLst meth="repeat">
+      <a:schemeClr val="dk1"/>
+    </dgm:txFillClrLst>
+    <dgm:txEffectClrLst/>
+  </dgm:styleLbl>
+  <dgm:styleLbl name="fgAcc3">
+    <dgm:fillClrLst meth="repeat">
+      <a:schemeClr val="lt1">
+        <a:alpha val="90000"/>
+      </a:schemeClr>
+    </dgm:fillClrLst>
+    <dgm:linClrLst meth="repeat">
+      <a:schemeClr val="accent1"/>
+    </dgm:linClrLst>
+    <dgm:effectClrLst/>
+    <dgm:txLinClrLst/>
+    <dgm:txFillClrLst meth="repeat">
+      <a:schemeClr val="dk1"/>
+    </dgm:txFillClrLst>
+    <dgm:txEffectClrLst/>
+  </dgm:styleLbl>
+  <dgm:styleLbl name="fgAcc4">
+    <dgm:fillClrLst meth="repeat">
+      <a:schemeClr val="lt1">
+        <a:alpha val="90000"/>
+      </a:schemeClr>
+    </dgm:fillClrLst>
+    <dgm:linClrLst meth="repeat">
+      <a:schemeClr val="accent1"/>
+    </dgm:linClrLst>
+    <dgm:effectClrLst/>
+    <dgm:txLinClrLst/>
+    <dgm:txFillClrLst meth="repeat">
+      <a:schemeClr val="dk1"/>
+    </dgm:txFillClrLst>
+    <dgm:txEffectClrLst/>
+  </dgm:styleLbl>
+  <dgm:styleLbl name="bgShp">
+    <dgm:fillClrLst meth="repeat">
+      <a:schemeClr val="accent1">
+        <a:tint val="40000"/>
+      </a:schemeClr>
+    </dgm:fillClrLst>
+    <dgm:linClrLst meth="repeat">
+      <a:schemeClr val="accent1"/>
+    </dgm:linClrLst>
+    <dgm:effectClrLst/>
+    <dgm:txLinClrLst/>
+    <dgm:txFillClrLst meth="repeat">
+      <a:schemeClr val="dk1"/>
+    </dgm:txFillClrLst>
+    <dgm:txEffectClrLst/>
+  </dgm:styleLbl>
+  <dgm:styleLbl name="dkBgShp">
+    <dgm:fillClrLst meth="repeat">
+      <a:schemeClr val="accent1">
+        <a:shade val="80000"/>
+      </a:schemeClr>
+    </dgm:fillClrLst>
+    <dgm:linClrLst meth="repeat">
+      <a:schemeClr val="accent1"/>
+    </dgm:linClrLst>
+    <dgm:effectClrLst/>
+    <dgm:txLinClrLst/>
+    <dgm:txFillClrLst meth="repeat">
+      <a:schemeClr val="lt1"/>
+    </dgm:txFillClrLst>
+    <dgm:txEffectClrLst/>
+  </dgm:styleLbl>
+  <dgm:styleLbl name="trBgShp">
+    <dgm:fillClrLst meth="repeat">
+      <a:schemeClr val="accent1">
+        <a:tint val="50000"/>
+        <a:alpha val="40000"/>
+      </a:schemeClr>
+    </dgm:fillClrLst>
+    <dgm:linClrLst meth="repeat">
+      <a:schemeClr val="accent1"/>
+    </dgm:linClrLst>
+    <dgm:effectClrLst/>
+    <dgm:txLinClrLst/>
+    <dgm:txFillClrLst meth="repeat">
+      <a:schemeClr val="lt1"/>
+    </dgm:txFillClrLst>
+    <dgm:txEffectClrLst/>
+  </dgm:styleLbl>
+  <dgm:styleLbl name="fgShp">
+    <dgm:fillClrLst meth="repeat">
+      <a:schemeClr val="accent1">
+        <a:tint val="60000"/>
+      </a:schemeClr>
+    </dgm:fillClrLst>
+    <dgm:linClrLst meth="repeat">
+      <a:schemeClr val="lt1"/>
+    </dgm:linClrLst>
+    <dgm:effectClrLst/>
+    <dgm:txLinClrLst/>
+    <dgm:txFillClrLst meth="repeat">
+      <a:schemeClr val="dk1"/>
+    </dgm:txFillClrLst>
+    <dgm:txEffectClrLst/>
+  </dgm:styleLbl>
+  <dgm:styleLbl name="revTx">
+    <dgm:fillClrLst meth="repeat">
+      <a:schemeClr val="lt1">
+        <a:alpha val="0"/>
+      </a:schemeClr>
+    </dgm:fillClrLst>
+    <dgm:linClrLst meth="repeat">
+      <a:schemeClr val="dk1">
+        <a:alpha val="0"/>
+      </a:schemeClr>
+    </dgm:linClrLst>
+    <dgm:effectClrLst/>
+    <dgm:txLinClrLst/>
+    <dgm:txFillClrLst meth="repeat">
+      <a:schemeClr val="tx1"/>
+    </dgm:txFillClrLst>
+    <dgm:txEffectClrLst/>
+  </dgm:styleLbl>
+</dgm:colorsDef>
+</file>
+
+<file path=ppt/diagrams/data1.xml><?xml version="1.0" encoding="utf-8"?>
+<dgm:dataModel xmlns:dgm="http://schemas.openxmlformats.org/drawingml/2006/diagram" xmlns:a="http://schemas.openxmlformats.org/drawingml/2006/main">
+  <dgm:ptLst>
+    <dgm:pt modelId="{224C9CAB-20F3-4A3A-98BE-105F99B54D85}" type="doc">
+      <dgm:prSet loTypeId="urn:microsoft.com/office/officeart/2005/8/layout/hierarchy4" loCatId="hierarchy" qsTypeId="urn:microsoft.com/office/officeart/2005/8/quickstyle/simple1" qsCatId="simple" csTypeId="urn:microsoft.com/office/officeart/2005/8/colors/accent1_2" csCatId="accent1" phldr="1"/>
+      <dgm:spPr/>
+      <dgm:t>
+        <a:bodyPr/>
+        <a:lstStyle/>
+        <a:p>
+          <a:endParaRPr lang="en-US"/>
+        </a:p>
+      </dgm:t>
+    </dgm:pt>
+    <dgm:pt modelId="{581D00E3-7E9A-4312-8088-234FE4A5D2DF}">
+      <dgm:prSet phldrT="[Text]"/>
+      <dgm:spPr/>
+      <dgm:t>
+        <a:bodyPr/>
+        <a:lstStyle/>
+        <a:p>
+          <a:r>
+            <a:rPr lang="it-IT" dirty="0"/>
+            <a:t>API Gateway</a:t>
+          </a:r>
+          <a:endParaRPr lang="en-US" dirty="0"/>
+        </a:p>
+      </dgm:t>
+    </dgm:pt>
+    <dgm:pt modelId="{F015B68D-CB06-4AB1-BEF7-AABD73ADA881}" type="parTrans" cxnId="{8CBBB112-A201-4A8E-A8D6-444F48FB58C0}">
+      <dgm:prSet/>
+      <dgm:spPr/>
+      <dgm:t>
+        <a:bodyPr/>
+        <a:lstStyle/>
+        <a:p>
+          <a:endParaRPr lang="en-US"/>
+        </a:p>
+      </dgm:t>
+    </dgm:pt>
+    <dgm:pt modelId="{0E7FEC85-D85F-44BE-8D34-94499B4E832C}" type="sibTrans" cxnId="{8CBBB112-A201-4A8E-A8D6-444F48FB58C0}">
+      <dgm:prSet/>
+      <dgm:spPr/>
+      <dgm:t>
+        <a:bodyPr/>
+        <a:lstStyle/>
+        <a:p>
+          <a:endParaRPr lang="en-US"/>
+        </a:p>
+      </dgm:t>
+    </dgm:pt>
+    <dgm:pt modelId="{30F09B17-FEDD-4C23-A037-EA8EBF9574C6}">
+      <dgm:prSet phldrT="[Text]"/>
+      <dgm:spPr/>
+      <dgm:t>
+        <a:bodyPr/>
+        <a:lstStyle/>
+        <a:p>
+          <a:r>
+            <a:rPr lang="it-IT" dirty="0"/>
+            <a:t>Storage</a:t>
+          </a:r>
+          <a:endParaRPr lang="en-US" dirty="0"/>
+        </a:p>
+      </dgm:t>
+    </dgm:pt>
+    <dgm:pt modelId="{C5A8AF8C-00F6-425F-A443-AAB8E37158A2}" type="parTrans" cxnId="{1E404699-F2F7-4AB9-ACED-3AADD753C58F}">
+      <dgm:prSet/>
+      <dgm:spPr/>
+      <dgm:t>
+        <a:bodyPr/>
+        <a:lstStyle/>
+        <a:p>
+          <a:endParaRPr lang="en-US"/>
+        </a:p>
+      </dgm:t>
+    </dgm:pt>
+    <dgm:pt modelId="{FCFEF5EE-C54C-4B35-80D5-8CEE2373393C}" type="sibTrans" cxnId="{1E404699-F2F7-4AB9-ACED-3AADD753C58F}">
+      <dgm:prSet/>
+      <dgm:spPr/>
+      <dgm:t>
+        <a:bodyPr/>
+        <a:lstStyle/>
+        <a:p>
+          <a:endParaRPr lang="en-US"/>
+        </a:p>
+      </dgm:t>
+    </dgm:pt>
+    <dgm:pt modelId="{CE9BA65B-6732-43ED-8A17-A550BB99E4E0}">
+      <dgm:prSet phldrT="[Text]"/>
+      <dgm:spPr/>
+      <dgm:t>
+        <a:bodyPr/>
+        <a:lstStyle/>
+        <a:p>
+          <a:r>
+            <a:rPr lang="it-IT" dirty="0"/>
+            <a:t>Customers API V1</a:t>
+          </a:r>
+          <a:endParaRPr lang="en-US" dirty="0"/>
+        </a:p>
+      </dgm:t>
+    </dgm:pt>
+    <dgm:pt modelId="{49CBB05A-ACE6-497E-9C9A-AA7C1AA7B1A1}" type="parTrans" cxnId="{7ABEBF2C-6481-44DE-8773-4293D2379138}">
+      <dgm:prSet/>
+      <dgm:spPr/>
+      <dgm:t>
+        <a:bodyPr/>
+        <a:lstStyle/>
+        <a:p>
+          <a:endParaRPr lang="en-US"/>
+        </a:p>
+      </dgm:t>
+    </dgm:pt>
+    <dgm:pt modelId="{38DA65AB-29BE-4F42-87F0-8915B42EA78A}" type="sibTrans" cxnId="{7ABEBF2C-6481-44DE-8773-4293D2379138}">
+      <dgm:prSet/>
+      <dgm:spPr/>
+      <dgm:t>
+        <a:bodyPr/>
+        <a:lstStyle/>
+        <a:p>
+          <a:endParaRPr lang="en-US"/>
+        </a:p>
+      </dgm:t>
+    </dgm:pt>
+    <dgm:pt modelId="{B262F4A6-006E-460C-B514-00B4212AB032}">
+      <dgm:prSet phldrT="[Text]"/>
+      <dgm:spPr/>
+      <dgm:t>
+        <a:bodyPr/>
+        <a:lstStyle/>
+        <a:p>
+          <a:r>
+            <a:rPr lang="it-IT" dirty="0"/>
+            <a:t>Sales API V1</a:t>
+          </a:r>
+          <a:endParaRPr lang="en-US" dirty="0"/>
+        </a:p>
+      </dgm:t>
+    </dgm:pt>
+    <dgm:pt modelId="{AB7774BB-466B-47C9-B16A-6F8770BAB4D3}" type="parTrans" cxnId="{E6C428F6-9F06-439A-9AC3-1911CC83ACA2}">
+      <dgm:prSet/>
+      <dgm:spPr/>
+      <dgm:t>
+        <a:bodyPr/>
+        <a:lstStyle/>
+        <a:p>
+          <a:endParaRPr lang="en-US"/>
+        </a:p>
+      </dgm:t>
+    </dgm:pt>
+    <dgm:pt modelId="{A2F92498-5B11-417B-936C-539FF83A2070}" type="sibTrans" cxnId="{E6C428F6-9F06-439A-9AC3-1911CC83ACA2}">
+      <dgm:prSet/>
+      <dgm:spPr/>
+      <dgm:t>
+        <a:bodyPr/>
+        <a:lstStyle/>
+        <a:p>
+          <a:endParaRPr lang="en-US"/>
+        </a:p>
+      </dgm:t>
+    </dgm:pt>
+    <dgm:pt modelId="{FDE65E92-EBEB-4D2B-A663-9DE268AA0C8E}">
+      <dgm:prSet phldrT="[Text]" custT="1"/>
+      <dgm:spPr/>
+      <dgm:t>
+        <a:bodyPr/>
+        <a:lstStyle/>
+        <a:p>
+          <a:r>
+            <a:rPr lang="en-US" sz="2000" dirty="0"/>
+            <a:t>https://aw-api-customers.azurewebsites.net</a:t>
+          </a:r>
+        </a:p>
+      </dgm:t>
+    </dgm:pt>
+    <dgm:pt modelId="{8116683D-40B7-43C7-AE23-9940154BCCDC}" type="parTrans" cxnId="{339C7F6F-E4E3-4AB1-A91C-C07E8DBDD2DE}">
+      <dgm:prSet/>
+      <dgm:spPr/>
+      <dgm:t>
+        <a:bodyPr/>
+        <a:lstStyle/>
+        <a:p>
+          <a:endParaRPr lang="en-US"/>
+        </a:p>
+      </dgm:t>
+    </dgm:pt>
+    <dgm:pt modelId="{0317FC07-FA65-4CA4-9B6B-9FF4C1B9FA57}" type="sibTrans" cxnId="{339C7F6F-E4E3-4AB1-A91C-C07E8DBDD2DE}">
+      <dgm:prSet/>
+      <dgm:spPr/>
+      <dgm:t>
+        <a:bodyPr/>
+        <a:lstStyle/>
+        <a:p>
+          <a:endParaRPr lang="en-US"/>
+        </a:p>
+      </dgm:t>
+    </dgm:pt>
+    <dgm:pt modelId="{2511FE89-8824-4B9C-8800-82C063DA72E7}">
+      <dgm:prSet phldrT="[Text]" custT="1"/>
+      <dgm:spPr/>
+      <dgm:t>
+        <a:bodyPr/>
+        <a:lstStyle/>
+        <a:p>
+          <a:r>
+            <a:rPr lang="en-US" sz="2000" dirty="0"/>
+            <a:t>https://aw-salesapi-2019.azurewebsites.net</a:t>
+          </a:r>
+        </a:p>
+      </dgm:t>
+    </dgm:pt>
+    <dgm:pt modelId="{B2F29E25-4B93-460A-B005-452D106F8DAA}" type="parTrans" cxnId="{F8ADB642-BF78-4292-B0A2-255066020C29}">
+      <dgm:prSet/>
+      <dgm:spPr/>
+      <dgm:t>
+        <a:bodyPr/>
+        <a:lstStyle/>
+        <a:p>
+          <a:endParaRPr lang="en-US"/>
+        </a:p>
+      </dgm:t>
+    </dgm:pt>
+    <dgm:pt modelId="{6E723853-D33F-463B-960C-2741B1BBF554}" type="sibTrans" cxnId="{F8ADB642-BF78-4292-B0A2-255066020C29}">
+      <dgm:prSet/>
+      <dgm:spPr/>
+      <dgm:t>
+        <a:bodyPr/>
+        <a:lstStyle/>
+        <a:p>
+          <a:endParaRPr lang="en-US"/>
+        </a:p>
+      </dgm:t>
+    </dgm:pt>
+    <dgm:pt modelId="{37BC13AA-EAA1-4EDA-97BB-925288C5F812}" type="pres">
+      <dgm:prSet presAssocID="{224C9CAB-20F3-4A3A-98BE-105F99B54D85}" presName="Name0" presStyleCnt="0">
+        <dgm:presLayoutVars>
+          <dgm:chPref val="1"/>
+          <dgm:dir/>
+          <dgm:animOne val="branch"/>
+          <dgm:animLvl val="lvl"/>
+          <dgm:resizeHandles/>
+        </dgm:presLayoutVars>
+      </dgm:prSet>
+      <dgm:spPr/>
+    </dgm:pt>
+    <dgm:pt modelId="{B4A4F731-73C1-4129-AD86-7301E3BC214A}" type="pres">
+      <dgm:prSet presAssocID="{581D00E3-7E9A-4312-8088-234FE4A5D2DF}" presName="vertOne" presStyleCnt="0"/>
+      <dgm:spPr/>
+    </dgm:pt>
+    <dgm:pt modelId="{EE04FE2A-D441-4F34-9C7E-333EAD331C90}" type="pres">
+      <dgm:prSet presAssocID="{581D00E3-7E9A-4312-8088-234FE4A5D2DF}" presName="txOne" presStyleLbl="node0" presStyleIdx="0" presStyleCnt="1">
+        <dgm:presLayoutVars>
+          <dgm:chPref val="3"/>
+        </dgm:presLayoutVars>
+      </dgm:prSet>
+      <dgm:spPr/>
+    </dgm:pt>
+    <dgm:pt modelId="{E2CCA16C-0EBB-46AA-B677-8048C4ECDEA5}" type="pres">
+      <dgm:prSet presAssocID="{581D00E3-7E9A-4312-8088-234FE4A5D2DF}" presName="parTransOne" presStyleCnt="0"/>
+      <dgm:spPr/>
+    </dgm:pt>
+    <dgm:pt modelId="{0D7FCA5A-5027-4B78-8AAB-EE5EDCF61028}" type="pres">
+      <dgm:prSet presAssocID="{581D00E3-7E9A-4312-8088-234FE4A5D2DF}" presName="horzOne" presStyleCnt="0"/>
+      <dgm:spPr/>
+    </dgm:pt>
+    <dgm:pt modelId="{EEF47348-B39A-4CF3-9399-B72CB1A585C0}" type="pres">
+      <dgm:prSet presAssocID="{30F09B17-FEDD-4C23-A037-EA8EBF9574C6}" presName="vertTwo" presStyleCnt="0"/>
+      <dgm:spPr/>
+    </dgm:pt>
+    <dgm:pt modelId="{76B2C874-9551-4C59-968D-AA2641CF10DC}" type="pres">
+      <dgm:prSet presAssocID="{30F09B17-FEDD-4C23-A037-EA8EBF9574C6}" presName="txTwo" presStyleLbl="node2" presStyleIdx="0" presStyleCnt="3">
+        <dgm:presLayoutVars>
+          <dgm:chPref val="3"/>
+        </dgm:presLayoutVars>
+      </dgm:prSet>
+      <dgm:spPr/>
+    </dgm:pt>
+    <dgm:pt modelId="{9CAD4487-70E5-4E17-A60E-B70DECB0C887}" type="pres">
+      <dgm:prSet presAssocID="{30F09B17-FEDD-4C23-A037-EA8EBF9574C6}" presName="horzTwo" presStyleCnt="0"/>
+      <dgm:spPr/>
+    </dgm:pt>
+    <dgm:pt modelId="{629C3E9C-E770-4A5F-9A78-238D04CF30BD}" type="pres">
+      <dgm:prSet presAssocID="{FCFEF5EE-C54C-4B35-80D5-8CEE2373393C}" presName="sibSpaceTwo" presStyleCnt="0"/>
+      <dgm:spPr/>
+    </dgm:pt>
+    <dgm:pt modelId="{35E2F644-156B-44B0-BE37-2821496BC253}" type="pres">
+      <dgm:prSet presAssocID="{CE9BA65B-6732-43ED-8A17-A550BB99E4E0}" presName="vertTwo" presStyleCnt="0"/>
+      <dgm:spPr/>
+    </dgm:pt>
+    <dgm:pt modelId="{AABC3740-12D1-4112-A23F-024FC1CEA2C3}" type="pres">
+      <dgm:prSet presAssocID="{CE9BA65B-6732-43ED-8A17-A550BB99E4E0}" presName="txTwo" presStyleLbl="node2" presStyleIdx="1" presStyleCnt="3">
+        <dgm:presLayoutVars>
+          <dgm:chPref val="3"/>
+        </dgm:presLayoutVars>
+      </dgm:prSet>
+      <dgm:spPr/>
+    </dgm:pt>
+    <dgm:pt modelId="{77D7DA87-3DCC-4A02-9978-7F7E9A71E221}" type="pres">
+      <dgm:prSet presAssocID="{CE9BA65B-6732-43ED-8A17-A550BB99E4E0}" presName="parTransTwo" presStyleCnt="0"/>
+      <dgm:spPr/>
+    </dgm:pt>
+    <dgm:pt modelId="{ADDFC273-9B29-4BC6-A413-97827C45F48E}" type="pres">
+      <dgm:prSet presAssocID="{CE9BA65B-6732-43ED-8A17-A550BB99E4E0}" presName="horzTwo" presStyleCnt="0"/>
+      <dgm:spPr/>
+    </dgm:pt>
+    <dgm:pt modelId="{8DD841A3-7767-48FA-8FD5-4824A547738B}" type="pres">
+      <dgm:prSet presAssocID="{FDE65E92-EBEB-4D2B-A663-9DE268AA0C8E}" presName="vertThree" presStyleCnt="0"/>
+      <dgm:spPr/>
+    </dgm:pt>
+    <dgm:pt modelId="{1E393860-B238-4967-AC68-80B59BE875EE}" type="pres">
+      <dgm:prSet presAssocID="{FDE65E92-EBEB-4D2B-A663-9DE268AA0C8E}" presName="txThree" presStyleLbl="node3" presStyleIdx="0" presStyleCnt="2">
+        <dgm:presLayoutVars>
+          <dgm:chPref val="3"/>
+        </dgm:presLayoutVars>
+      </dgm:prSet>
+      <dgm:spPr/>
+    </dgm:pt>
+    <dgm:pt modelId="{966DF2D4-CF99-4D20-9198-7BCB3F799A06}" type="pres">
+      <dgm:prSet presAssocID="{FDE65E92-EBEB-4D2B-A663-9DE268AA0C8E}" presName="horzThree" presStyleCnt="0"/>
+      <dgm:spPr/>
+    </dgm:pt>
+    <dgm:pt modelId="{F49907F2-2602-4730-8C7F-367AC5857B38}" type="pres">
+      <dgm:prSet presAssocID="{38DA65AB-29BE-4F42-87F0-8915B42EA78A}" presName="sibSpaceTwo" presStyleCnt="0"/>
+      <dgm:spPr/>
+    </dgm:pt>
+    <dgm:pt modelId="{DD962EA0-8AC0-45D6-A71A-B6E1AB6FC7A2}" type="pres">
+      <dgm:prSet presAssocID="{B262F4A6-006E-460C-B514-00B4212AB032}" presName="vertTwo" presStyleCnt="0"/>
+      <dgm:spPr/>
+    </dgm:pt>
+    <dgm:pt modelId="{AB0831B0-AC4C-4870-AEE9-EFF6147383AB}" type="pres">
+      <dgm:prSet presAssocID="{B262F4A6-006E-460C-B514-00B4212AB032}" presName="txTwo" presStyleLbl="node2" presStyleIdx="2" presStyleCnt="3">
+        <dgm:presLayoutVars>
+          <dgm:chPref val="3"/>
+        </dgm:presLayoutVars>
+      </dgm:prSet>
+      <dgm:spPr/>
+    </dgm:pt>
+    <dgm:pt modelId="{B92BFCAA-1E9F-4EE0-8BAF-3C1E9A3108DB}" type="pres">
+      <dgm:prSet presAssocID="{B262F4A6-006E-460C-B514-00B4212AB032}" presName="parTransTwo" presStyleCnt="0"/>
+      <dgm:spPr/>
+    </dgm:pt>
+    <dgm:pt modelId="{7044A5CD-96E6-441C-BC63-8F24F69C6D64}" type="pres">
+      <dgm:prSet presAssocID="{B262F4A6-006E-460C-B514-00B4212AB032}" presName="horzTwo" presStyleCnt="0"/>
+      <dgm:spPr/>
+    </dgm:pt>
+    <dgm:pt modelId="{B0DD7EBA-659E-4BCF-93A2-4587106039A7}" type="pres">
+      <dgm:prSet presAssocID="{2511FE89-8824-4B9C-8800-82C063DA72E7}" presName="vertThree" presStyleCnt="0"/>
+      <dgm:spPr/>
+    </dgm:pt>
+    <dgm:pt modelId="{9F6FC6E4-EB2F-45E7-922F-FBB8879C6EBA}" type="pres">
+      <dgm:prSet presAssocID="{2511FE89-8824-4B9C-8800-82C063DA72E7}" presName="txThree" presStyleLbl="node3" presStyleIdx="1" presStyleCnt="2">
+        <dgm:presLayoutVars>
+          <dgm:chPref val="3"/>
+        </dgm:presLayoutVars>
+      </dgm:prSet>
+      <dgm:spPr/>
+    </dgm:pt>
+    <dgm:pt modelId="{90DF19C1-3690-439E-8D08-5AA48431F472}" type="pres">
+      <dgm:prSet presAssocID="{2511FE89-8824-4B9C-8800-82C063DA72E7}" presName="horzThree" presStyleCnt="0"/>
+      <dgm:spPr/>
+    </dgm:pt>
+  </dgm:ptLst>
+  <dgm:cxnLst>
+    <dgm:cxn modelId="{8CBBB112-A201-4A8E-A8D6-444F48FB58C0}" srcId="{224C9CAB-20F3-4A3A-98BE-105F99B54D85}" destId="{581D00E3-7E9A-4312-8088-234FE4A5D2DF}" srcOrd="0" destOrd="0" parTransId="{F015B68D-CB06-4AB1-BEF7-AABD73ADA881}" sibTransId="{0E7FEC85-D85F-44BE-8D34-94499B4E832C}"/>
+    <dgm:cxn modelId="{7ABEBF2C-6481-44DE-8773-4293D2379138}" srcId="{581D00E3-7E9A-4312-8088-234FE4A5D2DF}" destId="{CE9BA65B-6732-43ED-8A17-A550BB99E4E0}" srcOrd="1" destOrd="0" parTransId="{49CBB05A-ACE6-497E-9C9A-AA7C1AA7B1A1}" sibTransId="{38DA65AB-29BE-4F42-87F0-8915B42EA78A}"/>
+    <dgm:cxn modelId="{E964903B-DBAD-441D-B9AA-A0041C4099D4}" type="presOf" srcId="{30F09B17-FEDD-4C23-A037-EA8EBF9574C6}" destId="{76B2C874-9551-4C59-968D-AA2641CF10DC}" srcOrd="0" destOrd="0" presId="urn:microsoft.com/office/officeart/2005/8/layout/hierarchy4"/>
+    <dgm:cxn modelId="{F8ADB642-BF78-4292-B0A2-255066020C29}" srcId="{B262F4A6-006E-460C-B514-00B4212AB032}" destId="{2511FE89-8824-4B9C-8800-82C063DA72E7}" srcOrd="0" destOrd="0" parTransId="{B2F29E25-4B93-460A-B005-452D106F8DAA}" sibTransId="{6E723853-D33F-463B-960C-2741B1BBF554}"/>
+    <dgm:cxn modelId="{679FCC43-EEA3-43F3-94C0-42836AE36F49}" type="presOf" srcId="{224C9CAB-20F3-4A3A-98BE-105F99B54D85}" destId="{37BC13AA-EAA1-4EDA-97BB-925288C5F812}" srcOrd="0" destOrd="0" presId="urn:microsoft.com/office/officeart/2005/8/layout/hierarchy4"/>
+    <dgm:cxn modelId="{339C7F6F-E4E3-4AB1-A91C-C07E8DBDD2DE}" srcId="{CE9BA65B-6732-43ED-8A17-A550BB99E4E0}" destId="{FDE65E92-EBEB-4D2B-A663-9DE268AA0C8E}" srcOrd="0" destOrd="0" parTransId="{8116683D-40B7-43C7-AE23-9940154BCCDC}" sibTransId="{0317FC07-FA65-4CA4-9B6B-9FF4C1B9FA57}"/>
+    <dgm:cxn modelId="{D1A9F455-A811-4747-8DD3-89C9FB531D98}" type="presOf" srcId="{B262F4A6-006E-460C-B514-00B4212AB032}" destId="{AB0831B0-AC4C-4870-AEE9-EFF6147383AB}" srcOrd="0" destOrd="0" presId="urn:microsoft.com/office/officeart/2005/8/layout/hierarchy4"/>
+    <dgm:cxn modelId="{9C694059-875E-46E7-BE9D-28F777A148E1}" type="presOf" srcId="{CE9BA65B-6732-43ED-8A17-A550BB99E4E0}" destId="{AABC3740-12D1-4112-A23F-024FC1CEA2C3}" srcOrd="0" destOrd="0" presId="urn:microsoft.com/office/officeart/2005/8/layout/hierarchy4"/>
+    <dgm:cxn modelId="{1E404699-F2F7-4AB9-ACED-3AADD753C58F}" srcId="{581D00E3-7E9A-4312-8088-234FE4A5D2DF}" destId="{30F09B17-FEDD-4C23-A037-EA8EBF9574C6}" srcOrd="0" destOrd="0" parTransId="{C5A8AF8C-00F6-425F-A443-AAB8E37158A2}" sibTransId="{FCFEF5EE-C54C-4B35-80D5-8CEE2373393C}"/>
+    <dgm:cxn modelId="{C7077BA3-0FF6-4C62-AD28-78E518E573DF}" type="presOf" srcId="{FDE65E92-EBEB-4D2B-A663-9DE268AA0C8E}" destId="{1E393860-B238-4967-AC68-80B59BE875EE}" srcOrd="0" destOrd="0" presId="urn:microsoft.com/office/officeart/2005/8/layout/hierarchy4"/>
+    <dgm:cxn modelId="{7EA345DE-8BD6-49F6-867B-C8659816F216}" type="presOf" srcId="{581D00E3-7E9A-4312-8088-234FE4A5D2DF}" destId="{EE04FE2A-D441-4F34-9C7E-333EAD331C90}" srcOrd="0" destOrd="0" presId="urn:microsoft.com/office/officeart/2005/8/layout/hierarchy4"/>
+    <dgm:cxn modelId="{F124EFE6-16D0-43B8-9EA3-2C8C276D0310}" type="presOf" srcId="{2511FE89-8824-4B9C-8800-82C063DA72E7}" destId="{9F6FC6E4-EB2F-45E7-922F-FBB8879C6EBA}" srcOrd="0" destOrd="0" presId="urn:microsoft.com/office/officeart/2005/8/layout/hierarchy4"/>
+    <dgm:cxn modelId="{E6C428F6-9F06-439A-9AC3-1911CC83ACA2}" srcId="{581D00E3-7E9A-4312-8088-234FE4A5D2DF}" destId="{B262F4A6-006E-460C-B514-00B4212AB032}" srcOrd="2" destOrd="0" parTransId="{AB7774BB-466B-47C9-B16A-6F8770BAB4D3}" sibTransId="{A2F92498-5B11-417B-936C-539FF83A2070}"/>
+    <dgm:cxn modelId="{1661ECCC-8EE7-4A1A-8731-E5F678B30207}" type="presParOf" srcId="{37BC13AA-EAA1-4EDA-97BB-925288C5F812}" destId="{B4A4F731-73C1-4129-AD86-7301E3BC214A}" srcOrd="0" destOrd="0" presId="urn:microsoft.com/office/officeart/2005/8/layout/hierarchy4"/>
+    <dgm:cxn modelId="{4A5D58D4-1985-46EF-84C3-E9B6B99B52CC}" type="presParOf" srcId="{B4A4F731-73C1-4129-AD86-7301E3BC214A}" destId="{EE04FE2A-D441-4F34-9C7E-333EAD331C90}" srcOrd="0" destOrd="0" presId="urn:microsoft.com/office/officeart/2005/8/layout/hierarchy4"/>
+    <dgm:cxn modelId="{E9EE2BF1-15A9-425B-B42E-C6E288A1673E}" type="presParOf" srcId="{B4A4F731-73C1-4129-AD86-7301E3BC214A}" destId="{E2CCA16C-0EBB-46AA-B677-8048C4ECDEA5}" srcOrd="1" destOrd="0" presId="urn:microsoft.com/office/officeart/2005/8/layout/hierarchy4"/>
+    <dgm:cxn modelId="{1D21EF76-EC96-4BBF-90F9-C5C8017CDA16}" type="presParOf" srcId="{B4A4F731-73C1-4129-AD86-7301E3BC214A}" destId="{0D7FCA5A-5027-4B78-8AAB-EE5EDCF61028}" srcOrd="2" destOrd="0" presId="urn:microsoft.com/office/officeart/2005/8/layout/hierarchy4"/>
+    <dgm:cxn modelId="{D26A6AF4-CE72-45D2-9B51-6B529B1C3A07}" type="presParOf" srcId="{0D7FCA5A-5027-4B78-8AAB-EE5EDCF61028}" destId="{EEF47348-B39A-4CF3-9399-B72CB1A585C0}" srcOrd="0" destOrd="0" presId="urn:microsoft.com/office/officeart/2005/8/layout/hierarchy4"/>
+    <dgm:cxn modelId="{B95AD8E4-D2AA-4246-9A07-0F10E04653BF}" type="presParOf" srcId="{EEF47348-B39A-4CF3-9399-B72CB1A585C0}" destId="{76B2C874-9551-4C59-968D-AA2641CF10DC}" srcOrd="0" destOrd="0" presId="urn:microsoft.com/office/officeart/2005/8/layout/hierarchy4"/>
+    <dgm:cxn modelId="{ECA8D574-A8C0-413C-BF76-EC3A51DEB3D3}" type="presParOf" srcId="{EEF47348-B39A-4CF3-9399-B72CB1A585C0}" destId="{9CAD4487-70E5-4E17-A60E-B70DECB0C887}" srcOrd="1" destOrd="0" presId="urn:microsoft.com/office/officeart/2005/8/layout/hierarchy4"/>
+    <dgm:cxn modelId="{67623F06-9A9C-4BE3-9C5C-A3786870F3BA}" type="presParOf" srcId="{0D7FCA5A-5027-4B78-8AAB-EE5EDCF61028}" destId="{629C3E9C-E770-4A5F-9A78-238D04CF30BD}" srcOrd="1" destOrd="0" presId="urn:microsoft.com/office/officeart/2005/8/layout/hierarchy4"/>
+    <dgm:cxn modelId="{331FBDE4-8697-45B8-99A3-DEEAC649D772}" type="presParOf" srcId="{0D7FCA5A-5027-4B78-8AAB-EE5EDCF61028}" destId="{35E2F644-156B-44B0-BE37-2821496BC253}" srcOrd="2" destOrd="0" presId="urn:microsoft.com/office/officeart/2005/8/layout/hierarchy4"/>
+    <dgm:cxn modelId="{23FD4C7C-65CB-47FA-9520-EB0A84753BAA}" type="presParOf" srcId="{35E2F644-156B-44B0-BE37-2821496BC253}" destId="{AABC3740-12D1-4112-A23F-024FC1CEA2C3}" srcOrd="0" destOrd="0" presId="urn:microsoft.com/office/officeart/2005/8/layout/hierarchy4"/>
+    <dgm:cxn modelId="{89AD47FF-0434-4EF5-967C-8227AF36CE2D}" type="presParOf" srcId="{35E2F644-156B-44B0-BE37-2821496BC253}" destId="{77D7DA87-3DCC-4A02-9978-7F7E9A71E221}" srcOrd="1" destOrd="0" presId="urn:microsoft.com/office/officeart/2005/8/layout/hierarchy4"/>
+    <dgm:cxn modelId="{E5F8F286-5537-42AF-85E2-546B35E7D759}" type="presParOf" srcId="{35E2F644-156B-44B0-BE37-2821496BC253}" destId="{ADDFC273-9B29-4BC6-A413-97827C45F48E}" srcOrd="2" destOrd="0" presId="urn:microsoft.com/office/officeart/2005/8/layout/hierarchy4"/>
+    <dgm:cxn modelId="{89A41C73-0E63-45E6-B6D6-90612A56CA3F}" type="presParOf" srcId="{ADDFC273-9B29-4BC6-A413-97827C45F48E}" destId="{8DD841A3-7767-48FA-8FD5-4824A547738B}" srcOrd="0" destOrd="0" presId="urn:microsoft.com/office/officeart/2005/8/layout/hierarchy4"/>
+    <dgm:cxn modelId="{E9DC9B19-605C-43AB-8ED1-650C0803AA31}" type="presParOf" srcId="{8DD841A3-7767-48FA-8FD5-4824A547738B}" destId="{1E393860-B238-4967-AC68-80B59BE875EE}" srcOrd="0" destOrd="0" presId="urn:microsoft.com/office/officeart/2005/8/layout/hierarchy4"/>
+    <dgm:cxn modelId="{4DF89D7C-5430-495C-8B12-0EEB357304F3}" type="presParOf" srcId="{8DD841A3-7767-48FA-8FD5-4824A547738B}" destId="{966DF2D4-CF99-4D20-9198-7BCB3F799A06}" srcOrd="1" destOrd="0" presId="urn:microsoft.com/office/officeart/2005/8/layout/hierarchy4"/>
+    <dgm:cxn modelId="{22FEFBF7-8FBD-420B-8D82-ED8AF1253BB3}" type="presParOf" srcId="{0D7FCA5A-5027-4B78-8AAB-EE5EDCF61028}" destId="{F49907F2-2602-4730-8C7F-367AC5857B38}" srcOrd="3" destOrd="0" presId="urn:microsoft.com/office/officeart/2005/8/layout/hierarchy4"/>
+    <dgm:cxn modelId="{51578D33-948B-451E-84F2-D02CE228AF72}" type="presParOf" srcId="{0D7FCA5A-5027-4B78-8AAB-EE5EDCF61028}" destId="{DD962EA0-8AC0-45D6-A71A-B6E1AB6FC7A2}" srcOrd="4" destOrd="0" presId="urn:microsoft.com/office/officeart/2005/8/layout/hierarchy4"/>
+    <dgm:cxn modelId="{F4B59E89-9CD3-4763-BCCB-727FB847E851}" type="presParOf" srcId="{DD962EA0-8AC0-45D6-A71A-B6E1AB6FC7A2}" destId="{AB0831B0-AC4C-4870-AEE9-EFF6147383AB}" srcOrd="0" destOrd="0" presId="urn:microsoft.com/office/officeart/2005/8/layout/hierarchy4"/>
+    <dgm:cxn modelId="{23B8E459-253C-4979-8151-B211C4D657B2}" type="presParOf" srcId="{DD962EA0-8AC0-45D6-A71A-B6E1AB6FC7A2}" destId="{B92BFCAA-1E9F-4EE0-8BAF-3C1E9A3108DB}" srcOrd="1" destOrd="0" presId="urn:microsoft.com/office/officeart/2005/8/layout/hierarchy4"/>
+    <dgm:cxn modelId="{6A94E3FB-424B-47E0-893E-656CA9C0B900}" type="presParOf" srcId="{DD962EA0-8AC0-45D6-A71A-B6E1AB6FC7A2}" destId="{7044A5CD-96E6-441C-BC63-8F24F69C6D64}" srcOrd="2" destOrd="0" presId="urn:microsoft.com/office/officeart/2005/8/layout/hierarchy4"/>
+    <dgm:cxn modelId="{5EB65D21-DF78-4E90-8449-FA9551365FD4}" type="presParOf" srcId="{7044A5CD-96E6-441C-BC63-8F24F69C6D64}" destId="{B0DD7EBA-659E-4BCF-93A2-4587106039A7}" srcOrd="0" destOrd="0" presId="urn:microsoft.com/office/officeart/2005/8/layout/hierarchy4"/>
+    <dgm:cxn modelId="{63009427-6F3B-464F-8541-1E0CF2F6E5F9}" type="presParOf" srcId="{B0DD7EBA-659E-4BCF-93A2-4587106039A7}" destId="{9F6FC6E4-EB2F-45E7-922F-FBB8879C6EBA}" srcOrd="0" destOrd="0" presId="urn:microsoft.com/office/officeart/2005/8/layout/hierarchy4"/>
+    <dgm:cxn modelId="{6960844D-51FA-467A-AF7A-A6FBC9F3202E}" type="presParOf" srcId="{B0DD7EBA-659E-4BCF-93A2-4587106039A7}" destId="{90DF19C1-3690-439E-8D08-5AA48431F472}" srcOrd="1" destOrd="0" presId="urn:microsoft.com/office/officeart/2005/8/layout/hierarchy4"/>
+  </dgm:cxnLst>
+  <dgm:bg/>
+  <dgm:whole/>
+  <dgm:extLst>
+    <a:ext uri="http://schemas.microsoft.com/office/drawing/2008/diagram">
+      <dsp:dataModelExt xmlns:dsp="http://schemas.microsoft.com/office/drawing/2008/diagram" relId="rId6" minVer="http://schemas.openxmlformats.org/drawingml/2006/diagram"/>
+    </a:ext>
+  </dgm:extLst>
+</dgm:dataModel>
+</file>
+
+<file path=ppt/diagrams/drawing1.xml><?xml version="1.0" encoding="utf-8"?>
+<dsp:drawing xmlns:dgm="http://schemas.openxmlformats.org/drawingml/2006/diagram" xmlns:dsp="http://schemas.microsoft.com/office/drawing/2008/diagram" xmlns:a="http://schemas.openxmlformats.org/drawingml/2006/main">
+  <dsp:spTree>
+    <dsp:nvGrpSpPr>
+      <dsp:cNvPr id="0" name=""/>
+      <dsp:cNvGrpSpPr/>
+    </dsp:nvGrpSpPr>
+    <dsp:grpSpPr/>
+    <dsp:sp modelId="{EE04FE2A-D441-4F34-9C7E-333EAD331C90}">
+      <dsp:nvSpPr>
+        <dsp:cNvPr id="0" name=""/>
+        <dsp:cNvSpPr/>
+      </dsp:nvSpPr>
+      <dsp:spPr>
+        <a:xfrm>
+          <a:off x="2628" y="416"/>
+          <a:ext cx="7309942" cy="1620403"/>
+        </a:xfrm>
+        <a:prstGeom prst="roundRect">
+          <a:avLst>
+            <a:gd name="adj" fmla="val 10000"/>
+          </a:avLst>
+        </a:prstGeom>
+        <a:solidFill>
+          <a:schemeClr val="accent1">
+            <a:hueOff val="0"/>
+            <a:satOff val="0"/>
+            <a:lumOff val="0"/>
+            <a:alphaOff val="0"/>
+          </a:schemeClr>
+        </a:solidFill>
+        <a:ln w="10795" cap="flat" cmpd="sng" algn="ctr">
+          <a:solidFill>
+            <a:schemeClr val="lt1">
+              <a:hueOff val="0"/>
+              <a:satOff val="0"/>
+              <a:lumOff val="0"/>
+              <a:alphaOff val="0"/>
+            </a:schemeClr>
+          </a:solidFill>
+          <a:prstDash val="solid"/>
+        </a:ln>
+        <a:effectLst/>
+      </dsp:spPr>
+      <dsp:style>
+        <a:lnRef idx="2">
+          <a:scrgbClr r="0" g="0" b="0"/>
+        </a:lnRef>
+        <a:fillRef idx="1">
+          <a:scrgbClr r="0" g="0" b="0"/>
+        </a:fillRef>
+        <a:effectRef idx="0">
+          <a:scrgbClr r="0" g="0" b="0"/>
+        </a:effectRef>
+        <a:fontRef idx="minor">
+          <a:schemeClr val="lt1"/>
+        </a:fontRef>
+      </dsp:style>
+      <dsp:txBody>
+        <a:bodyPr spcFirstLastPara="0" vert="horz" wrap="square" lIns="247650" tIns="247650" rIns="247650" bIns="247650" numCol="1" spcCol="1270" anchor="ctr" anchorCtr="0">
+          <a:noAutofit/>
+        </a:bodyPr>
+        <a:lstStyle/>
+        <a:p>
+          <a:pPr marL="0" lvl="0" indent="0" algn="ctr" defTabSz="2889250">
+            <a:lnSpc>
+              <a:spcPct val="90000"/>
+            </a:lnSpc>
+            <a:spcBef>
+              <a:spcPct val="0"/>
+            </a:spcBef>
+            <a:spcAft>
+              <a:spcPct val="35000"/>
+            </a:spcAft>
+            <a:buNone/>
+          </a:pPr>
+          <a:r>
+            <a:rPr lang="it-IT" sz="6500" kern="1200" dirty="0"/>
+            <a:t>API Gateway</a:t>
+          </a:r>
+          <a:endParaRPr lang="en-US" sz="6500" kern="1200" dirty="0"/>
+        </a:p>
+      </dsp:txBody>
+      <dsp:txXfrm>
+        <a:off x="50088" y="47876"/>
+        <a:ext cx="7215022" cy="1525483"/>
+      </dsp:txXfrm>
+    </dsp:sp>
+    <dsp:sp modelId="{76B2C874-9551-4C59-968D-AA2641CF10DC}">
+      <dsp:nvSpPr>
+        <dsp:cNvPr id="0" name=""/>
+        <dsp:cNvSpPr/>
+      </dsp:nvSpPr>
+      <dsp:spPr>
+        <a:xfrm>
+          <a:off x="2628" y="1750435"/>
+          <a:ext cx="2307431" cy="1620403"/>
+        </a:xfrm>
+        <a:prstGeom prst="roundRect">
+          <a:avLst>
+            <a:gd name="adj" fmla="val 10000"/>
+          </a:avLst>
+        </a:prstGeom>
+        <a:solidFill>
+          <a:schemeClr val="accent1">
+            <a:hueOff val="0"/>
+            <a:satOff val="0"/>
+            <a:lumOff val="0"/>
+            <a:alphaOff val="0"/>
+          </a:schemeClr>
+        </a:solidFill>
+        <a:ln w="10795" cap="flat" cmpd="sng" algn="ctr">
+          <a:solidFill>
+            <a:schemeClr val="lt1">
+              <a:hueOff val="0"/>
+              <a:satOff val="0"/>
+              <a:lumOff val="0"/>
+              <a:alphaOff val="0"/>
+            </a:schemeClr>
+          </a:solidFill>
+          <a:prstDash val="solid"/>
+        </a:ln>
+        <a:effectLst/>
+      </dsp:spPr>
+      <dsp:style>
+        <a:lnRef idx="2">
+          <a:scrgbClr r="0" g="0" b="0"/>
+        </a:lnRef>
+        <a:fillRef idx="1">
+          <a:scrgbClr r="0" g="0" b="0"/>
+        </a:fillRef>
+        <a:effectRef idx="0">
+          <a:scrgbClr r="0" g="0" b="0"/>
+        </a:effectRef>
+        <a:fontRef idx="minor">
+          <a:schemeClr val="lt1"/>
+        </a:fontRef>
+      </dsp:style>
+      <dsp:txBody>
+        <a:bodyPr spcFirstLastPara="0" vert="horz" wrap="square" lIns="125730" tIns="125730" rIns="125730" bIns="125730" numCol="1" spcCol="1270" anchor="ctr" anchorCtr="0">
+          <a:noAutofit/>
+        </a:bodyPr>
+        <a:lstStyle/>
+        <a:p>
+          <a:pPr marL="0" lvl="0" indent="0" algn="ctr" defTabSz="1466850">
+            <a:lnSpc>
+              <a:spcPct val="90000"/>
+            </a:lnSpc>
+            <a:spcBef>
+              <a:spcPct val="0"/>
+            </a:spcBef>
+            <a:spcAft>
+              <a:spcPct val="35000"/>
+            </a:spcAft>
+            <a:buNone/>
+          </a:pPr>
+          <a:r>
+            <a:rPr lang="it-IT" sz="3300" kern="1200" dirty="0"/>
+            <a:t>Storage</a:t>
+          </a:r>
+          <a:endParaRPr lang="en-US" sz="3300" kern="1200" dirty="0"/>
+        </a:p>
+      </dsp:txBody>
+      <dsp:txXfrm>
+        <a:off x="50088" y="1797895"/>
+        <a:ext cx="2212511" cy="1525483"/>
+      </dsp:txXfrm>
+    </dsp:sp>
+    <dsp:sp modelId="{AABC3740-12D1-4112-A23F-024FC1CEA2C3}">
+      <dsp:nvSpPr>
+        <dsp:cNvPr id="0" name=""/>
+        <dsp:cNvSpPr/>
+      </dsp:nvSpPr>
+      <dsp:spPr>
+        <a:xfrm>
+          <a:off x="2503884" y="1750435"/>
+          <a:ext cx="2307431" cy="1620403"/>
+        </a:xfrm>
+        <a:prstGeom prst="roundRect">
+          <a:avLst>
+            <a:gd name="adj" fmla="val 10000"/>
+          </a:avLst>
+        </a:prstGeom>
+        <a:solidFill>
+          <a:schemeClr val="accent1">
+            <a:hueOff val="0"/>
+            <a:satOff val="0"/>
+            <a:lumOff val="0"/>
+            <a:alphaOff val="0"/>
+          </a:schemeClr>
+        </a:solidFill>
+        <a:ln w="10795" cap="flat" cmpd="sng" algn="ctr">
+          <a:solidFill>
+            <a:schemeClr val="lt1">
+              <a:hueOff val="0"/>
+              <a:satOff val="0"/>
+              <a:lumOff val="0"/>
+              <a:alphaOff val="0"/>
+            </a:schemeClr>
+          </a:solidFill>
+          <a:prstDash val="solid"/>
+        </a:ln>
+        <a:effectLst/>
+      </dsp:spPr>
+      <dsp:style>
+        <a:lnRef idx="2">
+          <a:scrgbClr r="0" g="0" b="0"/>
+        </a:lnRef>
+        <a:fillRef idx="1">
+          <a:scrgbClr r="0" g="0" b="0"/>
+        </a:fillRef>
+        <a:effectRef idx="0">
+          <a:scrgbClr r="0" g="0" b="0"/>
+        </a:effectRef>
+        <a:fontRef idx="minor">
+          <a:schemeClr val="lt1"/>
+        </a:fontRef>
+      </dsp:style>
+      <dsp:txBody>
+        <a:bodyPr spcFirstLastPara="0" vert="horz" wrap="square" lIns="125730" tIns="125730" rIns="125730" bIns="125730" numCol="1" spcCol="1270" anchor="ctr" anchorCtr="0">
+          <a:noAutofit/>
+        </a:bodyPr>
+        <a:lstStyle/>
+        <a:p>
+          <a:pPr marL="0" lvl="0" indent="0" algn="ctr" defTabSz="1466850">
+            <a:lnSpc>
+              <a:spcPct val="90000"/>
+            </a:lnSpc>
+            <a:spcBef>
+              <a:spcPct val="0"/>
+            </a:spcBef>
+            <a:spcAft>
+              <a:spcPct val="35000"/>
+            </a:spcAft>
+            <a:buNone/>
+          </a:pPr>
+          <a:r>
+            <a:rPr lang="it-IT" sz="3300" kern="1200" dirty="0"/>
+            <a:t>Customers API V1</a:t>
+          </a:r>
+          <a:endParaRPr lang="en-US" sz="3300" kern="1200" dirty="0"/>
+        </a:p>
+      </dsp:txBody>
+      <dsp:txXfrm>
+        <a:off x="2551344" y="1797895"/>
+        <a:ext cx="2212511" cy="1525483"/>
+      </dsp:txXfrm>
+    </dsp:sp>
+    <dsp:sp modelId="{1E393860-B238-4967-AC68-80B59BE875EE}">
+      <dsp:nvSpPr>
+        <dsp:cNvPr id="0" name=""/>
+        <dsp:cNvSpPr/>
+      </dsp:nvSpPr>
+      <dsp:spPr>
+        <a:xfrm>
+          <a:off x="2503884" y="3500455"/>
+          <a:ext cx="2307431" cy="1620403"/>
+        </a:xfrm>
+        <a:prstGeom prst="roundRect">
+          <a:avLst>
+            <a:gd name="adj" fmla="val 10000"/>
+          </a:avLst>
+        </a:prstGeom>
+        <a:solidFill>
+          <a:schemeClr val="accent1">
+            <a:hueOff val="0"/>
+            <a:satOff val="0"/>
+            <a:lumOff val="0"/>
+            <a:alphaOff val="0"/>
+          </a:schemeClr>
+        </a:solidFill>
+        <a:ln w="10795" cap="flat" cmpd="sng" algn="ctr">
+          <a:solidFill>
+            <a:schemeClr val="lt1">
+              <a:hueOff val="0"/>
+              <a:satOff val="0"/>
+              <a:lumOff val="0"/>
+              <a:alphaOff val="0"/>
+            </a:schemeClr>
+          </a:solidFill>
+          <a:prstDash val="solid"/>
+        </a:ln>
+        <a:effectLst/>
+      </dsp:spPr>
+      <dsp:style>
+        <a:lnRef idx="2">
+          <a:scrgbClr r="0" g="0" b="0"/>
+        </a:lnRef>
+        <a:fillRef idx="1">
+          <a:scrgbClr r="0" g="0" b="0"/>
+        </a:fillRef>
+        <a:effectRef idx="0">
+          <a:scrgbClr r="0" g="0" b="0"/>
+        </a:effectRef>
+        <a:fontRef idx="minor">
+          <a:schemeClr val="lt1"/>
+        </a:fontRef>
+      </dsp:style>
+      <dsp:txBody>
+        <a:bodyPr spcFirstLastPara="0" vert="horz" wrap="square" lIns="76200" tIns="76200" rIns="76200" bIns="76200" numCol="1" spcCol="1270" anchor="ctr" anchorCtr="0">
+          <a:noAutofit/>
+        </a:bodyPr>
+        <a:lstStyle/>
+        <a:p>
+          <a:pPr marL="0" lvl="0" indent="0" algn="ctr" defTabSz="889000">
+            <a:lnSpc>
+              <a:spcPct val="90000"/>
+            </a:lnSpc>
+            <a:spcBef>
+              <a:spcPct val="0"/>
+            </a:spcBef>
+            <a:spcAft>
+              <a:spcPct val="35000"/>
+            </a:spcAft>
+            <a:buNone/>
+          </a:pPr>
+          <a:r>
+            <a:rPr lang="en-US" sz="2000" kern="1200" dirty="0"/>
+            <a:t>https://aw-api-customers.azurewebsites.net</a:t>
+          </a:r>
+        </a:p>
+      </dsp:txBody>
+      <dsp:txXfrm>
+        <a:off x="2551344" y="3547915"/>
+        <a:ext cx="2212511" cy="1525483"/>
+      </dsp:txXfrm>
+    </dsp:sp>
+    <dsp:sp modelId="{AB0831B0-AC4C-4870-AEE9-EFF6147383AB}">
+      <dsp:nvSpPr>
+        <dsp:cNvPr id="0" name=""/>
+        <dsp:cNvSpPr/>
+      </dsp:nvSpPr>
+      <dsp:spPr>
+        <a:xfrm>
+          <a:off x="5005139" y="1750435"/>
+          <a:ext cx="2307431" cy="1620403"/>
+        </a:xfrm>
+        <a:prstGeom prst="roundRect">
+          <a:avLst>
+            <a:gd name="adj" fmla="val 10000"/>
+          </a:avLst>
+        </a:prstGeom>
+        <a:solidFill>
+          <a:schemeClr val="accent1">
+            <a:hueOff val="0"/>
+            <a:satOff val="0"/>
+            <a:lumOff val="0"/>
+            <a:alphaOff val="0"/>
+          </a:schemeClr>
+        </a:solidFill>
+        <a:ln w="10795" cap="flat" cmpd="sng" algn="ctr">
+          <a:solidFill>
+            <a:schemeClr val="lt1">
+              <a:hueOff val="0"/>
+              <a:satOff val="0"/>
+              <a:lumOff val="0"/>
+              <a:alphaOff val="0"/>
+            </a:schemeClr>
+          </a:solidFill>
+          <a:prstDash val="solid"/>
+        </a:ln>
+        <a:effectLst/>
+      </dsp:spPr>
+      <dsp:style>
+        <a:lnRef idx="2">
+          <a:scrgbClr r="0" g="0" b="0"/>
+        </a:lnRef>
+        <a:fillRef idx="1">
+          <a:scrgbClr r="0" g="0" b="0"/>
+        </a:fillRef>
+        <a:effectRef idx="0">
+          <a:scrgbClr r="0" g="0" b="0"/>
+        </a:effectRef>
+        <a:fontRef idx="minor">
+          <a:schemeClr val="lt1"/>
+        </a:fontRef>
+      </dsp:style>
+      <dsp:txBody>
+        <a:bodyPr spcFirstLastPara="0" vert="horz" wrap="square" lIns="125730" tIns="125730" rIns="125730" bIns="125730" numCol="1" spcCol="1270" anchor="ctr" anchorCtr="0">
+          <a:noAutofit/>
+        </a:bodyPr>
+        <a:lstStyle/>
+        <a:p>
+          <a:pPr marL="0" lvl="0" indent="0" algn="ctr" defTabSz="1466850">
+            <a:lnSpc>
+              <a:spcPct val="90000"/>
+            </a:lnSpc>
+            <a:spcBef>
+              <a:spcPct val="0"/>
+            </a:spcBef>
+            <a:spcAft>
+              <a:spcPct val="35000"/>
+            </a:spcAft>
+            <a:buNone/>
+          </a:pPr>
+          <a:r>
+            <a:rPr lang="it-IT" sz="3300" kern="1200" dirty="0"/>
+            <a:t>Sales API V1</a:t>
+          </a:r>
+          <a:endParaRPr lang="en-US" sz="3300" kern="1200" dirty="0"/>
+        </a:p>
+      </dsp:txBody>
+      <dsp:txXfrm>
+        <a:off x="5052599" y="1797895"/>
+        <a:ext cx="2212511" cy="1525483"/>
+      </dsp:txXfrm>
+    </dsp:sp>
+    <dsp:sp modelId="{9F6FC6E4-EB2F-45E7-922F-FBB8879C6EBA}">
+      <dsp:nvSpPr>
+        <dsp:cNvPr id="0" name=""/>
+        <dsp:cNvSpPr/>
+      </dsp:nvSpPr>
+      <dsp:spPr>
+        <a:xfrm>
+          <a:off x="5005139" y="3500455"/>
+          <a:ext cx="2307431" cy="1620403"/>
+        </a:xfrm>
+        <a:prstGeom prst="roundRect">
+          <a:avLst>
+            <a:gd name="adj" fmla="val 10000"/>
+          </a:avLst>
+        </a:prstGeom>
+        <a:solidFill>
+          <a:schemeClr val="accent1">
+            <a:hueOff val="0"/>
+            <a:satOff val="0"/>
+            <a:lumOff val="0"/>
+            <a:alphaOff val="0"/>
+          </a:schemeClr>
+        </a:solidFill>
+        <a:ln w="10795" cap="flat" cmpd="sng" algn="ctr">
+          <a:solidFill>
+            <a:schemeClr val="lt1">
+              <a:hueOff val="0"/>
+              <a:satOff val="0"/>
+              <a:lumOff val="0"/>
+              <a:alphaOff val="0"/>
+            </a:schemeClr>
+          </a:solidFill>
+          <a:prstDash val="solid"/>
+        </a:ln>
+        <a:effectLst/>
+      </dsp:spPr>
+      <dsp:style>
+        <a:lnRef idx="2">
+          <a:scrgbClr r="0" g="0" b="0"/>
+        </a:lnRef>
+        <a:fillRef idx="1">
+          <a:scrgbClr r="0" g="0" b="0"/>
+        </a:fillRef>
+        <a:effectRef idx="0">
+          <a:scrgbClr r="0" g="0" b="0"/>
+        </a:effectRef>
+        <a:fontRef idx="minor">
+          <a:schemeClr val="lt1"/>
+        </a:fontRef>
+      </dsp:style>
+      <dsp:txBody>
+        <a:bodyPr spcFirstLastPara="0" vert="horz" wrap="square" lIns="76200" tIns="76200" rIns="76200" bIns="76200" numCol="1" spcCol="1270" anchor="ctr" anchorCtr="0">
+          <a:noAutofit/>
+        </a:bodyPr>
+        <a:lstStyle/>
+        <a:p>
+          <a:pPr marL="0" lvl="0" indent="0" algn="ctr" defTabSz="889000">
+            <a:lnSpc>
+              <a:spcPct val="90000"/>
+            </a:lnSpc>
+            <a:spcBef>
+              <a:spcPct val="0"/>
+            </a:spcBef>
+            <a:spcAft>
+              <a:spcPct val="35000"/>
+            </a:spcAft>
+            <a:buNone/>
+          </a:pPr>
+          <a:r>
+            <a:rPr lang="en-US" sz="2000" kern="1200" dirty="0"/>
+            <a:t>https://aw-salesapi-2019.azurewebsites.net</a:t>
+          </a:r>
+        </a:p>
+      </dsp:txBody>
+      <dsp:txXfrm>
+        <a:off x="5052599" y="3547915"/>
+        <a:ext cx="2212511" cy="1525483"/>
+      </dsp:txXfrm>
+    </dsp:sp>
+  </dsp:spTree>
+</dsp:drawing>
+</file>
+
+<file path=ppt/diagrams/layout1.xml><?xml version="1.0" encoding="utf-8"?>
+<dgm:layoutDef xmlns:dgm="http://schemas.openxmlformats.org/drawingml/2006/diagram" xmlns:a="http://schemas.openxmlformats.org/drawingml/2006/main" uniqueId="urn:microsoft.com/office/officeart/2005/8/layout/hierarchy4">
+  <dgm:title val=""/>
+  <dgm:desc val=""/>
+  <dgm:catLst>
+    <dgm:cat type="hierarchy" pri="4000"/>
+    <dgm:cat type="list" pri="24000"/>
+    <dgm:cat type="relationship" pri="10000"/>
+  </dgm:catLst>
+  <dgm:sampData>
+    <dgm:dataModel>
+      <dgm:ptLst>
+        <dgm:pt modelId="0" type="doc"/>
+        <dgm:pt modelId="1">
+          <dgm:prSet phldr="1"/>
+        </dgm:pt>
+        <dgm:pt modelId="2">
+          <dgm:prSet phldr="1"/>
+        </dgm:pt>
+        <dgm:pt modelId="21">
+          <dgm:prSet phldr="1"/>
+        </dgm:pt>
+        <dgm:pt modelId="22">
+          <dgm:prSet phldr="1"/>
+        </dgm:pt>
+        <dgm:pt modelId="3">
+          <dgm:prSet phldr="1"/>
+        </dgm:pt>
+        <dgm:pt modelId="31">
+          <dgm:prSet phldr="1"/>
+        </dgm:pt>
+      </dgm:ptLst>
+      <dgm:cxnLst>
+        <dgm:cxn modelId="4" srcId="0" destId="1" srcOrd="0" destOrd="0"/>
+        <dgm:cxn modelId="5" srcId="1" destId="2" srcOrd="0" destOrd="0"/>
+        <dgm:cxn modelId="6" srcId="1" destId="3" srcOrd="1" destOrd="0"/>
+        <dgm:cxn modelId="23" srcId="2" destId="21" srcOrd="0" destOrd="0"/>
+        <dgm:cxn modelId="24" srcId="2" destId="22" srcOrd="1" destOrd="0"/>
+        <dgm:cxn modelId="33" srcId="3" destId="31" srcOrd="0" destOrd="0"/>
+      </dgm:cxnLst>
+      <dgm:bg/>
+      <dgm:whole/>
+    </dgm:dataModel>
+  </dgm:sampData>
+  <dgm:styleData>
+    <dgm:dataModel>
+      <dgm:ptLst>
+        <dgm:pt modelId="0" type="doc"/>
+        <dgm:pt modelId="1"/>
+        <dgm:pt modelId="11"/>
+        <dgm:pt modelId="12"/>
+      </dgm:ptLst>
+      <dgm:cxnLst>
+        <dgm:cxn modelId="2" srcId="0" destId="1" srcOrd="0" destOrd="0"/>
+        <dgm:cxn modelId="13" srcId="1" destId="11" srcOrd="0" destOrd="0"/>
+        <dgm:cxn modelId="14" srcId="1" destId="12" srcOrd="1" destOrd="0"/>
+      </dgm:cxnLst>
+      <dgm:bg/>
+      <dgm:whole/>
+    </dgm:dataModel>
+  </dgm:styleData>
+  <dgm:clrData>
+    <dgm:dataModel>
+      <dgm:ptLst>
+        <dgm:pt modelId="0" type="doc"/>
+        <dgm:pt modelId="1"/>
+        <dgm:pt modelId="2"/>
+        <dgm:pt modelId="21"/>
+        <dgm:pt modelId="211"/>
+        <dgm:pt modelId="3"/>
+        <dgm:pt modelId="31"/>
+        <dgm:pt modelId="311"/>
+      </dgm:ptLst>
+      <dgm:cxnLst>
+        <dgm:cxn modelId="4" srcId="0" destId="1" srcOrd="0" destOrd="0"/>
+        <dgm:cxn modelId="5" srcId="1" destId="2" srcOrd="0" destOrd="0"/>
+        <dgm:cxn modelId="6" srcId="1" destId="3" srcOrd="1" destOrd="0"/>
+        <dgm:cxn modelId="23" srcId="2" destId="21" srcOrd="0" destOrd="0"/>
+        <dgm:cxn modelId="24" srcId="21" destId="211" srcOrd="0" destOrd="0"/>
+        <dgm:cxn modelId="33" srcId="3" destId="31" srcOrd="0" destOrd="0"/>
+        <dgm:cxn modelId="34" srcId="31" destId="311" srcOrd="0" destOrd="0"/>
+      </dgm:cxnLst>
+      <dgm:bg/>
+      <dgm:whole/>
+    </dgm:dataModel>
+  </dgm:clrData>
+  <dgm:layoutNode name="Name0">
+    <dgm:varLst>
+      <dgm:chPref val="1"/>
+      <dgm:dir/>
+      <dgm:animOne val="branch"/>
+      <dgm:animLvl val="lvl"/>
+      <dgm:resizeHandles/>
+    </dgm:varLst>
+    <dgm:choose name="Name1">
+      <dgm:if name="Name2" func="var" arg="dir" op="equ" val="norm">
+        <dgm:alg type="lin">
+          <dgm:param type="linDir" val="fromL"/>
+          <dgm:param type="nodeVertAlign" val="t"/>
+        </dgm:alg>
+      </dgm:if>
+      <dgm:else name="Name3">
+        <dgm:alg type="lin">
+          <dgm:param type="linDir" val="fromR"/>
+          <dgm:param type="nodeVertAlign" val="t"/>
+        </dgm:alg>
+      </dgm:else>
+    </dgm:choose>
+    <dgm:shape xmlns:r="http://schemas.openxmlformats.org/officeDocument/2006/relationships" r:blip="">
+      <dgm:adjLst/>
+    </dgm:shape>
+    <dgm:presOf/>
+    <dgm:constrLst>
+      <dgm:constr type="w" for="ch" forName="vertOne" refType="w"/>
+      <dgm:constr type="w" for="des" forName="horzOne" refType="w"/>
+      <dgm:constr type="w" for="des" forName="txOne" refType="w"/>
+      <dgm:constr type="w" for="des" forName="vertTwo" refType="w"/>
+      <dgm:constr type="w" for="des" forName="horzTwo" refType="w"/>
+      <dgm:constr type="w" for="des" forName="txTwo" refType="w"/>
+      <dgm:constr type="w" for="des" forName="vertThree" refType="w"/>
+      <dgm:constr type="w" for="des" forName="horzThree" refType="w"/>
+      <dgm:constr type="w" for="des" forName="txThree" refType="w"/>
+      <dgm:constr type="w" for="des" forName="vertFour" refType="w"/>
+      <dgm:constr type="w" for="des" forName="horzFour" refType="w"/>
+      <dgm:constr type="w" for="des" forName="txFour" refType="w"/>
+      <dgm:constr type="h" for="des" ptType="node" op="equ"/>
+      <dgm:constr type="h" for="des" forName="txOne" refType="h"/>
+      <dgm:constr type="userH" for="des" ptType="node" refType="h" refFor="des" refForName="txOne"/>
+      <dgm:constr type="primFontSz" for="des" forName="txOne" val="65"/>
+      <dgm:constr type="primFontSz" for="des" forName="txTwo" val="65"/>
+      <dgm:constr type="primFontSz" for="des" forName="txTwo" refType="primFontSz" refFor="des" refForName="txOne" op="lte"/>
+      <dgm:constr type="primFontSz" for="des" forName="txThree" val="65"/>
+      <dgm:constr type="primFontSz" for="des" forName="txThree" refType="primFontSz" refFor="des" refForName="txOne" op="lte"/>
+      <dgm:constr type="primFontSz" for="des" forName="txThree" refType="primFontSz" refFor="des" refForName="txTwo" op="lte"/>
+      <dgm:constr type="primFontSz" for="des" forName="txFour" val="65"/>
+      <dgm:constr type="primFontSz" for="des" forName="txFour" refType="primFontSz" refFor="des" refForName="txOne" op="lte"/>
+      <dgm:constr type="primFontSz" for="des" forName="txFour" refType="primFontSz" refFor="des" refForName="txTwo" op="lte"/>
+      <dgm:constr type="primFontSz" for="des" forName="txFour" refType="primFontSz" refFor="des" refForName="txThree" op="lte"/>
+      <dgm:constr type="w" for="des" forName="sibSpaceOne" refType="w" fact="0.168"/>
+      <dgm:constr type="w" for="des" forName="sibSpaceTwo" refType="w" refFor="des" refForName="sibSpaceOne" op="equ" fact="0.5"/>
+      <dgm:constr type="w" for="des" forName="sibSpaceThree" refType="w" refFor="des" refForName="sibSpaceTwo" op="equ" fact="0.5"/>
+      <dgm:constr type="w" for="des" forName="sibSpaceFour" refType="w" refFor="des" refForName="sibSpaceThree" op="equ" fact="0.5"/>
+      <dgm:constr type="h" for="des" forName="parTransOne" refType="w" fact="0.056"/>
+      <dgm:constr type="h" for="des" forName="parTransTwo" refType="h" refFor="des" refForName="parTransOne" op="equ"/>
+      <dgm:constr type="h" for="des" forName="parTransThree" refType="h" refFor="des" refForName="parTransTwo" op="equ"/>
+      <dgm:constr type="h" for="des" forName="parTransFour" refType="h" refFor="des" refForName="parTransThree" op="equ"/>
+    </dgm:constrLst>
+    <dgm:ruleLst/>
+    <dgm:forEach name="Name4" axis="ch" ptType="node">
+      <dgm:layoutNode name="vertOne">
+        <dgm:alg type="lin">
+          <dgm:param type="linDir" val="fromT"/>
+        </dgm:alg>
+        <dgm:shape xmlns:r="http://schemas.openxmlformats.org/officeDocument/2006/relationships" r:blip="">
+          <dgm:adjLst/>
+        </dgm:shape>
+        <dgm:presOf/>
+        <dgm:constrLst>
+          <dgm:constr type="w" for="ch" forName="txOne" refType="w" refFor="ch" refForName="horzOne" op="gte"/>
+        </dgm:constrLst>
+        <dgm:ruleLst/>
+        <dgm:layoutNode name="txOne" styleLbl="node0">
+          <dgm:varLst>
+            <dgm:chPref val="3"/>
+          </dgm:varLst>
+          <dgm:alg type="tx"/>
+          <dgm:shape xmlns:r="http://schemas.openxmlformats.org/officeDocument/2006/relationships" type="roundRect" r:blip="">
+            <dgm:adjLst>
+              <dgm:adj idx="1" val="0.1"/>
+            </dgm:adjLst>
+          </dgm:shape>
+          <dgm:presOf axis="self"/>
+          <dgm:constrLst>
+            <dgm:constr type="tMarg" refType="primFontSz" fact="0.3"/>
+            <dgm:constr type="bMarg" refType="primFontSz" fact="0.3"/>
+            <dgm:constr type="lMarg" refType="primFontSz" fact="0.3"/>
+            <dgm:constr type="rMarg" refType="primFontSz" fact="0.3"/>
+          </dgm:constrLst>
+          <dgm:ruleLst>
+            <dgm:rule type="primFontSz" val="5" fact="NaN" max="NaN"/>
+          </dgm:ruleLst>
+        </dgm:layoutNode>
+        <dgm:choose name="Name5">
+          <dgm:if name="Name6" axis="des" ptType="node" func="cnt" op="gt" val="0">
+            <dgm:layoutNode name="parTransOne">
+              <dgm:alg type="sp"/>
+              <dgm:shape xmlns:r="http://schemas.openxmlformats.org/officeDocument/2006/relationships" r:blip="">
+                <dgm:adjLst/>
+              </dgm:shape>
+              <dgm:presOf/>
+              <dgm:constrLst/>
+              <dgm:ruleLst/>
+            </dgm:layoutNode>
+          </dgm:if>
+          <dgm:else name="Name7"/>
+        </dgm:choose>
+        <dgm:layoutNode name="horzOne">
+          <dgm:choose name="Name8">
+            <dgm:if name="Name9" func="var" arg="dir" op="equ" val="norm">
+              <dgm:alg type="lin">
+                <dgm:param type="linDir" val="fromL"/>
+                <dgm:param type="nodeVertAlign" val="t"/>
+              </dgm:alg>
+            </dgm:if>
+            <dgm:else name="Name10">
+              <dgm:alg type="lin">
+                <dgm:param type="linDir" val="fromR"/>
+                <dgm:param type="nodeVertAlign" val="t"/>
+              </dgm:alg>
+            </dgm:else>
+          </dgm:choose>
+          <dgm:shape xmlns:r="http://schemas.openxmlformats.org/officeDocument/2006/relationships" r:blip="">
+            <dgm:adjLst/>
+          </dgm:shape>
+          <dgm:presOf/>
+          <dgm:constrLst/>
+          <dgm:ruleLst>
+            <dgm:rule type="w" val="INF" fact="NaN" max="NaN"/>
+          </dgm:ruleLst>
+          <dgm:forEach name="Name11" axis="ch" ptType="node">
+            <dgm:layoutNode name="vertTwo">
+              <dgm:alg type="lin">
+                <dgm:param type="linDir" val="fromT"/>
+              </dgm:alg>
+              <dgm:shape xmlns:r="http://schemas.openxmlformats.org/officeDocument/2006/relationships" r:blip="">
+                <dgm:adjLst/>
+              </dgm:shape>
+              <dgm:presOf/>
+              <dgm:constrLst>
+                <dgm:constr type="w" for="ch" forName="txTwo" refType="w" refFor="ch" refForName="horzTwo" op="gte"/>
+              </dgm:constrLst>
+              <dgm:ruleLst/>
+              <dgm:layoutNode name="txTwo">
+                <dgm:varLst>
+                  <dgm:chPref val="3"/>
+                </dgm:varLst>
+                <dgm:alg type="tx"/>
+                <dgm:shape xmlns:r="http://schemas.openxmlformats.org/officeDocument/2006/relationships" type="roundRect" r:blip="">
+                  <dgm:adjLst>
+                    <dgm:adj idx="1" val="0.1"/>
+                  </dgm:adjLst>
+                </dgm:shape>
+                <dgm:presOf axis="self"/>
+                <dgm:constrLst>
+                  <dgm:constr type="userH"/>
+                  <dgm:constr type="h" refType="userH"/>
+                  <dgm:constr type="tMarg" refType="primFontSz" fact="0.3"/>
+                  <dgm:constr type="bMarg" refType="primFontSz" fact="0.3"/>
+                  <dgm:constr type="lMarg" refType="primFontSz" fact="0.3"/>
+                  <dgm:constr type="rMarg" refType="primFontSz" fact="0.3"/>
+                </dgm:constrLst>
+                <dgm:ruleLst>
+                  <dgm:rule type="primFontSz" val="5" fact="NaN" max="NaN"/>
+                </dgm:ruleLst>
+              </dgm:layoutNode>
+              <dgm:choose name="Name12">
+                <dgm:if name="Name13" axis="des" ptType="node" func="cnt" op="gt" val="0">
+                  <dgm:layoutNode name="parTransTwo">
+                    <dgm:alg type="sp"/>
+                    <dgm:shape xmlns:r="http://schemas.openxmlformats.org/officeDocument/2006/relationships" r:blip="">
+                      <dgm:adjLst/>
+                    </dgm:shape>
+                    <dgm:presOf/>
+                    <dgm:constrLst/>
+                    <dgm:ruleLst/>
+                  </dgm:layoutNode>
+                </dgm:if>
+                <dgm:else name="Name14"/>
+              </dgm:choose>
+              <dgm:layoutNode name="horzTwo">
+                <dgm:choose name="Name15">
+                  <dgm:if name="Name16" func="var" arg="dir" op="equ" val="norm">
+                    <dgm:alg type="lin">
+                      <dgm:param type="linDir" val="fromL"/>
+                      <dgm:param type="nodeVertAlign" val="t"/>
+                    </dgm:alg>
+                  </dgm:if>
+                  <dgm:else name="Name17">
+                    <dgm:alg type="lin">
+                      <dgm:param type="linDir" val="fromR"/>
+                      <dgm:param type="nodeVertAlign" val="t"/>
+                    </dgm:alg>
+                  </dgm:else>
+                </dgm:choose>
+                <dgm:shape xmlns:r="http://schemas.openxmlformats.org/officeDocument/2006/relationships" r:blip="">
+                  <dgm:adjLst/>
+                </dgm:shape>
+                <dgm:presOf/>
+                <dgm:constrLst/>
+                <dgm:ruleLst>
+                  <dgm:rule type="w" val="INF" fact="NaN" max="NaN"/>
+                </dgm:ruleLst>
+                <dgm:forEach name="Name18" axis="ch" ptType="node">
+                  <dgm:layoutNode name="vertThree">
+                    <dgm:alg type="lin">
+                      <dgm:param type="linDir" val="fromT"/>
+                    </dgm:alg>
+                    <dgm:shape xmlns:r="http://schemas.openxmlformats.org/officeDocument/2006/relationships" r:blip="">
+                      <dgm:adjLst/>
+                    </dgm:shape>
+                    <dgm:presOf/>
+                    <dgm:constrLst>
+                      <dgm:constr type="w" for="ch" forName="txThree" refType="w" refFor="ch" refForName="horzThree" op="gte"/>
+                    </dgm:constrLst>
+                    <dgm:ruleLst/>
+                    <dgm:layoutNode name="txThree">
+                      <dgm:varLst>
+                        <dgm:chPref val="3"/>
+                      </dgm:varLst>
+                      <dgm:alg type="tx"/>
+                      <dgm:shape xmlns:r="http://schemas.openxmlformats.org/officeDocument/2006/relationships" type="roundRect" r:blip="">
+                        <dgm:adjLst>
+                          <dgm:adj idx="1" val="0.1"/>
+                        </dgm:adjLst>
+                      </dgm:shape>
+                      <dgm:presOf axis="self"/>
+                      <dgm:constrLst>
+                        <dgm:constr type="userH"/>
+                        <dgm:constr type="h" refType="userH"/>
+                        <dgm:constr type="tMarg" refType="primFontSz" fact="0.3"/>
+                        <dgm:constr type="bMarg" refType="primFontSz" fact="0.3"/>
+                        <dgm:constr type="lMarg" refType="primFontSz" fact="0.3"/>
+                        <dgm:constr type="rMarg" refType="primFontSz" fact="0.3"/>
+                      </dgm:constrLst>
+                      <dgm:ruleLst>
+                        <dgm:rule type="primFontSz" val="5" fact="NaN" max="NaN"/>
+                      </dgm:ruleLst>
+                    </dgm:layoutNode>
+                    <dgm:choose name="Name19">
+                      <dgm:if name="Name20" axis="des" ptType="node" func="cnt" op="gt" val="0">
+                        <dgm:layoutNode name="parTransThree">
+                          <dgm:alg type="sp"/>
+                          <dgm:shape xmlns:r="http://schemas.openxmlformats.org/officeDocument/2006/relationships" r:blip="">
+                            <dgm:adjLst/>
+                          </dgm:shape>
+                          <dgm:presOf/>
+                          <dgm:constrLst/>
+                          <dgm:ruleLst/>
+                        </dgm:layoutNode>
+                      </dgm:if>
+                      <dgm:else name="Name21"/>
+                    </dgm:choose>
+                    <dgm:layoutNode name="horzThree">
+                      <dgm:choose name="Name22">
+                        <dgm:if name="Name23" func="var" arg="dir" op="equ" val="norm">
+                          <dgm:alg type="lin">
+                            <dgm:param type="linDir" val="fromL"/>
+                            <dgm:param type="nodeVertAlign" val="t"/>
+                          </dgm:alg>
+                        </dgm:if>
+                        <dgm:else name="Name24">
+                          <dgm:alg type="lin">
+                            <dgm:param type="linDir" val="fromR"/>
+                            <dgm:param type="nodeVertAlign" val="t"/>
+                          </dgm:alg>
+                        </dgm:else>
+                      </dgm:choose>
+                      <dgm:shape xmlns:r="http://schemas.openxmlformats.org/officeDocument/2006/relationships" r:blip="">
+                        <dgm:adjLst/>
+                      </dgm:shape>
+                      <dgm:presOf/>
+                      <dgm:constrLst/>
+                      <dgm:ruleLst>
+                        <dgm:rule type="w" val="INF" fact="NaN" max="NaN"/>
+                      </dgm:ruleLst>
+                      <dgm:forEach name="repeat" axis="ch" ptType="node">
+                        <dgm:layoutNode name="vertFour">
+                          <dgm:varLst>
+                            <dgm:chPref val="3"/>
+                          </dgm:varLst>
+                          <dgm:alg type="lin">
+                            <dgm:param type="linDir" val="fromT"/>
+                          </dgm:alg>
+                          <dgm:shape xmlns:r="http://schemas.openxmlformats.org/officeDocument/2006/relationships" r:blip="">
+                            <dgm:adjLst/>
+                          </dgm:shape>
+                          <dgm:presOf/>
+                          <dgm:constrLst>
+                            <dgm:constr type="w" for="ch" forName="txFour" refType="w" refFor="ch" refForName="horzFour" op="gte"/>
+                          </dgm:constrLst>
+                          <dgm:ruleLst/>
+                          <dgm:layoutNode name="txFour">
+                            <dgm:varLst>
+                              <dgm:chPref val="3"/>
+                            </dgm:varLst>
+                            <dgm:alg type="tx"/>
+                            <dgm:shape xmlns:r="http://schemas.openxmlformats.org/officeDocument/2006/relationships" type="roundRect" r:blip="">
+                              <dgm:adjLst>
+                                <dgm:adj idx="1" val="0.1"/>
+                              </dgm:adjLst>
+                            </dgm:shape>
+                            <dgm:presOf axis="self"/>
+                            <dgm:constrLst>
+                              <dgm:constr type="userH"/>
+                              <dgm:constr type="h" refType="userH"/>
+                              <dgm:constr type="tMarg" refType="primFontSz" fact="0.3"/>
+                              <dgm:constr type="bMarg" refType="primFontSz" fact="0.3"/>
+                              <dgm:constr type="lMarg" refType="primFontSz" fact="0.3"/>
+                              <dgm:constr type="rMarg" refType="primFontSz" fact="0.3"/>
+                            </dgm:constrLst>
+                            <dgm:ruleLst>
+                              <dgm:rule type="primFontSz" val="5" fact="NaN" max="NaN"/>
+                            </dgm:ruleLst>
+                          </dgm:layoutNode>
+                          <dgm:choose name="Name25">
+                            <dgm:if name="Name26" axis="des" ptType="node" func="cnt" op="gt" val="0">
+                              <dgm:layoutNode name="parTransFour">
+                                <dgm:alg type="sp"/>
+                                <dgm:shape xmlns:r="http://schemas.openxmlformats.org/officeDocument/2006/relationships" r:blip="">
+                                  <dgm:adjLst/>
+                                </dgm:shape>
+                                <dgm:presOf/>
+                                <dgm:constrLst/>
+                                <dgm:ruleLst/>
+                              </dgm:layoutNode>
+                            </dgm:if>
+                            <dgm:else name="Name27"/>
+                          </dgm:choose>
+                          <dgm:layoutNode name="horzFour">
+                            <dgm:choose name="Name28">
+                              <dgm:if name="Name29" func="var" arg="dir" op="equ" val="norm">
+                                <dgm:alg type="lin">
+                                  <dgm:param type="linDir" val="fromL"/>
+                                  <dgm:param type="nodeVertAlign" val="t"/>
+                                </dgm:alg>
+                              </dgm:if>
+                              <dgm:else name="Name30">
+                                <dgm:alg type="lin">
+                                  <dgm:param type="linDir" val="fromR"/>
+                                  <dgm:param type="nodeVertAlign" val="t"/>
+                                </dgm:alg>
+                              </dgm:else>
+                            </dgm:choose>
+                            <dgm:shape xmlns:r="http://schemas.openxmlformats.org/officeDocument/2006/relationships" r:blip="">
+                              <dgm:adjLst/>
+                            </dgm:shape>
+                            <dgm:presOf/>
+                            <dgm:constrLst/>
+                            <dgm:ruleLst>
+                              <dgm:rule type="w" val="INF" fact="NaN" max="NaN"/>
+                            </dgm:ruleLst>
+                            <dgm:forEach name="Name31" ref="repeat"/>
+                          </dgm:layoutNode>
+                        </dgm:layoutNode>
+                        <dgm:choose name="Name32">
+                          <dgm:if name="Name33" axis="self" ptType="node" func="revPos" op="gte" val="2">
+                            <dgm:forEach name="Name34" axis="followSib" ptType="sibTrans" cnt="1">
+                              <dgm:layoutNode name="sibSpaceFour">
+                                <dgm:alg type="sp"/>
+                                <dgm:shape xmlns:r="http://schemas.openxmlformats.org/officeDocument/2006/relationships" r:blip="">
+                                  <dgm:adjLst/>
+                                </dgm:shape>
+                                <dgm:presOf/>
+                                <dgm:constrLst/>
+                                <dgm:ruleLst/>
+                              </dgm:layoutNode>
+                            </dgm:forEach>
+                          </dgm:if>
+                          <dgm:else name="Name35"/>
+                        </dgm:choose>
+                      </dgm:forEach>
+                    </dgm:layoutNode>
+                  </dgm:layoutNode>
+                  <dgm:choose name="Name36">
+                    <dgm:if name="Name37" axis="self" ptType="node" func="revPos" op="gte" val="2">
+                      <dgm:forEach name="Name38" axis="followSib" ptType="sibTrans" cnt="1">
+                        <dgm:layoutNode name="sibSpaceThree">
+                          <dgm:alg type="sp"/>
+                          <dgm:shape xmlns:r="http://schemas.openxmlformats.org/officeDocument/2006/relationships" r:blip="">
+                            <dgm:adjLst/>
+                          </dgm:shape>
+                          <dgm:presOf/>
+                          <dgm:constrLst/>
+                          <dgm:ruleLst/>
+                        </dgm:layoutNode>
+                      </dgm:forEach>
+                    </dgm:if>
+                    <dgm:else name="Name39"/>
+                  </dgm:choose>
+                </dgm:forEach>
+              </dgm:layoutNode>
+            </dgm:layoutNode>
+            <dgm:choose name="Name40">
+              <dgm:if name="Name41" axis="self" ptType="node" func="revPos" op="gte" val="2">
+                <dgm:forEach name="Name42" axis="followSib" ptType="sibTrans" cnt="1">
+                  <dgm:layoutNode name="sibSpaceTwo">
+                    <dgm:alg type="sp"/>
+                    <dgm:shape xmlns:r="http://schemas.openxmlformats.org/officeDocument/2006/relationships" r:blip="">
+                      <dgm:adjLst/>
+                    </dgm:shape>
+                    <dgm:presOf/>
+                    <dgm:constrLst/>
+                    <dgm:ruleLst/>
+                  </dgm:layoutNode>
+                </dgm:forEach>
+              </dgm:if>
+              <dgm:else name="Name43"/>
+            </dgm:choose>
+          </dgm:forEach>
+        </dgm:layoutNode>
+      </dgm:layoutNode>
+      <dgm:choose name="Name44">
+        <dgm:if name="Name45" axis="self" ptType="node" func="revPos" op="gte" val="2">
+          <dgm:forEach name="Name46" axis="followSib" ptType="sibTrans" cnt="1">
+            <dgm:layoutNode name="sibSpaceOne">
+              <dgm:alg type="sp"/>
+              <dgm:shape xmlns:r="http://schemas.openxmlformats.org/officeDocument/2006/relationships" r:blip="">
+                <dgm:adjLst/>
+              </dgm:shape>
+              <dgm:presOf/>
+              <dgm:constrLst/>
+              <dgm:ruleLst/>
+            </dgm:layoutNode>
+          </dgm:forEach>
+        </dgm:if>
+        <dgm:else name="Name47"/>
+      </dgm:choose>
+    </dgm:forEach>
+  </dgm:layoutNode>
+</dgm:layoutDef>
+</file>
+
+<file path=ppt/diagrams/quickStyle1.xml><?xml version="1.0" encoding="utf-8"?>
+<dgm:styleDef xmlns:dgm="http://schemas.openxmlformats.org/drawingml/2006/diagram" xmlns:a="http://schemas.openxmlformats.org/drawingml/2006/main" uniqueId="urn:microsoft.com/office/officeart/2005/8/quickstyle/simple1">
+  <dgm:title val=""/>
+  <dgm:desc val=""/>
+  <dgm:catLst>
+    <dgm:cat type="simple" pri="10100"/>
+  </dgm:catLst>
+  <dgm:scene3d>
+    <a:camera prst="orthographicFront"/>
+    <a:lightRig rig="threePt" dir="t"/>
+  </dgm:scene3d>
+  <dgm:styleLbl name="node0">
+    <dgm:scene3d>
+      <a:camera prst="orthographicFront"/>
+      <a:lightRig rig="threePt" dir="t"/>
+    </dgm:scene3d>
+    <dgm:sp3d/>
+    <dgm:txPr/>
+    <dgm:style>
+      <a:lnRef idx="2">
+        <a:scrgbClr r="0" g="0" b="0"/>
+      </a:lnRef>
+      <a:fillRef idx="1">
+        <a:scrgbClr r="0" g="0" b="0"/>
+      </a:fillRef>
+      <a:effectRef idx="0">
+        <a:scrgbClr r="0" g="0" b="0"/>
+      </a:effectRef>
+      <a:fontRef idx="minor">
+        <a:schemeClr val="lt1"/>
+      </a:fontRef>
+    </dgm:style>
+  </dgm:styleLbl>
+  <dgm:styleLbl name="lnNode1">
+    <dgm:scene3d>
+      <a:camera prst="orthographicFront"/>
+      <a:lightRig rig="threePt" dir="t"/>
+    </dgm:scene3d>
+    <dgm:sp3d/>
+    <dgm:txPr/>
+    <dgm:style>
+      <a:lnRef idx="2">
+        <a:scrgbClr r="0" g="0" b="0"/>
+      </a:lnRef>
+      <a:fillRef idx="1">
+        <a:scrgbClr r="0" g="0" b="0"/>
+      </a:fillRef>
+      <a:effectRef idx="0">
+        <a:scrgbClr r="0" g="0" b="0"/>
+      </a:effectRef>
+      <a:fontRef idx="minor">
+        <a:schemeClr val="lt1"/>
+      </a:fontRef>
+    </dgm:style>
+  </dgm:styleLbl>
+  <dgm:styleLbl name="vennNode1">
+    <dgm:scene3d>
+      <a:camera prst="orthographicFront"/>
+      <a:lightRig rig="threePt" dir="t"/>
+    </dgm:scene3d>
+    <dgm:sp3d/>
+    <dgm:txPr/>
+    <dgm:style>
+      <a:lnRef idx="2">
+        <a:scrgbClr r="0" g="0" b="0"/>
+      </a:lnRef>
+      <a:fillRef idx="1">
+        <a:scrgbClr r="0" g="0" b="0"/>
+      </a:fillRef>
+      <a:effectRef idx="0">
+        <a:scrgbClr r="0" g="0" b="0"/>
+      </a:effectRef>
+      <a:fontRef idx="minor">
+        <a:schemeClr val="tx1"/>
+      </a:fontRef>
+    </dgm:style>
+  </dgm:styleLbl>
+  <dgm:styleLbl name="alignNode1">
+    <dgm:scene3d>
+      <a:camera prst="orthographicFront"/>
+      <a:lightRig rig="threePt" dir="t"/>
+    </dgm:scene3d>
+    <dgm:sp3d/>
+    <dgm:txPr/>
+    <dgm:style>
+      <a:lnRef idx="2">
+        <a:scrgbClr r="0" g="0" b="0"/>
+      </a:lnRef>
+      <a:fillRef idx="1">
+        <a:scrgbClr r="0" g="0" b="0"/>
+      </a:fillRef>
+      <a:effectRef idx="0">
+        <a:scrgbClr r="0" g="0" b="0"/>
+      </a:effectRef>
+      <a:fontRef idx="minor">
+        <a:schemeClr val="lt1"/>
+      </a:fontRef>
+    </dgm:style>
+  </dgm:styleLbl>
+  <dgm:styleLbl name="node1">
+    <dgm:scene3d>
+      <a:camera prst="orthographicFront"/>
+      <a:lightRig rig="threePt" dir="t"/>
+    </dgm:scene3d>
+    <dgm:sp3d/>
+    <dgm:txPr/>
+    <dgm:style>
+      <a:lnRef idx="2">
+        <a:scrgbClr r="0" g="0" b="0"/>
+      </a:lnRef>
+      <a:fillRef idx="1">
+        <a:scrgbClr r="0" g="0" b="0"/>
+      </a:fillRef>
+      <a:effectRef idx="0">
+        <a:scrgbClr r="0" g="0" b="0"/>
+      </a:effectRef>
+      <a:fontRef idx="minor">
+        <a:schemeClr val="lt1"/>
+      </a:fontRef>
+    </dgm:style>
+  </dgm:styleLbl>
+  <dgm:styleLbl name="node2">
+    <dgm:scene3d>
+      <a:camera prst="orthographicFront"/>
+      <a:lightRig rig="threePt" dir="t"/>
+    </dgm:scene3d>
+    <dgm:sp3d/>
+    <dgm:txPr/>
+    <dgm:style>
+      <a:lnRef idx="2">
+        <a:scrgbClr r="0" g="0" b="0"/>
+      </a:lnRef>
+      <a:fillRef idx="1">
+        <a:scrgbClr r="0" g="0" b="0"/>
+      </a:fillRef>
+      <a:effectRef idx="0">
+        <a:scrgbClr r="0" g="0" b="0"/>
+      </a:effectRef>
+      <a:fontRef idx="minor">
+        <a:schemeClr val="lt1"/>
+      </a:fontRef>
+    </dgm:style>
+  </dgm:styleLbl>
+  <dgm:styleLbl name="node3">
+    <dgm:scene3d>
+      <a:camera prst="orthographicFront"/>
+      <a:lightRig rig="threePt" dir="t"/>
+    </dgm:scene3d>
+    <dgm:sp3d/>
+    <dgm:txPr/>
+    <dgm:style>
+      <a:lnRef idx="2">
+        <a:scrgbClr r="0" g="0" b="0"/>
+      </a:lnRef>
+      <a:fillRef idx="1">
+        <a:scrgbClr r="0" g="0" b="0"/>
+      </a:fillRef>
+      <a:effectRef idx="0">
+        <a:scrgbClr r="0" g="0" b="0"/>
+      </a:effectRef>
+      <a:fontRef idx="minor">
+        <a:schemeClr val="lt1"/>
+      </a:fontRef>
+    </dgm:style>
+  </dgm:styleLbl>
+  <dgm:styleLbl name="node4">
+    <dgm:scene3d>
+      <a:camera prst="orthographicFront"/>
+      <a:lightRig rig="threePt" dir="t"/>
+    </dgm:scene3d>
+    <dgm:sp3d/>
+    <dgm:txPr/>
+    <dgm:style>
+      <a:lnRef idx="2">
+        <a:scrgbClr r="0" g="0" b="0"/>
+      </a:lnRef>
+      <a:fillRef idx="1">
+        <a:scrgbClr r="0" g="0" b="0"/>
+      </a:fillRef>
+      <a:effectRef idx="0">
+        <a:scrgbClr r="0" g="0" b="0"/>
+      </a:effectRef>
+      <a:fontRef idx="minor">
+        <a:schemeClr val="lt1"/>
+      </a:fontRef>
+    </dgm:style>
+  </dgm:styleLbl>
+  <dgm:styleLbl name="fgImgPlace1">
+    <dgm:scene3d>
+      <a:camera prst="orthographicFront"/>
+      <a:lightRig rig="threePt" dir="t"/>
+    </dgm:scene3d>
+    <dgm:sp3d/>
+    <dgm:txPr/>
+    <dgm:style>
+      <a:lnRef idx="2">
+        <a:scrgbClr r="0" g="0" b="0"/>
+      </a:lnRef>
+      <a:fillRef idx="1">
+        <a:scrgbClr r="0" g="0" b="0"/>
+      </a:fillRef>
+      <a:effectRef idx="0">
+        <a:scrgbClr r="0" g="0" b="0"/>
+      </a:effectRef>
+      <a:fontRef idx="minor"/>
+    </dgm:style>
+  </dgm:styleLbl>
+  <dgm:styleLbl name="alignImgPlace1">
+    <dgm:scene3d>
+      <a:camera prst="orthographicFront"/>
+      <a:lightRig rig="threePt" dir="t"/>
+    </dgm:scene3d>
+    <dgm:sp3d/>
+    <dgm:txPr/>
+    <dgm:style>
+      <a:lnRef idx="2">
+        <a:scrgbClr r="0" g="0" b="0"/>
+      </a:lnRef>
+      <a:fillRef idx="1">
+        <a:scrgbClr r="0" g="0" b="0"/>
+      </a:fillRef>
+      <a:effectRef idx="0">
+        <a:scrgbClr r="0" g="0" b="0"/>
+      </a:effectRef>
+      <a:fontRef idx="minor"/>
+    </dgm:style>
+  </dgm:styleLbl>
+  <dgm:styleLbl name="bgImgPlace1">
+    <dgm:scene3d>
+      <a:camera prst="orthographicFront"/>
+      <a:lightRig rig="threePt" dir="t"/>
+    </dgm:scene3d>
+    <dgm:sp3d/>
+    <dgm:txPr/>
+    <dgm:style>
+      <a:lnRef idx="2">
+        <a:scrgbClr r="0" g="0" b="0"/>
+      </a:lnRef>
+      <a:fillRef idx="1">
+        <a:scrgbClr r="0" g="0" b="0"/>
+      </a:fillRef>
+      <a:effectRef idx="0">
+        <a:scrgbClr r="0" g="0" b="0"/>
+      </a:effectRef>
+      <a:fontRef idx="minor"/>
+    </dgm:style>
+  </dgm:styleLbl>
+  <dgm:styleLbl name="sibTrans2D1">
+    <dgm:scene3d>
+      <a:camera prst="orthographicFront"/>
+      <a:lightRig rig="threePt" dir="t"/>
+    </dgm:scene3d>
+    <dgm:sp3d/>
+    <dgm:txPr/>
+    <dgm:style>
+      <a:lnRef idx="0">
+        <a:scrgbClr r="0" g="0" b="0"/>
+      </a:lnRef>
+      <a:fillRef idx="1">
+        <a:scrgbClr r="0" g="0" b="0"/>
+      </a:fillRef>
+      <a:effectRef idx="0">
+        <a:scrgbClr r="0" g="0" b="0"/>
+      </a:effectRef>
+      <a:fontRef idx="minor">
+        <a:schemeClr val="lt1"/>
+      </a:fontRef>
+    </dgm:style>
+  </dgm:styleLbl>
+  <dgm:styleLbl name="fgSibTrans2D1">
+    <dgm:scene3d>
+      <a:camera prst="orthographicFront"/>
+      <a:lightRig rig="threePt" dir="t"/>
+    </dgm:scene3d>
+    <dgm:sp3d/>
+    <dgm:txPr/>
+    <dgm:style>
+      <a:lnRef idx="0">
+        <a:scrgbClr r="0" g="0" b="0"/>
+      </a:lnRef>
+      <a:fillRef idx="1">
+        <a:scrgbClr r="0" g="0" b="0"/>
+      </a:fillRef>
+      <a:effectRef idx="0">
+        <a:scrgbClr r="0" g="0" b="0"/>
+      </a:effectRef>
+      <a:fontRef idx="minor">
+        <a:schemeClr val="lt1"/>
+      </a:fontRef>
+    </dgm:style>
+  </dgm:styleLbl>
+  <dgm:styleLbl name="bgSibTrans2D1">
+    <dgm:scene3d>
+      <a:camera prst="orthographicFront"/>
+      <a:lightRig rig="threePt" dir="t"/>
+    </dgm:scene3d>
+    <dgm:sp3d/>
+    <dgm:txPr/>
+    <dgm:style>
+      <a:lnRef idx="0">
+        <a:scrgbClr r="0" g="0" b="0"/>
+      </a:lnRef>
+      <a:fillRef idx="1">
+        <a:scrgbClr r="0" g="0" b="0"/>
+      </a:fillRef>
+      <a:effectRef idx="0">
+        <a:scrgbClr r="0" g="0" b="0"/>
+      </a:effectRef>
+      <a:fontRef idx="minor">
+        <a:schemeClr val="lt1"/>
+      </a:fontRef>
+    </dgm:style>
+  </dgm:styleLbl>
+  <dgm:styleLbl name="sibTrans1D1">
+    <dgm:scene3d>
+      <a:camera prst="orthographicFront"/>
+      <a:lightRig rig="threePt" dir="t"/>
+    </dgm:scene3d>
+    <dgm:sp3d/>
+    <dgm:txPr/>
+    <dgm:style>
+      <a:lnRef idx="1">
+        <a:scrgbClr r="0" g="0" b="0"/>
+      </a:lnRef>
+      <a:fillRef idx="0">
+        <a:scrgbClr r="0" g="0" b="0"/>
+      </a:fillRef>
+      <a:effectRef idx="0">
+        <a:scrgbClr r="0" g="0" b="0"/>
+      </a:effectRef>
+      <a:fontRef idx="minor"/>
+    </dgm:style>
+  </dgm:styleLbl>
+  <dgm:styleLbl name="callout">
+    <dgm:scene3d>
+      <a:camera prst="orthographicFront"/>
+      <a:lightRig rig="threePt" dir="t"/>
+    </dgm:scene3d>
+    <dgm:sp3d/>
+    <dgm:txPr/>
+    <dgm:style>
+      <a:lnRef idx="2">
+        <a:scrgbClr r="0" g="0" b="0"/>
+      </a:lnRef>
+      <a:fillRef idx="1">
+        <a:scrgbClr r="0" g="0" b="0"/>
+      </a:fillRef>
+      <a:effectRef idx="0">
+        <a:scrgbClr r="0" g="0" b="0"/>
+      </a:effectRef>
+      <a:fontRef idx="minor"/>
+    </dgm:style>
+  </dgm:styleLbl>
+  <dgm:styleLbl name="asst0">
+    <dgm:scene3d>
+      <a:camera prst="orthographicFront"/>
+      <a:lightRig rig="threePt" dir="t"/>
+    </dgm:scene3d>
+    <dgm:sp3d/>
+    <dgm:txPr/>
+    <dgm:style>
+      <a:lnRef idx="2">
+        <a:scrgbClr r="0" g="0" b="0"/>
+      </a:lnRef>
+      <a:fillRef idx="1">
+        <a:scrgbClr r="0" g="0" b="0"/>
+      </a:fillRef>
+      <a:effectRef idx="0">
+        <a:scrgbClr r="0" g="0" b="0"/>
+      </a:effectRef>
+      <a:fontRef idx="minor">
+        <a:schemeClr val="lt1"/>
+      </a:fontRef>
+    </dgm:style>
+  </dgm:styleLbl>
+  <dgm:styleLbl name="asst1">
+    <dgm:scene3d>
+      <a:camera prst="orthographicFront"/>
+      <a:lightRig rig="threePt" dir="t"/>
+    </dgm:scene3d>
+    <dgm:sp3d/>
+    <dgm:txPr/>
+    <dgm:style>
+      <a:lnRef idx="2">
+        <a:scrgbClr r="0" g="0" b="0"/>
+      </a:lnRef>
+      <a:fillRef idx="1">
+        <a:scrgbClr r="0" g="0" b="0"/>
+      </a:fillRef>
+      <a:effectRef idx="0">
+        <a:scrgbClr r="0" g="0" b="0"/>
+      </a:effectRef>
+      <a:fontRef idx="minor">
+        <a:schemeClr val="lt1"/>
+      </a:fontRef>
+    </dgm:style>
+  </dgm:styleLbl>
+  <dgm:styleLbl name="asst2">
+    <dgm:scene3d>
+      <a:camera prst="orthographicFront"/>
+      <a:lightRig rig="threePt" dir="t"/>
+    </dgm:scene3d>
+    <dgm:sp3d/>
+    <dgm:txPr/>
+    <dgm:style>
+      <a:lnRef idx="2">
+        <a:scrgbClr r="0" g="0" b="0"/>
+      </a:lnRef>
+      <a:fillRef idx="1">
+        <a:scrgbClr r="0" g="0" b="0"/>
+      </a:fillRef>
+      <a:effectRef idx="0">
+        <a:scrgbClr r="0" g="0" b="0"/>
+      </a:effectRef>
+      <a:fontRef idx="minor">
+        <a:schemeClr val="lt1"/>
+      </a:fontRef>
+    </dgm:style>
+  </dgm:styleLbl>
+  <dgm:styleLbl name="asst3">
+    <dgm:scene3d>
+      <a:camera prst="orthographicFront"/>
+      <a:lightRig rig="threePt" dir="t"/>
+    </dgm:scene3d>
+    <dgm:sp3d/>
+    <dgm:txPr/>
+    <dgm:style>
+      <a:lnRef idx="2">
+        <a:scrgbClr r="0" g="0" b="0"/>
+      </a:lnRef>
+      <a:fillRef idx="1">
+        <a:scrgbClr r="0" g="0" b="0"/>
+      </a:fillRef>
+      <a:effectRef idx="0">
+        <a:scrgbClr r="0" g="0" b="0"/>
+      </a:effectRef>
+      <a:fontRef idx="minor">
+        <a:schemeClr val="lt1"/>
+      </a:fontRef>
+    </dgm:style>
+  </dgm:styleLbl>
+  <dgm:styleLbl name="asst4">
+    <dgm:scene3d>
+      <a:camera prst="orthographicFront"/>
+      <a:lightRig rig="threePt" dir="t"/>
+    </dgm:scene3d>
+    <dgm:sp3d/>
+    <dgm:txPr/>
+    <dgm:style>
+      <a:lnRef idx="2">
+        <a:scrgbClr r="0" g="0" b="0"/>
+      </a:lnRef>
+      <a:fillRef idx="1">
+        <a:scrgbClr r="0" g="0" b="0"/>
+      </a:fillRef>
+      <a:effectRef idx="0">
+        <a:scrgbClr r="0" g="0" b="0"/>
+      </a:effectRef>
+      <a:fontRef idx="minor">
+        <a:schemeClr val="lt1"/>
+      </a:fontRef>
+    </dgm:style>
+  </dgm:styleLbl>
+  <dgm:styleLbl name="parChTrans2D1">
+    <dgm:scene3d>
+      <a:camera prst="orthographicFront"/>
+      <a:lightRig rig="threePt" dir="t"/>
+    </dgm:scene3d>
+    <dgm:sp3d/>
+    <dgm:txPr/>
+    <dgm:style>
+      <a:lnRef idx="2">
+        <a:scrgbClr r="0" g="0" b="0"/>
+      </a:lnRef>
+      <a:fillRef idx="1">
+        <a:scrgbClr r="0" g="0" b="0"/>
+      </a:fillRef>
+      <a:effectRef idx="0">
+        <a:scrgbClr r="0" g="0" b="0"/>
+      </a:effectRef>
+      <a:fontRef idx="minor">
+        <a:schemeClr val="lt1"/>
+      </a:fontRef>
+    </dgm:style>
+  </dgm:styleLbl>
+  <dgm:styleLbl name="parChTrans2D2">
+    <dgm:scene3d>
+      <a:camera prst="orthographicFront"/>
+      <a:lightRig rig="threePt" dir="t"/>
+    </dgm:scene3d>
+    <dgm:sp3d/>
+    <dgm:txPr/>
+    <dgm:style>
+      <a:lnRef idx="2">
+        <a:scrgbClr r="0" g="0" b="0"/>
+      </a:lnRef>
+      <a:fillRef idx="1">
+        <a:scrgbClr r="0" g="0" b="0"/>
+      </a:fillRef>
+      <a:effectRef idx="0">
+        <a:scrgbClr r="0" g="0" b="0"/>
+      </a:effectRef>
+      <a:fontRef idx="minor">
+        <a:schemeClr val="lt1"/>
+      </a:fontRef>
+    </dgm:style>
+  </dgm:styleLbl>
+  <dgm:styleLbl name="parChTrans2D3">
+    <dgm:scene3d>
+      <a:camera prst="orthographicFront"/>
+      <a:lightRig rig="threePt" dir="t"/>
+    </dgm:scene3d>
+    <dgm:sp3d/>
+    <dgm:txPr/>
+    <dgm:style>
+      <a:lnRef idx="2">
+        <a:scrgbClr r="0" g="0" b="0"/>
+      </a:lnRef>
+      <a:fillRef idx="1">
+        <a:scrgbClr r="0" g="0" b="0"/>
+      </a:fillRef>
+      <a:effectRef idx="0">
+        <a:scrgbClr r="0" g="0" b="0"/>
+      </a:effectRef>
+      <a:fontRef idx="minor">
+        <a:schemeClr val="lt1"/>
+      </a:fontRef>
+    </dgm:style>
+  </dgm:styleLbl>
+  <dgm:styleLbl name="parChTrans2D4">
+    <dgm:scene3d>
+      <a:camera prst="orthographicFront"/>
+      <a:lightRig rig="threePt" dir="t"/>
+    </dgm:scene3d>
+    <dgm:sp3d/>
+    <dgm:txPr/>
+    <dgm:style>
+      <a:lnRef idx="2">
+        <a:scrgbClr r="0" g="0" b="0"/>
+      </a:lnRef>
+      <a:fillRef idx="1">
+        <a:scrgbClr r="0" g="0" b="0"/>
+      </a:fillRef>
+      <a:effectRef idx="0">
+        <a:scrgbClr r="0" g="0" b="0"/>
+      </a:effectRef>
+      <a:fontRef idx="minor">
+        <a:schemeClr val="lt1"/>
+      </a:fontRef>
+    </dgm:style>
+  </dgm:styleLbl>
+  <dgm:styleLbl name="parChTrans1D1">
+    <dgm:scene3d>
+      <a:camera prst="orthographicFront"/>
+      <a:lightRig rig="threePt" dir="t"/>
+    </dgm:scene3d>
+    <dgm:sp3d/>
+    <dgm:txPr/>
+    <dgm:style>
+      <a:lnRef idx="2">
+        <a:scrgbClr r="0" g="0" b="0"/>
+      </a:lnRef>
+      <a:fillRef idx="0">
+        <a:scrgbClr r="0" g="0" b="0"/>
+      </a:fillRef>
+      <a:effectRef idx="0">
+        <a:scrgbClr r="0" g="0" b="0"/>
+      </a:effectRef>
+      <a:fontRef idx="minor"/>
+    </dgm:style>
+  </dgm:styleLbl>
+  <dgm:styleLbl name="parChTrans1D2">
+    <dgm:scene3d>
+      <a:camera prst="orthographicFront"/>
+      <a:lightRig rig="threePt" dir="t"/>
+    </dgm:scene3d>
+    <dgm:sp3d/>
+    <dgm:txPr/>
+    <dgm:style>
+      <a:lnRef idx="2">
+        <a:scrgbClr r="0" g="0" b="0"/>
+      </a:lnRef>
+      <a:fillRef idx="0">
+        <a:scrgbClr r="0" g="0" b="0"/>
+      </a:fillRef>
+      <a:effectRef idx="0">
+        <a:scrgbClr r="0" g="0" b="0"/>
+      </a:effectRef>
+      <a:fontRef idx="minor"/>
+    </dgm:style>
+  </dgm:styleLbl>
+  <dgm:styleLbl name="parChTrans1D3">
+    <dgm:scene3d>
+      <a:camera prst="orthographicFront"/>
+      <a:lightRig rig="threePt" dir="t"/>
+    </dgm:scene3d>
+    <dgm:sp3d/>
+    <dgm:txPr/>
+    <dgm:style>
+      <a:lnRef idx="2">
+        <a:scrgbClr r="0" g="0" b="0"/>
+      </a:lnRef>
+      <a:fillRef idx="0">
+        <a:scrgbClr r="0" g="0" b="0"/>
+      </a:fillRef>
+      <a:effectRef idx="0">
+        <a:scrgbClr r="0" g="0" b="0"/>
+      </a:effectRef>
+      <a:fontRef idx="minor"/>
+    </dgm:style>
+  </dgm:styleLbl>
+  <dgm:styleLbl name="parChTrans1D4">
+    <dgm:scene3d>
+      <a:camera prst="orthographicFront"/>
+      <a:lightRig rig="threePt" dir="t"/>
+    </dgm:scene3d>
+    <dgm:sp3d/>
+    <dgm:txPr/>
+    <dgm:style>
+      <a:lnRef idx="2">
+        <a:scrgbClr r="0" g="0" b="0"/>
+      </a:lnRef>
+      <a:fillRef idx="0">
+        <a:scrgbClr r="0" g="0" b="0"/>
+      </a:fillRef>
+      <a:effectRef idx="0">
+        <a:scrgbClr r="0" g="0" b="0"/>
+      </a:effectRef>
+      <a:fontRef idx="minor"/>
+    </dgm:style>
+  </dgm:styleLbl>
+  <dgm:styleLbl name="fgAcc1">
+    <dgm:scene3d>
+      <a:camera prst="orthographicFront"/>
+      <a:lightRig rig="threePt" dir="t"/>
+    </dgm:scene3d>
+    <dgm:sp3d/>
+    <dgm:txPr/>
+    <dgm:style>
+      <a:lnRef idx="2">
+        <a:scrgbClr r="0" g="0" b="0"/>
+      </a:lnRef>
+      <a:fillRef idx="1">
+        <a:scrgbClr r="0" g="0" b="0"/>
+      </a:fillRef>
+      <a:effectRef idx="0">
+        <a:scrgbClr r="0" g="0" b="0"/>
+      </a:effectRef>
+      <a:fontRef idx="minor"/>
+    </dgm:style>
+  </dgm:styleLbl>
+  <dgm:styleLbl name="conFgAcc1">
+    <dgm:scene3d>
+      <a:camera prst="orthographicFront"/>
+      <a:lightRig rig="threePt" dir="t"/>
+    </dgm:scene3d>
+    <dgm:sp3d/>
+    <dgm:txPr/>
+    <dgm:style>
+      <a:lnRef idx="2">
+        <a:scrgbClr r="0" g="0" b="0"/>
+      </a:lnRef>
+      <a:fillRef idx="1">
+        <a:scrgbClr r="0" g="0" b="0"/>
+      </a:fillRef>
+      <a:effectRef idx="0">
+        <a:scrgbClr r="0" g="0" b="0"/>
+      </a:effectRef>
+      <a:fontRef idx="minor"/>
+    </dgm:style>
+  </dgm:styleLbl>
+  <dgm:styleLbl name="alignAcc1">
+    <dgm:scene3d>
+      <a:camera prst="orthographicFront"/>
+      <a:lightRig rig="threePt" dir="t"/>
+    </dgm:scene3d>
+    <dgm:sp3d/>
+    <dgm:txPr/>
+    <dgm:style>
+      <a:lnRef idx="2">
+        <a:scrgbClr r="0" g="0" b="0"/>
+      </a:lnRef>
+      <a:fillRef idx="1">
+        <a:scrgbClr r="0" g="0" b="0"/>
+      </a:fillRef>
+      <a:effectRef idx="0">
+        <a:scrgbClr r="0" g="0" b="0"/>
+      </a:effectRef>
+      <a:fontRef idx="minor"/>
+    </dgm:style>
+  </dgm:styleLbl>
+  <dgm:styleLbl name="trAlignAcc1">
+    <dgm:scene3d>
+      <a:camera prst="orthographicFront"/>
+      <a:lightRig rig="threePt" dir="t"/>
+    </dgm:scene3d>
+    <dgm:sp3d/>
+    <dgm:txPr/>
+    <dgm:style>
+      <a:lnRef idx="1">
+        <a:scrgbClr r="0" g="0" b="0"/>
+      </a:lnRef>
+      <a:fillRef idx="1">
+        <a:scrgbClr r="0" g="0" b="0"/>
+      </a:fillRef>
+      <a:effectRef idx="0">
+        <a:scrgbClr r="0" g="0" b="0"/>
+      </a:effectRef>
+      <a:fontRef idx="minor"/>
+    </dgm:style>
+  </dgm:styleLbl>
+  <dgm:styleLbl name="bgAcc1">
+    <dgm:scene3d>
+      <a:camera prst="orthographicFront"/>
+      <a:lightRig rig="threePt" dir="t"/>
+    </dgm:scene3d>
+    <dgm:sp3d/>
+    <dgm:txPr/>
+    <dgm:style>
+      <a:lnRef idx="2">
+        <a:scrgbClr r="0" g="0" b="0"/>
+      </a:lnRef>
+      <a:fillRef idx="1">
+        <a:scrgbClr r="0" g="0" b="0"/>
+      </a:fillRef>
+      <a:effectRef idx="0">
+        <a:scrgbClr r="0" g="0" b="0"/>
+      </a:effectRef>
+      <a:fontRef idx="minor"/>
+    </dgm:style>
+  </dgm:styleLbl>
+  <dgm:styleLbl name="solidFgAcc1">
+    <dgm:scene3d>
+      <a:camera prst="orthographicFront"/>
+      <a:lightRig rig="threePt" dir="t"/>
+    </dgm:scene3d>
+    <dgm:sp3d/>
+    <dgm:txPr/>
+    <dgm:style>
+      <a:lnRef idx="2">
+        <a:scrgbClr r="0" g="0" b="0"/>
+      </a:lnRef>
+      <a:fillRef idx="1">
+        <a:scrgbClr r="0" g="0" b="0"/>
+      </a:fillRef>
+      <a:effectRef idx="0">
+        <a:scrgbClr r="0" g="0" b="0"/>
+      </a:effectRef>
+      <a:fontRef idx="minor"/>
+    </dgm:style>
+  </dgm:styleLbl>
+  <dgm:styleLbl name="solidAlignAcc1">
+    <dgm:scene3d>
+      <a:camera prst="orthographicFront"/>
+      <a:lightRig rig="threePt" dir="t"/>
+    </dgm:scene3d>
+    <dgm:sp3d/>
+    <dgm:txPr/>
+    <dgm:style>
+      <a:lnRef idx="2">
+        <a:scrgbClr r="0" g="0" b="0"/>
+      </a:lnRef>
+      <a:fillRef idx="1">
+        <a:scrgbClr r="0" g="0" b="0"/>
+      </a:fillRef>
+      <a:effectRef idx="0">
+        <a:scrgbClr r="0" g="0" b="0"/>
+      </a:effectRef>
+      <a:fontRef idx="minor"/>
+    </dgm:style>
+  </dgm:styleLbl>
+  <dgm:styleLbl name="solidBgAcc1">
+    <dgm:scene3d>
+      <a:camera prst="orthographicFront"/>
+      <a:lightRig rig="threePt" dir="t"/>
+    </dgm:scene3d>
+    <dgm:sp3d/>
+    <dgm:txPr/>
+    <dgm:style>
+      <a:lnRef idx="2">
+        <a:scrgbClr r="0" g="0" b="0"/>
+      </a:lnRef>
+      <a:fillRef idx="1">
+        <a:scrgbClr r="0" g="0" b="0"/>
+      </a:fillRef>
+      <a:effectRef idx="0">
+        <a:scrgbClr r="0" g="0" b="0"/>
+      </a:effectRef>
+      <a:fontRef idx="minor"/>
+    </dgm:style>
+  </dgm:styleLbl>
+  <dgm:styleLbl name="fgAccFollowNode1">
+    <dgm:scene3d>
+      <a:camera prst="orthographicFront"/>
+      <a:lightRig rig="threePt" dir="t"/>
+    </dgm:scene3d>
+    <dgm:sp3d/>
+    <dgm:txPr/>
+    <dgm:style>
+      <a:lnRef idx="2">
+        <a:scrgbClr r="0" g="0" b="0"/>
+      </a:lnRef>
+      <a:fillRef idx="1">
+        <a:scrgbClr r="0" g="0" b="0"/>
+      </a:fillRef>
+      <a:effectRef idx="0">
+        <a:scrgbClr r="0" g="0" b="0"/>
+      </a:effectRef>
+      <a:fontRef idx="minor"/>
+    </dgm:style>
+  </dgm:styleLbl>
+  <dgm:styleLbl name="alignAccFollowNode1">
+    <dgm:scene3d>
+      <a:camera prst="orthographicFront"/>
+      <a:lightRig rig="threePt" dir="t"/>
+    </dgm:scene3d>
+    <dgm:sp3d/>
+    <dgm:txPr/>
+    <dgm:style>
+      <a:lnRef idx="2">
+        <a:scrgbClr r="0" g="0" b="0"/>
+      </a:lnRef>
+      <a:fillRef idx="1">
+        <a:scrgbClr r="0" g="0" b="0"/>
+      </a:fillRef>
+      <a:effectRef idx="0">
+        <a:scrgbClr r="0" g="0" b="0"/>
+      </a:effectRef>
+      <a:fontRef idx="minor"/>
+    </dgm:style>
+  </dgm:styleLbl>
+  <dgm:styleLbl name="bgAccFollowNode1">
+    <dgm:scene3d>
+      <a:camera prst="orthographicFront"/>
+      <a:lightRig rig="threePt" dir="t"/>
+    </dgm:scene3d>
+    <dgm:sp3d/>
+    <dgm:txPr/>
+    <dgm:style>
+      <a:lnRef idx="2">
+        <a:scrgbClr r="0" g="0" b="0"/>
+      </a:lnRef>
+      <a:fillRef idx="1">
+        <a:scrgbClr r="0" g="0" b="0"/>
+      </a:fillRef>
+      <a:effectRef idx="0">
+        <a:scrgbClr r="0" g="0" b="0"/>
+      </a:effectRef>
+      <a:fontRef idx="minor"/>
+    </dgm:style>
+  </dgm:styleLbl>
+  <dgm:styleLbl name="fgAcc0">
+    <dgm:scene3d>
+      <a:camera prst="orthographicFront"/>
+      <a:lightRig rig="threePt" dir="t"/>
+    </dgm:scene3d>
+    <dgm:sp3d/>
+    <dgm:txPr/>
+    <dgm:style>
+      <a:lnRef idx="2">
+        <a:scrgbClr r="0" g="0" b="0"/>
+      </a:lnRef>
+      <a:fillRef idx="1">
+        <a:scrgbClr r="0" g="0" b="0"/>
+      </a:fillRef>
+      <a:effectRef idx="0">
+        <a:scrgbClr r="0" g="0" b="0"/>
+      </a:effectRef>
+      <a:fontRef idx="minor"/>
+    </dgm:style>
+  </dgm:styleLbl>
+  <dgm:styleLbl name="fgAcc2">
+    <dgm:scene3d>
+      <a:camera prst="orthographicFront"/>
+      <a:lightRig rig="threePt" dir="t"/>
+    </dgm:scene3d>
+    <dgm:sp3d/>
+    <dgm:txPr/>
+    <dgm:style>
+      <a:lnRef idx="2">
+        <a:scrgbClr r="0" g="0" b="0"/>
+      </a:lnRef>
+      <a:fillRef idx="1">
+        <a:scrgbClr r="0" g="0" b="0"/>
+      </a:fillRef>
+      <a:effectRef idx="0">
+        <a:scrgbClr r="0" g="0" b="0"/>
+      </a:effectRef>
+      <a:fontRef idx="minor"/>
+    </dgm:style>
+  </dgm:styleLbl>
+  <dgm:styleLbl name="fgAcc3">
+    <dgm:scene3d>
+      <a:camera prst="orthographicFront"/>
+      <a:lightRig rig="threePt" dir="t"/>
+    </dgm:scene3d>
+    <dgm:sp3d/>
+    <dgm:txPr/>
+    <dgm:style>
+      <a:lnRef idx="2">
+        <a:scrgbClr r="0" g="0" b="0"/>
+      </a:lnRef>
+      <a:fillRef idx="1">
+        <a:scrgbClr r="0" g="0" b="0"/>
+      </a:fillRef>
+      <a:effectRef idx="0">
+        <a:scrgbClr r="0" g="0" b="0"/>
+      </a:effectRef>
+      <a:fontRef idx="minor"/>
+    </dgm:style>
+  </dgm:styleLbl>
+  <dgm:styleLbl name="fgAcc4">
+    <dgm:scene3d>
+      <a:camera prst="orthographicFront"/>
+      <a:lightRig rig="threePt" dir="t"/>
+    </dgm:scene3d>
+    <dgm:sp3d/>
+    <dgm:txPr/>
+    <dgm:style>
+      <a:lnRef idx="2">
+        <a:scrgbClr r="0" g="0" b="0"/>
+      </a:lnRef>
+      <a:fillRef idx="1">
+        <a:scrgbClr r="0" g="0" b="0"/>
+      </a:fillRef>
+      <a:effectRef idx="0">
+        <a:scrgbClr r="0" g="0" b="0"/>
+      </a:effectRef>
+      <a:fontRef idx="minor"/>
+    </dgm:style>
+  </dgm:styleLbl>
+  <dgm:styleLbl name="bgShp">
+    <dgm:scene3d>
+      <a:camera prst="orthographicFront"/>
+      <a:lightRig rig="threePt" dir="t"/>
+    </dgm:scene3d>
+    <dgm:sp3d/>
+    <dgm:txPr/>
+    <dgm:style>
+      <a:lnRef idx="0">
+        <a:scrgbClr r="0" g="0" b="0"/>
+      </a:lnRef>
+      <a:fillRef idx="1">
+        <a:scrgbClr r="0" g="0" b="0"/>
+      </a:fillRef>
+      <a:effectRef idx="0">
+        <a:scrgbClr r="0" g="0" b="0"/>
+      </a:effectRef>
+      <a:fontRef idx="minor"/>
+    </dgm:style>
+  </dgm:styleLbl>
+  <dgm:styleLbl name="dkBgShp">
+    <dgm:scene3d>
+      <a:camera prst="orthographicFront"/>
+      <a:lightRig rig="threePt" dir="t"/>
+    </dgm:scene3d>
+    <dgm:sp3d/>
+    <dgm:txPr/>
+    <dgm:style>
+      <a:lnRef idx="0">
+        <a:scrgbClr r="0" g="0" b="0"/>
+      </a:lnRef>
+      <a:fillRef idx="1">
+        <a:scrgbClr r="0" g="0" b="0"/>
+      </a:fillRef>
+      <a:effectRef idx="0">
+        <a:scrgbClr r="0" g="0" b="0"/>
+      </a:effectRef>
+      <a:fontRef idx="minor"/>
+    </dgm:style>
+  </dgm:styleLbl>
+  <dgm:styleLbl name="trBgShp">
+    <dgm:scene3d>
+      <a:camera prst="orthographicFront"/>
+      <a:lightRig rig="threePt" dir="t"/>
+    </dgm:scene3d>
+    <dgm:sp3d/>
+    <dgm:txPr/>
+    <dgm:style>
+      <a:lnRef idx="0">
+        <a:scrgbClr r="0" g="0" b="0"/>
+      </a:lnRef>
+      <a:fillRef idx="1">
+        <a:scrgbClr r="0" g="0" b="0"/>
+      </a:fillRef>
+      <a:effectRef idx="0">
+        <a:scrgbClr r="0" g="0" b="0"/>
+      </a:effectRef>
+      <a:fontRef idx="minor"/>
+    </dgm:style>
+  </dgm:styleLbl>
+  <dgm:styleLbl name="fgShp">
+    <dgm:scene3d>
+      <a:camera prst="orthographicFront"/>
+      <a:lightRig rig="threePt" dir="t"/>
+    </dgm:scene3d>
+    <dgm:sp3d/>
+    <dgm:txPr/>
+    <dgm:style>
+      <a:lnRef idx="2">
+        <a:scrgbClr r="0" g="0" b="0"/>
+      </a:lnRef>
+      <a:fillRef idx="1">
+        <a:scrgbClr r="0" g="0" b="0"/>
+      </a:fillRef>
+      <a:effectRef idx="0">
+        <a:scrgbClr r="0" g="0" b="0"/>
+      </a:effectRef>
+      <a:fontRef idx="minor"/>
+    </dgm:style>
+  </dgm:styleLbl>
+  <dgm:styleLbl name="revTx">
+    <dgm:scene3d>
+      <a:camera prst="orthographicFront"/>
+      <a:lightRig rig="threePt" dir="t"/>
+    </dgm:scene3d>
+    <dgm:sp3d/>
+    <dgm:txPr/>
+    <dgm:style>
+      <a:lnRef idx="0">
+        <a:scrgbClr r="0" g="0" b="0"/>
+      </a:lnRef>
+      <a:fillRef idx="0">
+        <a:scrgbClr r="0" g="0" b="0"/>
+      </a:fillRef>
+      <a:effectRef idx="0">
+        <a:scrgbClr r="0" g="0" b="0"/>
+      </a:effectRef>
+      <a:fontRef idx="minor"/>
+    </dgm:style>
+  </dgm:styleLbl>
+</dgm:styleDef>
 </file>
 
 <file path=ppt/slideLayouts/slideLayout1.xml><?xml version="1.0" encoding="utf-8"?>
@@ -355,7 +3560,7 @@
             <a:fld id="{5586B75A-687E-405C-8A0B-8D00578BA2C3}" type="datetimeFigureOut">
               <a:rPr lang="en-US" dirty="0"/>
               <a:pPr/>
-              <a:t>5/14/2019</a:t>
+              <a:t>5/15/2019</a:t>
             </a:fld>
             <a:endParaRPr lang="en-US" dirty="0"/>
           </a:p>
@@ -522,7 +3727,7 @@
             <a:fld id="{5586B75A-687E-405C-8A0B-8D00578BA2C3}" type="datetimeFigureOut">
               <a:rPr lang="en-US" dirty="0"/>
               <a:pPr/>
-              <a:t>5/14/2019</a:t>
+              <a:t>5/15/2019</a:t>
             </a:fld>
             <a:endParaRPr lang="en-US" dirty="0"/>
           </a:p>
@@ -699,7 +3904,7 @@
             <a:fld id="{5586B75A-687E-405C-8A0B-8D00578BA2C3}" type="datetimeFigureOut">
               <a:rPr lang="en-US" dirty="0"/>
               <a:pPr/>
-              <a:t>5/14/2019</a:t>
+              <a:t>5/15/2019</a:t>
             </a:fld>
             <a:endParaRPr lang="en-US" dirty="0"/>
           </a:p>
@@ -866,7 +4071,7 @@
             <a:fld id="{5586B75A-687E-405C-8A0B-8D00578BA2C3}" type="datetimeFigureOut">
               <a:rPr lang="en-US" dirty="0"/>
               <a:pPr/>
-              <a:t>5/14/2019</a:t>
+              <a:t>5/15/2019</a:t>
             </a:fld>
             <a:endParaRPr lang="en-US" dirty="0"/>
           </a:p>
@@ -1121,7 +4326,7 @@
             <a:fld id="{5586B75A-687E-405C-8A0B-8D00578BA2C3}" type="datetimeFigureOut">
               <a:rPr lang="en-US" dirty="0"/>
               <a:pPr/>
-              <a:t>5/14/2019</a:t>
+              <a:t>5/15/2019</a:t>
             </a:fld>
             <a:endParaRPr lang="en-US" dirty="0"/>
           </a:p>
@@ -1406,7 +4611,7 @@
             <a:fld id="{5586B75A-687E-405C-8A0B-8D00578BA2C3}" type="datetimeFigureOut">
               <a:rPr lang="en-US" dirty="0"/>
               <a:pPr/>
-              <a:t>5/14/2019</a:t>
+              <a:t>5/15/2019</a:t>
             </a:fld>
             <a:endParaRPr lang="en-US" dirty="0"/>
           </a:p>
@@ -1845,7 +5050,7 @@
             <a:fld id="{5586B75A-687E-405C-8A0B-8D00578BA2C3}" type="datetimeFigureOut">
               <a:rPr lang="en-US" dirty="0"/>
               <a:pPr/>
-              <a:t>5/14/2019</a:t>
+              <a:t>5/15/2019</a:t>
             </a:fld>
             <a:endParaRPr lang="en-US" dirty="0"/>
           </a:p>
@@ -1960,7 +5165,7 @@
             <a:fld id="{5586B75A-687E-405C-8A0B-8D00578BA2C3}" type="datetimeFigureOut">
               <a:rPr lang="en-US" dirty="0"/>
               <a:pPr/>
-              <a:t>5/14/2019</a:t>
+              <a:t>5/15/2019</a:t>
             </a:fld>
             <a:endParaRPr lang="en-US" dirty="0"/>
           </a:p>
@@ -2052,7 +5257,7 @@
             <a:fld id="{5586B75A-687E-405C-8A0B-8D00578BA2C3}" type="datetimeFigureOut">
               <a:rPr lang="en-US" dirty="0"/>
               <a:pPr/>
-              <a:t>5/14/2019</a:t>
+              <a:t>5/15/2019</a:t>
             </a:fld>
             <a:endParaRPr lang="en-US" dirty="0"/>
           </a:p>
@@ -2337,7 +5542,7 @@
             <a:fld id="{5586B75A-687E-405C-8A0B-8D00578BA2C3}" type="datetimeFigureOut">
               <a:rPr lang="en-US" dirty="0"/>
               <a:pPr/>
-              <a:t>5/14/2019</a:t>
+              <a:t>5/15/2019</a:t>
             </a:fld>
             <a:endParaRPr lang="en-US" dirty="0"/>
           </a:p>
@@ -2607,7 +5812,7 @@
             <a:fld id="{5586B75A-687E-405C-8A0B-8D00578BA2C3}" type="datetimeFigureOut">
               <a:rPr lang="en-US" dirty="0"/>
               <a:pPr/>
-              <a:t>5/14/2019</a:t>
+              <a:t>5/15/2019</a:t>
             </a:fld>
             <a:endParaRPr lang="en-US" dirty="0"/>
           </a:p>
@@ -2901,7 +6106,7 @@
             <a:fld id="{5586B75A-687E-405C-8A0B-8D00578BA2C3}" type="datetimeFigureOut">
               <a:rPr lang="en-US" dirty="0"/>
               <a:pPr/>
-              <a:t>5/14/2019</a:t>
+              <a:t>5/15/2019</a:t>
             </a:fld>
             <a:endParaRPr lang="en-US" dirty="0"/>
           </a:p>
@@ -3480,6 +6685,105 @@
           <p:cNvPr id="2" name="Title 1">
             <a:extLst>
               <a:ext uri="{FF2B5EF4-FFF2-40B4-BE49-F238E27FC236}">
+                <a16:creationId xmlns:a16="http://schemas.microsoft.com/office/drawing/2014/main" id="{897DBA35-1217-491D-A6FD-6F9C249EB545}"/>
+              </a:ext>
+            </a:extLst>
+          </p:cNvPr>
+          <p:cNvSpPr>
+            <a:spLocks noGrp="1"/>
+          </p:cNvSpPr>
+          <p:nvPr>
+            <p:ph type="title"/>
+          </p:nvPr>
+        </p:nvSpPr>
+        <p:spPr/>
+        <p:txBody>
+          <a:bodyPr/>
+          <a:lstStyle/>
+          <a:p>
+            <a:r>
+              <a:rPr lang="it-IT" dirty="0"/>
+              <a:t>Learned</a:t>
+            </a:r>
+            <a:endParaRPr lang="en-US" dirty="0"/>
+          </a:p>
+        </p:txBody>
+      </p:sp>
+      <p:sp>
+        <p:nvSpPr>
+          <p:cNvPr id="3" name="Content Placeholder 2">
+            <a:extLst>
+              <a:ext uri="{FF2B5EF4-FFF2-40B4-BE49-F238E27FC236}">
+                <a16:creationId xmlns:a16="http://schemas.microsoft.com/office/drawing/2014/main" id="{C8B2715A-CA63-493D-90E6-595CC591F51B}"/>
+              </a:ext>
+            </a:extLst>
+          </p:cNvPr>
+          <p:cNvSpPr>
+            <a:spLocks noGrp="1"/>
+          </p:cNvSpPr>
+          <p:nvPr>
+            <p:ph idx="1"/>
+          </p:nvPr>
+        </p:nvSpPr>
+        <p:spPr/>
+        <p:txBody>
+          <a:bodyPr/>
+          <a:lstStyle/>
+          <a:p>
+            <a:r>
+              <a:rPr lang="it-IT" dirty="0"/>
+              <a:t>Versioning with url prefix (alternatives?)</a:t>
+            </a:r>
+          </a:p>
+          <a:p>
+            <a:r>
+              <a:rPr lang="it-IT" dirty="0"/>
+              <a:t>SSL termination is good</a:t>
+            </a:r>
+          </a:p>
+          <a:p>
+            <a:r>
+              <a:rPr lang="it-IT" dirty="0"/>
+              <a:t>Routes can be overlapping (with priorities)</a:t>
+            </a:r>
+          </a:p>
+        </p:txBody>
+      </p:sp>
+    </p:spTree>
+    <p:extLst>
+      <p:ext uri="{BB962C8B-B14F-4D97-AF65-F5344CB8AC3E}">
+        <p14:creationId xmlns:p14="http://schemas.microsoft.com/office/powerpoint/2010/main" val="1929266693"/>
+      </p:ext>
+    </p:extLst>
+  </p:cSld>
+  <p:clrMapOvr>
+    <a:masterClrMapping/>
+  </p:clrMapOvr>
+</p:sld>
+</file>
+
+<file path=ppt/slides/slide11.xml><?xml version="1.0" encoding="utf-8"?>
+<p:sld xmlns:a="http://schemas.openxmlformats.org/drawingml/2006/main" xmlns:r="http://schemas.openxmlformats.org/officeDocument/2006/relationships" xmlns:p="http://schemas.openxmlformats.org/presentationml/2006/main">
+  <p:cSld>
+    <p:spTree>
+      <p:nvGrpSpPr>
+        <p:cNvPr id="1" name=""/>
+        <p:cNvGrpSpPr/>
+        <p:nvPr/>
+      </p:nvGrpSpPr>
+      <p:grpSpPr>
+        <a:xfrm>
+          <a:off x="0" y="0"/>
+          <a:ext cx="0" cy="0"/>
+          <a:chOff x="0" y="0"/>
+          <a:chExt cx="0" cy="0"/>
+        </a:xfrm>
+      </p:grpSpPr>
+      <p:sp>
+        <p:nvSpPr>
+          <p:cNvPr id="2" name="Title 1">
+            <a:extLst>
+              <a:ext uri="{FF2B5EF4-FFF2-40B4-BE49-F238E27FC236}">
                 <a16:creationId xmlns:a16="http://schemas.microsoft.com/office/drawing/2014/main" id="{3BBA5FB6-31E6-4813-8122-001772769BA6}"/>
               </a:ext>
             </a:extLst>
@@ -3546,7 +6850,7 @@
 </p:sld>
 </file>
 
-<file path=ppt/slides/slide11.xml><?xml version="1.0" encoding="utf-8"?>
+<file path=ppt/slides/slide12.xml><?xml version="1.0" encoding="utf-8"?>
 <p:sld xmlns:a="http://schemas.openxmlformats.org/drawingml/2006/main" xmlns:r="http://schemas.openxmlformats.org/officeDocument/2006/relationships" xmlns:p="http://schemas.openxmlformats.org/presentationml/2006/main">
   <p:cSld>
     <p:spTree>
@@ -3645,7 +6949,7 @@
 </p:sld>
 </file>
 
-<file path=ppt/slides/slide12.xml><?xml version="1.0" encoding="utf-8"?>
+<file path=ppt/slides/slide13.xml><?xml version="1.0" encoding="utf-8"?>
 <p:sld xmlns:a="http://schemas.openxmlformats.org/drawingml/2006/main" xmlns:r="http://schemas.openxmlformats.org/officeDocument/2006/relationships" xmlns:p="http://schemas.openxmlformats.org/presentationml/2006/main">
   <p:cSld>
     <p:spTree>
@@ -3733,7 +7037,7 @@
 </p:sld>
 </file>
 
-<file path=ppt/slides/slide13.xml><?xml version="1.0" encoding="utf-8"?>
+<file path=ppt/slides/slide14.xml><?xml version="1.0" encoding="utf-8"?>
 <p:sld xmlns:a="http://schemas.openxmlformats.org/drawingml/2006/main" xmlns:r="http://schemas.openxmlformats.org/officeDocument/2006/relationships" xmlns:p="http://schemas.openxmlformats.org/presentationml/2006/main">
   <p:cSld>
     <p:spTree>
@@ -3832,7 +7136,7 @@
 </p:sld>
 </file>
 
-<file path=ppt/slides/slide14.xml><?xml version="1.0" encoding="utf-8"?>
+<file path=ppt/slides/slide15.xml><?xml version="1.0" encoding="utf-8"?>
 <p:sld xmlns:a="http://schemas.openxmlformats.org/drawingml/2006/main" xmlns:r="http://schemas.openxmlformats.org/officeDocument/2006/relationships" xmlns:p="http://schemas.openxmlformats.org/presentationml/2006/main">
   <p:cSld>
     <p:spTree>
@@ -3920,7 +7224,7 @@
 </p:sld>
 </file>
 
-<file path=ppt/slides/slide15.xml><?xml version="1.0" encoding="utf-8"?>
+<file path=ppt/slides/slide16.xml><?xml version="1.0" encoding="utf-8"?>
 <p:sld xmlns:a="http://schemas.openxmlformats.org/drawingml/2006/main" xmlns:r="http://schemas.openxmlformats.org/officeDocument/2006/relationships" xmlns:p="http://schemas.openxmlformats.org/presentationml/2006/main">
   <p:cSld>
     <p:spTree>
@@ -4021,94 +7325,6 @@
     <p:extLst>
       <p:ext uri="{BB962C8B-B14F-4D97-AF65-F5344CB8AC3E}">
         <p14:creationId xmlns:p14="http://schemas.microsoft.com/office/powerpoint/2010/main" val="1388464777"/>
-      </p:ext>
-    </p:extLst>
-  </p:cSld>
-  <p:clrMapOvr>
-    <a:masterClrMapping/>
-  </p:clrMapOvr>
-</p:sld>
-</file>
-
-<file path=ppt/slides/slide16.xml><?xml version="1.0" encoding="utf-8"?>
-<p:sld xmlns:a="http://schemas.openxmlformats.org/drawingml/2006/main" xmlns:r="http://schemas.openxmlformats.org/officeDocument/2006/relationships" xmlns:p="http://schemas.openxmlformats.org/presentationml/2006/main">
-  <p:cSld>
-    <p:spTree>
-      <p:nvGrpSpPr>
-        <p:cNvPr id="1" name=""/>
-        <p:cNvGrpSpPr/>
-        <p:nvPr/>
-      </p:nvGrpSpPr>
-      <p:grpSpPr>
-        <a:xfrm>
-          <a:off x="0" y="0"/>
-          <a:ext cx="0" cy="0"/>
-          <a:chOff x="0" y="0"/>
-          <a:chExt cx="0" cy="0"/>
-        </a:xfrm>
-      </p:grpSpPr>
-      <p:sp>
-        <p:nvSpPr>
-          <p:cNvPr id="2" name="Title 1">
-            <a:extLst>
-              <a:ext uri="{FF2B5EF4-FFF2-40B4-BE49-F238E27FC236}">
-                <a16:creationId xmlns:a16="http://schemas.microsoft.com/office/drawing/2014/main" id="{3BBA5FB6-31E6-4813-8122-001772769BA6}"/>
-              </a:ext>
-            </a:extLst>
-          </p:cNvPr>
-          <p:cNvSpPr>
-            <a:spLocks noGrp="1"/>
-          </p:cNvSpPr>
-          <p:nvPr>
-            <p:ph type="ctrTitle"/>
-          </p:nvPr>
-        </p:nvSpPr>
-        <p:spPr/>
-        <p:txBody>
-          <a:bodyPr/>
-          <a:lstStyle/>
-          <a:p>
-            <a:r>
-              <a:rPr lang="it-IT" dirty="0"/>
-              <a:t>Containerization</a:t>
-            </a:r>
-            <a:endParaRPr lang="en-US" dirty="0"/>
-          </a:p>
-        </p:txBody>
-      </p:sp>
-      <p:sp>
-        <p:nvSpPr>
-          <p:cNvPr id="3" name="Subtitle 2">
-            <a:extLst>
-              <a:ext uri="{FF2B5EF4-FFF2-40B4-BE49-F238E27FC236}">
-                <a16:creationId xmlns:a16="http://schemas.microsoft.com/office/drawing/2014/main" id="{978937B1-C9A8-410D-8882-F5AFDD669121}"/>
-              </a:ext>
-            </a:extLst>
-          </p:cNvPr>
-          <p:cNvSpPr>
-            <a:spLocks noGrp="1"/>
-          </p:cNvSpPr>
-          <p:nvPr>
-            <p:ph type="subTitle" idx="1"/>
-          </p:nvPr>
-        </p:nvSpPr>
-        <p:spPr/>
-        <p:txBody>
-          <a:bodyPr/>
-          <a:lstStyle/>
-          <a:p>
-            <a:r>
-              <a:rPr lang="it-IT" dirty="0"/>
-              <a:t>Azure App Service for Containers - PaaS</a:t>
-            </a:r>
-            <a:endParaRPr lang="en-US" dirty="0"/>
-          </a:p>
-        </p:txBody>
-      </p:sp>
-    </p:spTree>
-    <p:extLst>
-      <p:ext uri="{BB962C8B-B14F-4D97-AF65-F5344CB8AC3E}">
-        <p14:creationId xmlns:p14="http://schemas.microsoft.com/office/powerpoint/2010/main" val="2676719209"/>
       </p:ext>
     </p:extLst>
   </p:cSld>
@@ -4158,7 +7374,7 @@
           <a:p>
             <a:r>
               <a:rPr lang="it-IT" dirty="0"/>
-              <a:t>Staging/Production</a:t>
+              <a:t>Containerization</a:t>
             </a:r>
             <a:endParaRPr lang="en-US" dirty="0"/>
           </a:p>
@@ -4187,6 +7403,94 @@
           <a:p>
             <a:r>
               <a:rPr lang="it-IT" dirty="0"/>
+              <a:t>Azure App Service for Containers - PaaS</a:t>
+            </a:r>
+            <a:endParaRPr lang="en-US" dirty="0"/>
+          </a:p>
+        </p:txBody>
+      </p:sp>
+    </p:spTree>
+    <p:extLst>
+      <p:ext uri="{BB962C8B-B14F-4D97-AF65-F5344CB8AC3E}">
+        <p14:creationId xmlns:p14="http://schemas.microsoft.com/office/powerpoint/2010/main" val="2676719209"/>
+      </p:ext>
+    </p:extLst>
+  </p:cSld>
+  <p:clrMapOvr>
+    <a:masterClrMapping/>
+  </p:clrMapOvr>
+</p:sld>
+</file>
+
+<file path=ppt/slides/slide18.xml><?xml version="1.0" encoding="utf-8"?>
+<p:sld xmlns:a="http://schemas.openxmlformats.org/drawingml/2006/main" xmlns:r="http://schemas.openxmlformats.org/officeDocument/2006/relationships" xmlns:p="http://schemas.openxmlformats.org/presentationml/2006/main">
+  <p:cSld>
+    <p:spTree>
+      <p:nvGrpSpPr>
+        <p:cNvPr id="1" name=""/>
+        <p:cNvGrpSpPr/>
+        <p:nvPr/>
+      </p:nvGrpSpPr>
+      <p:grpSpPr>
+        <a:xfrm>
+          <a:off x="0" y="0"/>
+          <a:ext cx="0" cy="0"/>
+          <a:chOff x="0" y="0"/>
+          <a:chExt cx="0" cy="0"/>
+        </a:xfrm>
+      </p:grpSpPr>
+      <p:sp>
+        <p:nvSpPr>
+          <p:cNvPr id="2" name="Title 1">
+            <a:extLst>
+              <a:ext uri="{FF2B5EF4-FFF2-40B4-BE49-F238E27FC236}">
+                <a16:creationId xmlns:a16="http://schemas.microsoft.com/office/drawing/2014/main" id="{3BBA5FB6-31E6-4813-8122-001772769BA6}"/>
+              </a:ext>
+            </a:extLst>
+          </p:cNvPr>
+          <p:cNvSpPr>
+            <a:spLocks noGrp="1"/>
+          </p:cNvSpPr>
+          <p:nvPr>
+            <p:ph type="ctrTitle"/>
+          </p:nvPr>
+        </p:nvSpPr>
+        <p:spPr/>
+        <p:txBody>
+          <a:bodyPr/>
+          <a:lstStyle/>
+          <a:p>
+            <a:r>
+              <a:rPr lang="it-IT" dirty="0"/>
+              <a:t>Staging/Production</a:t>
+            </a:r>
+            <a:endParaRPr lang="en-US" dirty="0"/>
+          </a:p>
+        </p:txBody>
+      </p:sp>
+      <p:sp>
+        <p:nvSpPr>
+          <p:cNvPr id="3" name="Subtitle 2">
+            <a:extLst>
+              <a:ext uri="{FF2B5EF4-FFF2-40B4-BE49-F238E27FC236}">
+                <a16:creationId xmlns:a16="http://schemas.microsoft.com/office/drawing/2014/main" id="{978937B1-C9A8-410D-8882-F5AFDD669121}"/>
+              </a:ext>
+            </a:extLst>
+          </p:cNvPr>
+          <p:cNvSpPr>
+            <a:spLocks noGrp="1"/>
+          </p:cNvSpPr>
+          <p:nvPr>
+            <p:ph type="subTitle" idx="1"/>
+          </p:nvPr>
+        </p:nvSpPr>
+        <p:spPr/>
+        <p:txBody>
+          <a:bodyPr/>
+          <a:lstStyle/>
+          <a:p>
+            <a:r>
+              <a:rPr lang="it-IT" dirty="0"/>
               <a:t>Using the Gateway to discriminate environments</a:t>
             </a:r>
             <a:endParaRPr lang="en-US" dirty="0"/>
@@ -4206,7 +7510,7 @@
 </p:sld>
 </file>
 
-<file path=ppt/slides/slide18.xml><?xml version="1.0" encoding="utf-8"?>
+<file path=ppt/slides/slide19.xml><?xml version="1.0" encoding="utf-8"?>
 <p:sld xmlns:a="http://schemas.openxmlformats.org/drawingml/2006/main" xmlns:r="http://schemas.openxmlformats.org/officeDocument/2006/relationships" xmlns:p="http://schemas.openxmlformats.org/presentationml/2006/main">
   <p:cSld>
     <p:spTree>
@@ -4309,101 +7613,6 @@
     <p:extLst>
       <p:ext uri="{BB962C8B-B14F-4D97-AF65-F5344CB8AC3E}">
         <p14:creationId xmlns:p14="http://schemas.microsoft.com/office/powerpoint/2010/main" val="3637554844"/>
-      </p:ext>
-    </p:extLst>
-  </p:cSld>
-  <p:clrMapOvr>
-    <a:masterClrMapping/>
-  </p:clrMapOvr>
-</p:sld>
-</file>
-
-<file path=ppt/slides/slide19.xml><?xml version="1.0" encoding="utf-8"?>
-<p:sld xmlns:a="http://schemas.openxmlformats.org/drawingml/2006/main" xmlns:r="http://schemas.openxmlformats.org/officeDocument/2006/relationships" xmlns:p="http://schemas.openxmlformats.org/presentationml/2006/main">
-  <p:cSld>
-    <p:spTree>
-      <p:nvGrpSpPr>
-        <p:cNvPr id="1" name=""/>
-        <p:cNvGrpSpPr/>
-        <p:nvPr/>
-      </p:nvGrpSpPr>
-      <p:grpSpPr>
-        <a:xfrm>
-          <a:off x="0" y="0"/>
-          <a:ext cx="0" cy="0"/>
-          <a:chOff x="0" y="0"/>
-          <a:chExt cx="0" cy="0"/>
-        </a:xfrm>
-      </p:grpSpPr>
-      <p:sp>
-        <p:nvSpPr>
-          <p:cNvPr id="2" name="Title 1">
-            <a:extLst>
-              <a:ext uri="{FF2B5EF4-FFF2-40B4-BE49-F238E27FC236}">
-                <a16:creationId xmlns:a16="http://schemas.microsoft.com/office/drawing/2014/main" id="{2FC5F7A3-BDB4-4EC9-AC05-5E5047F9AA4F}"/>
-              </a:ext>
-            </a:extLst>
-          </p:cNvPr>
-          <p:cNvSpPr>
-            <a:spLocks noGrp="1"/>
-          </p:cNvSpPr>
-          <p:nvPr>
-            <p:ph type="ctrTitle"/>
-          </p:nvPr>
-        </p:nvSpPr>
-        <p:spPr/>
-        <p:txBody>
-          <a:bodyPr/>
-          <a:lstStyle/>
-          <a:p>
-            <a:r>
-              <a:rPr lang="en-US" dirty="0"/>
-              <a:t>API Gateway made easy with Ocelot and Containers</a:t>
-            </a:r>
-          </a:p>
-        </p:txBody>
-      </p:sp>
-      <p:sp>
-        <p:nvSpPr>
-          <p:cNvPr id="3" name="Subtitle 2">
-            <a:extLst>
-              <a:ext uri="{FF2B5EF4-FFF2-40B4-BE49-F238E27FC236}">
-                <a16:creationId xmlns:a16="http://schemas.microsoft.com/office/drawing/2014/main" id="{70D575C0-DA41-47AB-9893-C24860735A90}"/>
-              </a:ext>
-            </a:extLst>
-          </p:cNvPr>
-          <p:cNvSpPr>
-            <a:spLocks noGrp="1"/>
-          </p:cNvSpPr>
-          <p:nvPr>
-            <p:ph type="subTitle" idx="1"/>
-          </p:nvPr>
-        </p:nvSpPr>
-        <p:spPr/>
-        <p:txBody>
-          <a:bodyPr/>
-          <a:lstStyle/>
-          <a:p>
-            <a:r>
-              <a:rPr lang="it-IT" b="1" dirty="0"/>
-              <a:t>Roberto Freato</a:t>
-            </a:r>
-            <a:r>
-              <a:rPr lang="it-IT" dirty="0"/>
-              <a:t> – </a:t>
-            </a:r>
-            <a:r>
-              <a:rPr lang="it-IT" i="1" dirty="0"/>
-              <a:t>Consultant / Author / Solution Architect</a:t>
-            </a:r>
-            <a:endParaRPr lang="en-US" i="1" dirty="0"/>
-          </a:p>
-        </p:txBody>
-      </p:sp>
-    </p:spTree>
-    <p:extLst>
-      <p:ext uri="{BB962C8B-B14F-4D97-AF65-F5344CB8AC3E}">
-        <p14:creationId xmlns:p14="http://schemas.microsoft.com/office/powerpoint/2010/main" val="414147985"/>
       </p:ext>
     </p:extLst>
   </p:cSld>
@@ -5003,6 +8212,227 @@
       </p:par>
     </p:tnLst>
   </p:timing>
+</p:sld>
+</file>
+
+<file path=ppt/slides/slide20.xml><?xml version="1.0" encoding="utf-8"?>
+<p:sld xmlns:a="http://schemas.openxmlformats.org/drawingml/2006/main" xmlns:r="http://schemas.openxmlformats.org/officeDocument/2006/relationships" xmlns:p="http://schemas.openxmlformats.org/presentationml/2006/main">
+  <p:cSld>
+    <p:spTree>
+      <p:nvGrpSpPr>
+        <p:cNvPr id="1" name=""/>
+        <p:cNvGrpSpPr/>
+        <p:nvPr/>
+      </p:nvGrpSpPr>
+      <p:grpSpPr>
+        <a:xfrm>
+          <a:off x="0" y="0"/>
+          <a:ext cx="0" cy="0"/>
+          <a:chOff x="0" y="0"/>
+          <a:chExt cx="0" cy="0"/>
+        </a:xfrm>
+      </p:grpSpPr>
+      <p:sp>
+        <p:nvSpPr>
+          <p:cNvPr id="2" name="Title 1">
+            <a:extLst>
+              <a:ext uri="{FF2B5EF4-FFF2-40B4-BE49-F238E27FC236}">
+                <a16:creationId xmlns:a16="http://schemas.microsoft.com/office/drawing/2014/main" id="{2FC5F7A3-BDB4-4EC9-AC05-5E5047F9AA4F}"/>
+              </a:ext>
+            </a:extLst>
+          </p:cNvPr>
+          <p:cNvSpPr>
+            <a:spLocks noGrp="1"/>
+          </p:cNvSpPr>
+          <p:nvPr>
+            <p:ph type="ctrTitle"/>
+          </p:nvPr>
+        </p:nvSpPr>
+        <p:spPr/>
+        <p:txBody>
+          <a:bodyPr/>
+          <a:lstStyle/>
+          <a:p>
+            <a:r>
+              <a:rPr lang="en-US" dirty="0"/>
+              <a:t>API Gateway made easy with Ocelot and Containers</a:t>
+            </a:r>
+          </a:p>
+        </p:txBody>
+      </p:sp>
+      <p:sp>
+        <p:nvSpPr>
+          <p:cNvPr id="3" name="Subtitle 2">
+            <a:extLst>
+              <a:ext uri="{FF2B5EF4-FFF2-40B4-BE49-F238E27FC236}">
+                <a16:creationId xmlns:a16="http://schemas.microsoft.com/office/drawing/2014/main" id="{70D575C0-DA41-47AB-9893-C24860735A90}"/>
+              </a:ext>
+            </a:extLst>
+          </p:cNvPr>
+          <p:cNvSpPr>
+            <a:spLocks noGrp="1"/>
+          </p:cNvSpPr>
+          <p:nvPr>
+            <p:ph type="subTitle" idx="1"/>
+          </p:nvPr>
+        </p:nvSpPr>
+        <p:spPr/>
+        <p:txBody>
+          <a:bodyPr/>
+          <a:lstStyle/>
+          <a:p>
+            <a:r>
+              <a:rPr lang="it-IT" b="1" dirty="0"/>
+              <a:t>Roberto Freato</a:t>
+            </a:r>
+            <a:r>
+              <a:rPr lang="it-IT" dirty="0"/>
+              <a:t> – </a:t>
+            </a:r>
+            <a:r>
+              <a:rPr lang="it-IT" i="1" dirty="0"/>
+              <a:t>Consultant / Author / Solution Architect</a:t>
+            </a:r>
+          </a:p>
+          <a:p>
+            <a:r>
+              <a:rPr lang="it-IT" i="1" dirty="0"/>
+              <a:t>https://www.robertofreato.com</a:t>
+            </a:r>
+            <a:endParaRPr lang="en-US" i="1" dirty="0"/>
+          </a:p>
+        </p:txBody>
+      </p:sp>
+      <p:pic>
+        <p:nvPicPr>
+          <p:cNvPr id="5" name="Picture 4" descr="A screenshot of a social media post&#10;&#10;Description generated with very high confidence">
+            <a:extLst>
+              <a:ext uri="{FF2B5EF4-FFF2-40B4-BE49-F238E27FC236}">
+                <a16:creationId xmlns:a16="http://schemas.microsoft.com/office/drawing/2014/main" id="{3DF93484-CE22-4A8C-A390-4E11145AC9E8}"/>
+              </a:ext>
+            </a:extLst>
+          </p:cNvPr>
+          <p:cNvPicPr>
+            <a:picLocks noChangeAspect="1"/>
+          </p:cNvPicPr>
+          <p:nvPr/>
+        </p:nvPicPr>
+        <p:blipFill>
+          <a:blip r:embed="rId2"/>
+          <a:stretch>
+            <a:fillRect/>
+          </a:stretch>
+        </p:blipFill>
+        <p:spPr>
+          <a:xfrm>
+            <a:off x="9318172" y="1143000"/>
+            <a:ext cx="1378857" cy="2068286"/>
+          </a:xfrm>
+          <a:prstGeom prst="rect">
+            <a:avLst/>
+          </a:prstGeom>
+        </p:spPr>
+      </p:pic>
+      <p:pic>
+        <p:nvPicPr>
+          <p:cNvPr id="7" name="Picture 6" descr="A screenshot of a cell phone&#10;&#10;Description generated with very high confidence">
+            <a:extLst>
+              <a:ext uri="{FF2B5EF4-FFF2-40B4-BE49-F238E27FC236}">
+                <a16:creationId xmlns:a16="http://schemas.microsoft.com/office/drawing/2014/main" id="{A9D0347C-F387-45E2-932C-22E568B1AE36}"/>
+              </a:ext>
+            </a:extLst>
+          </p:cNvPr>
+          <p:cNvPicPr>
+            <a:picLocks noChangeAspect="1"/>
+          </p:cNvPicPr>
+          <p:nvPr/>
+        </p:nvPicPr>
+        <p:blipFill>
+          <a:blip r:embed="rId3"/>
+          <a:stretch>
+            <a:fillRect/>
+          </a:stretch>
+        </p:blipFill>
+        <p:spPr>
+          <a:xfrm>
+            <a:off x="10792591" y="1153886"/>
+            <a:ext cx="1378857" cy="2068286"/>
+          </a:xfrm>
+          <a:prstGeom prst="rect">
+            <a:avLst/>
+          </a:prstGeom>
+        </p:spPr>
+      </p:pic>
+      <p:pic>
+        <p:nvPicPr>
+          <p:cNvPr id="9" name="Picture 8" descr="A screenshot of a social media post&#10;&#10;Description generated with very high confidence">
+            <a:extLst>
+              <a:ext uri="{FF2B5EF4-FFF2-40B4-BE49-F238E27FC236}">
+                <a16:creationId xmlns:a16="http://schemas.microsoft.com/office/drawing/2014/main" id="{CE05A5B5-A008-4C1B-BB45-0679BFFFFBDD}"/>
+              </a:ext>
+            </a:extLst>
+          </p:cNvPr>
+          <p:cNvPicPr>
+            <a:picLocks noChangeAspect="1"/>
+          </p:cNvPicPr>
+          <p:nvPr/>
+        </p:nvPicPr>
+        <p:blipFill>
+          <a:blip r:embed="rId4"/>
+          <a:stretch>
+            <a:fillRect/>
+          </a:stretch>
+        </p:blipFill>
+        <p:spPr>
+          <a:xfrm>
+            <a:off x="9318172" y="3298646"/>
+            <a:ext cx="1378857" cy="2068286"/>
+          </a:xfrm>
+          <a:prstGeom prst="rect">
+            <a:avLst/>
+          </a:prstGeom>
+        </p:spPr>
+      </p:pic>
+      <p:pic>
+        <p:nvPicPr>
+          <p:cNvPr id="13" name="Picture 12">
+            <a:extLst>
+              <a:ext uri="{FF2B5EF4-FFF2-40B4-BE49-F238E27FC236}">
+                <a16:creationId xmlns:a16="http://schemas.microsoft.com/office/drawing/2014/main" id="{67BB820E-A51A-4AE3-99B5-20FC5F545C83}"/>
+              </a:ext>
+            </a:extLst>
+          </p:cNvPr>
+          <p:cNvPicPr>
+            <a:picLocks noChangeAspect="1"/>
+          </p:cNvPicPr>
+          <p:nvPr/>
+        </p:nvPicPr>
+        <p:blipFill>
+          <a:blip r:embed="rId5"/>
+          <a:stretch>
+            <a:fillRect/>
+          </a:stretch>
+        </p:blipFill>
+        <p:spPr>
+          <a:xfrm>
+            <a:off x="10792591" y="3298646"/>
+            <a:ext cx="1378857" cy="2068286"/>
+          </a:xfrm>
+          <a:prstGeom prst="rect">
+            <a:avLst/>
+          </a:prstGeom>
+        </p:spPr>
+      </p:pic>
+    </p:spTree>
+    <p:extLst>
+      <p:ext uri="{BB962C8B-B14F-4D97-AF65-F5344CB8AC3E}">
+        <p14:creationId xmlns:p14="http://schemas.microsoft.com/office/powerpoint/2010/main" val="414147985"/>
+      </p:ext>
+    </p:extLst>
+  </p:cSld>
+  <p:clrMapOvr>
+    <a:masterClrMapping/>
+  </p:clrMapOvr>
 </p:sld>
 </file>
 
@@ -6297,6 +9727,427 @@
           <p:cNvPr id="2" name="Title 1">
             <a:extLst>
               <a:ext uri="{FF2B5EF4-FFF2-40B4-BE49-F238E27FC236}">
+                <a16:creationId xmlns:a16="http://schemas.microsoft.com/office/drawing/2014/main" id="{7CF826DA-39FB-43FE-AD20-CCED774DC17D}"/>
+              </a:ext>
+            </a:extLst>
+          </p:cNvPr>
+          <p:cNvSpPr>
+            <a:spLocks noGrp="1"/>
+          </p:cNvSpPr>
+          <p:nvPr>
+            <p:ph type="title"/>
+          </p:nvPr>
+        </p:nvSpPr>
+        <p:spPr/>
+        <p:txBody>
+          <a:bodyPr/>
+          <a:lstStyle/>
+          <a:p>
+            <a:r>
+              <a:rPr lang="it-IT" dirty="0"/>
+              <a:t>Scenario</a:t>
+            </a:r>
+            <a:endParaRPr lang="en-US" dirty="0"/>
+          </a:p>
+        </p:txBody>
+      </p:sp>
+      <p:graphicFrame>
+        <p:nvGraphicFramePr>
+          <p:cNvPr id="4" name="Content Placeholder 3">
+            <a:extLst>
+              <a:ext uri="{FF2B5EF4-FFF2-40B4-BE49-F238E27FC236}">
+                <a16:creationId xmlns:a16="http://schemas.microsoft.com/office/drawing/2014/main" id="{21501930-5027-4E65-ABF6-6750838F3DFA}"/>
+              </a:ext>
+            </a:extLst>
+          </p:cNvPr>
+          <p:cNvGraphicFramePr>
+            <a:graphicFrameLocks noGrp="1"/>
+          </p:cNvGraphicFramePr>
+          <p:nvPr>
+            <p:ph idx="1"/>
+            <p:extLst>
+              <p:ext uri="{D42A27DB-BD31-4B8C-83A1-F6EECF244321}">
+                <p14:modId xmlns:p14="http://schemas.microsoft.com/office/powerpoint/2010/main" val="3903126259"/>
+              </p:ext>
+            </p:extLst>
+          </p:nvPr>
+        </p:nvGraphicFramePr>
+        <p:xfrm>
+          <a:off x="3868738" y="863600"/>
+          <a:ext cx="7315200" cy="5121275"/>
+        </p:xfrm>
+        <a:graphic>
+          <a:graphicData uri="http://schemas.openxmlformats.org/drawingml/2006/diagram">
+            <dgm:relIds xmlns:dgm="http://schemas.openxmlformats.org/drawingml/2006/diagram" xmlns:r="http://schemas.openxmlformats.org/officeDocument/2006/relationships" r:dm="rId2" r:lo="rId3" r:qs="rId4" r:cs="rId5"/>
+          </a:graphicData>
+        </a:graphic>
+      </p:graphicFrame>
+    </p:spTree>
+    <p:extLst>
+      <p:ext uri="{BB962C8B-B14F-4D97-AF65-F5344CB8AC3E}">
+        <p14:creationId xmlns:p14="http://schemas.microsoft.com/office/powerpoint/2010/main" val="3767979563"/>
+      </p:ext>
+    </p:extLst>
+  </p:cSld>
+  <p:clrMapOvr>
+    <a:masterClrMapping/>
+  </p:clrMapOvr>
+  <p:timing>
+    <p:tnLst>
+      <p:par>
+        <p:cTn id="1" dur="indefinite" restart="never" nodeType="tmRoot">
+          <p:childTnLst>
+            <p:seq concurrent="1" nextAc="seek">
+              <p:cTn id="2" dur="indefinite" nodeType="mainSeq">
+                <p:childTnLst>
+                  <p:par>
+                    <p:cTn id="3" fill="hold">
+                      <p:stCondLst>
+                        <p:cond delay="indefinite"/>
+                      </p:stCondLst>
+                      <p:childTnLst>
+                        <p:par>
+                          <p:cTn id="4" fill="hold">
+                            <p:stCondLst>
+                              <p:cond delay="0"/>
+                            </p:stCondLst>
+                            <p:childTnLst>
+                              <p:par>
+                                <p:cTn id="5" presetID="1" presetClass="entr" presetSubtype="0" fill="hold" grpId="0" nodeType="clickEffect">
+                                  <p:stCondLst>
+                                    <p:cond delay="0"/>
+                                  </p:stCondLst>
+                                  <p:childTnLst>
+                                    <p:set>
+                                      <p:cBhvr>
+                                        <p:cTn id="6" dur="1" fill="hold">
+                                          <p:stCondLst>
+                                            <p:cond delay="0"/>
+                                          </p:stCondLst>
+                                        </p:cTn>
+                                        <p:tgtEl>
+                                          <p:spTgt spid="4">
+                                            <p:graphicEl>
+                                              <a:dgm id="{EE04FE2A-D441-4F34-9C7E-333EAD331C90}"/>
+                                            </p:graphicEl>
+                                          </p:spTgt>
+                                        </p:tgtEl>
+                                        <p:attrNameLst>
+                                          <p:attrName>style.visibility</p:attrName>
+                                        </p:attrNameLst>
+                                      </p:cBhvr>
+                                      <p:to>
+                                        <p:strVal val="visible"/>
+                                      </p:to>
+                                    </p:set>
+                                  </p:childTnLst>
+                                </p:cTn>
+                              </p:par>
+                            </p:childTnLst>
+                          </p:cTn>
+                        </p:par>
+                      </p:childTnLst>
+                    </p:cTn>
+                  </p:par>
+                  <p:par>
+                    <p:cTn id="7" fill="hold">
+                      <p:stCondLst>
+                        <p:cond delay="indefinite"/>
+                      </p:stCondLst>
+                      <p:childTnLst>
+                        <p:par>
+                          <p:cTn id="8" fill="hold">
+                            <p:stCondLst>
+                              <p:cond delay="0"/>
+                            </p:stCondLst>
+                            <p:childTnLst>
+                              <p:par>
+                                <p:cTn id="9" presetID="1" presetClass="entr" presetSubtype="0" fill="hold" grpId="0" nodeType="clickEffect">
+                                  <p:stCondLst>
+                                    <p:cond delay="0"/>
+                                  </p:stCondLst>
+                                  <p:childTnLst>
+                                    <p:set>
+                                      <p:cBhvr>
+                                        <p:cTn id="10" dur="1" fill="hold">
+                                          <p:stCondLst>
+                                            <p:cond delay="0"/>
+                                          </p:stCondLst>
+                                        </p:cTn>
+                                        <p:tgtEl>
+                                          <p:spTgt spid="4">
+                                            <p:graphicEl>
+                                              <a:dgm id="{76B2C874-9551-4C59-968D-AA2641CF10DC}"/>
+                                            </p:graphicEl>
+                                          </p:spTgt>
+                                        </p:tgtEl>
+                                        <p:attrNameLst>
+                                          <p:attrName>style.visibility</p:attrName>
+                                        </p:attrNameLst>
+                                      </p:cBhvr>
+                                      <p:to>
+                                        <p:strVal val="visible"/>
+                                      </p:to>
+                                    </p:set>
+                                  </p:childTnLst>
+                                </p:cTn>
+                              </p:par>
+                            </p:childTnLst>
+                          </p:cTn>
+                        </p:par>
+                      </p:childTnLst>
+                    </p:cTn>
+                  </p:par>
+                  <p:par>
+                    <p:cTn id="11" fill="hold">
+                      <p:stCondLst>
+                        <p:cond delay="indefinite"/>
+                      </p:stCondLst>
+                      <p:childTnLst>
+                        <p:par>
+                          <p:cTn id="12" fill="hold">
+                            <p:stCondLst>
+                              <p:cond delay="0"/>
+                            </p:stCondLst>
+                            <p:childTnLst>
+                              <p:par>
+                                <p:cTn id="13" presetID="1" presetClass="entr" presetSubtype="0" fill="hold" grpId="0" nodeType="clickEffect">
+                                  <p:stCondLst>
+                                    <p:cond delay="0"/>
+                                  </p:stCondLst>
+                                  <p:childTnLst>
+                                    <p:set>
+                                      <p:cBhvr>
+                                        <p:cTn id="14" dur="1" fill="hold">
+                                          <p:stCondLst>
+                                            <p:cond delay="0"/>
+                                          </p:stCondLst>
+                                        </p:cTn>
+                                        <p:tgtEl>
+                                          <p:spTgt spid="4">
+                                            <p:graphicEl>
+                                              <a:dgm id="{AABC3740-12D1-4112-A23F-024FC1CEA2C3}"/>
+                                            </p:graphicEl>
+                                          </p:spTgt>
+                                        </p:tgtEl>
+                                        <p:attrNameLst>
+                                          <p:attrName>style.visibility</p:attrName>
+                                        </p:attrNameLst>
+                                      </p:cBhvr>
+                                      <p:to>
+                                        <p:strVal val="visible"/>
+                                      </p:to>
+                                    </p:set>
+                                  </p:childTnLst>
+                                </p:cTn>
+                              </p:par>
+                            </p:childTnLst>
+                          </p:cTn>
+                        </p:par>
+                      </p:childTnLst>
+                    </p:cTn>
+                  </p:par>
+                  <p:par>
+                    <p:cTn id="15" fill="hold">
+                      <p:stCondLst>
+                        <p:cond delay="indefinite"/>
+                      </p:stCondLst>
+                      <p:childTnLst>
+                        <p:par>
+                          <p:cTn id="16" fill="hold">
+                            <p:stCondLst>
+                              <p:cond delay="0"/>
+                            </p:stCondLst>
+                            <p:childTnLst>
+                              <p:par>
+                                <p:cTn id="17" presetID="1" presetClass="entr" presetSubtype="0" fill="hold" grpId="0" nodeType="clickEffect">
+                                  <p:stCondLst>
+                                    <p:cond delay="0"/>
+                                  </p:stCondLst>
+                                  <p:childTnLst>
+                                    <p:set>
+                                      <p:cBhvr>
+                                        <p:cTn id="18" dur="1" fill="hold">
+                                          <p:stCondLst>
+                                            <p:cond delay="0"/>
+                                          </p:stCondLst>
+                                        </p:cTn>
+                                        <p:tgtEl>
+                                          <p:spTgt spid="4">
+                                            <p:graphicEl>
+                                              <a:dgm id="{1E393860-B238-4967-AC68-80B59BE875EE}"/>
+                                            </p:graphicEl>
+                                          </p:spTgt>
+                                        </p:tgtEl>
+                                        <p:attrNameLst>
+                                          <p:attrName>style.visibility</p:attrName>
+                                        </p:attrNameLst>
+                                      </p:cBhvr>
+                                      <p:to>
+                                        <p:strVal val="visible"/>
+                                      </p:to>
+                                    </p:set>
+                                  </p:childTnLst>
+                                </p:cTn>
+                              </p:par>
+                            </p:childTnLst>
+                          </p:cTn>
+                        </p:par>
+                      </p:childTnLst>
+                    </p:cTn>
+                  </p:par>
+                  <p:par>
+                    <p:cTn id="19" fill="hold">
+                      <p:stCondLst>
+                        <p:cond delay="indefinite"/>
+                      </p:stCondLst>
+                      <p:childTnLst>
+                        <p:par>
+                          <p:cTn id="20" fill="hold">
+                            <p:stCondLst>
+                              <p:cond delay="0"/>
+                            </p:stCondLst>
+                            <p:childTnLst>
+                              <p:par>
+                                <p:cTn id="21" presetID="1" presetClass="entr" presetSubtype="0" fill="hold" grpId="0" nodeType="clickEffect">
+                                  <p:stCondLst>
+                                    <p:cond delay="0"/>
+                                  </p:stCondLst>
+                                  <p:childTnLst>
+                                    <p:set>
+                                      <p:cBhvr>
+                                        <p:cTn id="22" dur="1" fill="hold">
+                                          <p:stCondLst>
+                                            <p:cond delay="0"/>
+                                          </p:stCondLst>
+                                        </p:cTn>
+                                        <p:tgtEl>
+                                          <p:spTgt spid="4">
+                                            <p:graphicEl>
+                                              <a:dgm id="{AB0831B0-AC4C-4870-AEE9-EFF6147383AB}"/>
+                                            </p:graphicEl>
+                                          </p:spTgt>
+                                        </p:tgtEl>
+                                        <p:attrNameLst>
+                                          <p:attrName>style.visibility</p:attrName>
+                                        </p:attrNameLst>
+                                      </p:cBhvr>
+                                      <p:to>
+                                        <p:strVal val="visible"/>
+                                      </p:to>
+                                    </p:set>
+                                  </p:childTnLst>
+                                </p:cTn>
+                              </p:par>
+                            </p:childTnLst>
+                          </p:cTn>
+                        </p:par>
+                      </p:childTnLst>
+                    </p:cTn>
+                  </p:par>
+                  <p:par>
+                    <p:cTn id="23" fill="hold">
+                      <p:stCondLst>
+                        <p:cond delay="indefinite"/>
+                      </p:stCondLst>
+                      <p:childTnLst>
+                        <p:par>
+                          <p:cTn id="24" fill="hold">
+                            <p:stCondLst>
+                              <p:cond delay="0"/>
+                            </p:stCondLst>
+                            <p:childTnLst>
+                              <p:par>
+                                <p:cTn id="25" presetID="1" presetClass="entr" presetSubtype="0" fill="hold" grpId="0" nodeType="clickEffect">
+                                  <p:stCondLst>
+                                    <p:cond delay="0"/>
+                                  </p:stCondLst>
+                                  <p:childTnLst>
+                                    <p:set>
+                                      <p:cBhvr>
+                                        <p:cTn id="26" dur="1" fill="hold">
+                                          <p:stCondLst>
+                                            <p:cond delay="0"/>
+                                          </p:stCondLst>
+                                        </p:cTn>
+                                        <p:tgtEl>
+                                          <p:spTgt spid="4">
+                                            <p:graphicEl>
+                                              <a:dgm id="{9F6FC6E4-EB2F-45E7-922F-FBB8879C6EBA}"/>
+                                            </p:graphicEl>
+                                          </p:spTgt>
+                                        </p:tgtEl>
+                                        <p:attrNameLst>
+                                          <p:attrName>style.visibility</p:attrName>
+                                        </p:attrNameLst>
+                                      </p:cBhvr>
+                                      <p:to>
+                                        <p:strVal val="visible"/>
+                                      </p:to>
+                                    </p:set>
+                                  </p:childTnLst>
+                                </p:cTn>
+                              </p:par>
+                            </p:childTnLst>
+                          </p:cTn>
+                        </p:par>
+                      </p:childTnLst>
+                    </p:cTn>
+                  </p:par>
+                </p:childTnLst>
+              </p:cTn>
+              <p:prevCondLst>
+                <p:cond evt="onPrev" delay="0">
+                  <p:tgtEl>
+                    <p:sldTgt/>
+                  </p:tgtEl>
+                </p:cond>
+              </p:prevCondLst>
+              <p:nextCondLst>
+                <p:cond evt="onNext" delay="0">
+                  <p:tgtEl>
+                    <p:sldTgt/>
+                  </p:tgtEl>
+                </p:cond>
+              </p:nextCondLst>
+            </p:seq>
+          </p:childTnLst>
+        </p:cTn>
+      </p:par>
+    </p:tnLst>
+    <p:bldLst>
+      <p:bldGraphic spid="4" grpId="0">
+        <p:bldSub>
+          <a:bldDgm bld="one"/>
+        </p:bldSub>
+      </p:bldGraphic>
+    </p:bldLst>
+  </p:timing>
+</p:sld>
+</file>
+
+<file path=ppt/slides/slide7.xml><?xml version="1.0" encoding="utf-8"?>
+<p:sld xmlns:a="http://schemas.openxmlformats.org/drawingml/2006/main" xmlns:r="http://schemas.openxmlformats.org/officeDocument/2006/relationships" xmlns:p="http://schemas.openxmlformats.org/presentationml/2006/main">
+  <p:cSld>
+    <p:spTree>
+      <p:nvGrpSpPr>
+        <p:cNvPr id="1" name=""/>
+        <p:cNvGrpSpPr/>
+        <p:nvPr/>
+      </p:nvGrpSpPr>
+      <p:grpSpPr>
+        <a:xfrm>
+          <a:off x="0" y="0"/>
+          <a:ext cx="0" cy="0"/>
+          <a:chOff x="0" y="0"/>
+          <a:chExt cx="0" cy="0"/>
+        </a:xfrm>
+      </p:grpSpPr>
+      <p:sp>
+        <p:nvSpPr>
+          <p:cNvPr id="2" name="Title 1">
+            <a:extLst>
+              <a:ext uri="{FF2B5EF4-FFF2-40B4-BE49-F238E27FC236}">
                 <a16:creationId xmlns:a16="http://schemas.microsoft.com/office/drawing/2014/main" id="{3BBA5FB6-31E6-4813-8122-001772769BA6}"/>
               </a:ext>
             </a:extLst>
@@ -6363,7 +10214,7 @@
 </p:sld>
 </file>
 
-<file path=ppt/slides/slide7.xml><?xml version="1.0" encoding="utf-8"?>
+<file path=ppt/slides/slide8.xml><?xml version="1.0" encoding="utf-8"?>
 <p:sld xmlns:a="http://schemas.openxmlformats.org/drawingml/2006/main" xmlns:r="http://schemas.openxmlformats.org/officeDocument/2006/relationships" xmlns:p="http://schemas.openxmlformats.org/presentationml/2006/main">
   <p:cSld>
     <p:spTree>
@@ -6483,7 +10334,7 @@
 </p:sld>
 </file>
 
-<file path=ppt/slides/slide8.xml><?xml version="1.0" encoding="utf-8"?>
+<file path=ppt/slides/slide9.xml><?xml version="1.0" encoding="utf-8"?>
 <p:sld xmlns:a="http://schemas.openxmlformats.org/drawingml/2006/main" xmlns:r="http://schemas.openxmlformats.org/officeDocument/2006/relationships" xmlns:p="http://schemas.openxmlformats.org/presentationml/2006/main">
   <p:cSld>
     <p:spTree>
@@ -6562,105 +10413,6 @@
     <p:extLst>
       <p:ext uri="{BB962C8B-B14F-4D97-AF65-F5344CB8AC3E}">
         <p14:creationId xmlns:p14="http://schemas.microsoft.com/office/powerpoint/2010/main" val="1142920516"/>
-      </p:ext>
-    </p:extLst>
-  </p:cSld>
-  <p:clrMapOvr>
-    <a:masterClrMapping/>
-  </p:clrMapOvr>
-</p:sld>
-</file>
-
-<file path=ppt/slides/slide9.xml><?xml version="1.0" encoding="utf-8"?>
-<p:sld xmlns:a="http://schemas.openxmlformats.org/drawingml/2006/main" xmlns:r="http://schemas.openxmlformats.org/officeDocument/2006/relationships" xmlns:p="http://schemas.openxmlformats.org/presentationml/2006/main">
-  <p:cSld>
-    <p:spTree>
-      <p:nvGrpSpPr>
-        <p:cNvPr id="1" name=""/>
-        <p:cNvGrpSpPr/>
-        <p:nvPr/>
-      </p:nvGrpSpPr>
-      <p:grpSpPr>
-        <a:xfrm>
-          <a:off x="0" y="0"/>
-          <a:ext cx="0" cy="0"/>
-          <a:chOff x="0" y="0"/>
-          <a:chExt cx="0" cy="0"/>
-        </a:xfrm>
-      </p:grpSpPr>
-      <p:sp>
-        <p:nvSpPr>
-          <p:cNvPr id="2" name="Title 1">
-            <a:extLst>
-              <a:ext uri="{FF2B5EF4-FFF2-40B4-BE49-F238E27FC236}">
-                <a16:creationId xmlns:a16="http://schemas.microsoft.com/office/drawing/2014/main" id="{897DBA35-1217-491D-A6FD-6F9C249EB545}"/>
-              </a:ext>
-            </a:extLst>
-          </p:cNvPr>
-          <p:cNvSpPr>
-            <a:spLocks noGrp="1"/>
-          </p:cNvSpPr>
-          <p:nvPr>
-            <p:ph type="title"/>
-          </p:nvPr>
-        </p:nvSpPr>
-        <p:spPr/>
-        <p:txBody>
-          <a:bodyPr/>
-          <a:lstStyle/>
-          <a:p>
-            <a:r>
-              <a:rPr lang="it-IT" dirty="0"/>
-              <a:t>Learned</a:t>
-            </a:r>
-            <a:endParaRPr lang="en-US" dirty="0"/>
-          </a:p>
-        </p:txBody>
-      </p:sp>
-      <p:sp>
-        <p:nvSpPr>
-          <p:cNvPr id="3" name="Content Placeholder 2">
-            <a:extLst>
-              <a:ext uri="{FF2B5EF4-FFF2-40B4-BE49-F238E27FC236}">
-                <a16:creationId xmlns:a16="http://schemas.microsoft.com/office/drawing/2014/main" id="{C8B2715A-CA63-493D-90E6-595CC591F51B}"/>
-              </a:ext>
-            </a:extLst>
-          </p:cNvPr>
-          <p:cNvSpPr>
-            <a:spLocks noGrp="1"/>
-          </p:cNvSpPr>
-          <p:nvPr>
-            <p:ph idx="1"/>
-          </p:nvPr>
-        </p:nvSpPr>
-        <p:spPr/>
-        <p:txBody>
-          <a:bodyPr/>
-          <a:lstStyle/>
-          <a:p>
-            <a:r>
-              <a:rPr lang="it-IT" dirty="0"/>
-              <a:t>Versioning with url prefix (alternatives?)</a:t>
-            </a:r>
-          </a:p>
-          <a:p>
-            <a:r>
-              <a:rPr lang="it-IT" dirty="0"/>
-              <a:t>SSL termination is good</a:t>
-            </a:r>
-          </a:p>
-          <a:p>
-            <a:r>
-              <a:rPr lang="it-IT" dirty="0"/>
-              <a:t>Routes can be overlapping (with priorities)</a:t>
-            </a:r>
-          </a:p>
-        </p:txBody>
-      </p:sp>
-    </p:spTree>
-    <p:extLst>
-      <p:ext uri="{BB962C8B-B14F-4D97-AF65-F5344CB8AC3E}">
-        <p14:creationId xmlns:p14="http://schemas.microsoft.com/office/powerpoint/2010/main" val="1929266693"/>
       </p:ext>
     </p:extLst>
   </p:cSld>

--- a/190515 - DotNext @Saint Petersburg/API Gateway made easy with Ocelot and Containers.pptx
+++ b/190515 - DotNext @Saint Petersburg/API Gateway made easy with Ocelot and Containers.pptx
@@ -8423,6 +8423,49 @@
           </a:prstGeom>
         </p:spPr>
       </p:pic>
+      <p:sp>
+        <p:nvSpPr>
+          <p:cNvPr id="4" name="Rectangle 3">
+            <a:extLst>
+              <a:ext uri="{FF2B5EF4-FFF2-40B4-BE49-F238E27FC236}">
+                <a16:creationId xmlns:a16="http://schemas.microsoft.com/office/drawing/2014/main" id="{76331778-D000-460C-89BB-1794B704D88A}"/>
+              </a:ext>
+            </a:extLst>
+          </p:cNvPr>
+          <p:cNvSpPr/>
+          <p:nvPr/>
+        </p:nvSpPr>
+        <p:spPr>
+          <a:xfrm>
+            <a:off x="1100015" y="5584646"/>
+            <a:ext cx="4041812" cy="369332"/>
+          </a:xfrm>
+          <a:prstGeom prst="rect">
+            <a:avLst/>
+          </a:prstGeom>
+        </p:spPr>
+        <p:txBody>
+          <a:bodyPr wrap="none">
+            <a:spAutoFit/>
+          </a:bodyPr>
+          <a:lstStyle/>
+          <a:p>
+            <a:r>
+              <a:rPr lang="en-US" dirty="0">
+                <a:hlinkClick r:id="rId6">
+                  <a:extLst>
+                    <a:ext uri="{A12FA001-AC4F-418D-AE19-62706E023703}">
+                      <ahyp:hlinkClr xmlns:ahyp="http://schemas.microsoft.com/office/drawing/2018/hyperlinkcolor" val="tx"/>
+                    </a:ext>
+                  </a:extLst>
+                </a:hlinkClick>
+              </a:rPr>
+              <a:t>https://github.com/childotg/Events.2019</a:t>
+            </a:r>
+            <a:endParaRPr lang="en-US" dirty="0"/>
+          </a:p>
+        </p:txBody>
+      </p:sp>
     </p:spTree>
     <p:extLst>
       <p:ext uri="{BB962C8B-B14F-4D97-AF65-F5344CB8AC3E}">
